--- a/ppt/Corso_Excel_Base_Avanzato_Parte8.pptx
+++ b/ppt/Corso_Excel_Base_Avanzato_Parte8.pptx
@@ -5,17 +5,19 @@
     <p:sldMasterId id="2147483648" r:id="rId4"/>
   </p:sldMasterIdLst>
   <p:notesMasterIdLst>
-    <p:notesMasterId r:id="rId13"/>
+    <p:notesMasterId r:id="rId15"/>
   </p:notesMasterIdLst>
   <p:sldIdLst>
     <p:sldId id="433" r:id="rId5"/>
     <p:sldId id="434" r:id="rId6"/>
-    <p:sldId id="435" r:id="rId7"/>
-    <p:sldId id="436" r:id="rId8"/>
-    <p:sldId id="437" r:id="rId9"/>
+    <p:sldId id="444" r:id="rId7"/>
+    <p:sldId id="435" r:id="rId8"/>
+    <p:sldId id="442" r:id="rId9"/>
     <p:sldId id="441" r:id="rId10"/>
-    <p:sldId id="390" r:id="rId11"/>
-    <p:sldId id="275" r:id="rId12"/>
+    <p:sldId id="443" r:id="rId11"/>
+    <p:sldId id="445" r:id="rId12"/>
+    <p:sldId id="390" r:id="rId13"/>
+    <p:sldId id="275" r:id="rId14"/>
   </p:sldIdLst>
   <p:sldSz cx="12192000" cy="6858000"/>
   <p:notesSz cx="6797675" cy="9926638"/>
@@ -144,6 +146,11 @@
       </a:defRPr>
     </a:lvl9pPr>
   </p:defaultTextStyle>
+  <p:extLst>
+    <p:ext uri="{EFAFB233-063F-42B5-8137-9DF3F51BA10A}">
+      <p15:sldGuideLst xmlns:p15="http://schemas.microsoft.com/office/powerpoint/2012/main"/>
+    </p:ext>
+  </p:extLst>
 </p:presentation>
 </file>
 
@@ -275,7 +282,7 @@
               <a:pPr>
                 <a:defRPr/>
               </a:pPr>
-              <a:t>05-Jul-23</a:t>
+              <a:t>11-Jul-23</a:t>
             </a:fld>
             <a:endParaRPr lang="en-US" dirty="0"/>
           </a:p>
@@ -898,6 +905,592 @@
         </p:txBody>
       </p:sp>
     </p:spTree>
+  </p:cSld>
+  <p:clrMapOvr>
+    <a:masterClrMapping/>
+  </p:clrMapOvr>
+</p:notes>
+</file>
+
+<file path=ppt/notesSlides/notesSlide2.xml><?xml version="1.0" encoding="utf-8"?>
+<p:notes xmlns:a="http://schemas.openxmlformats.org/drawingml/2006/main" xmlns:r="http://schemas.openxmlformats.org/officeDocument/2006/relationships" xmlns:p="http://schemas.openxmlformats.org/presentationml/2006/main">
+  <p:cSld>
+    <p:spTree>
+      <p:nvGrpSpPr>
+        <p:cNvPr id="1" name=""/>
+        <p:cNvGrpSpPr/>
+        <p:nvPr/>
+      </p:nvGrpSpPr>
+      <p:grpSpPr>
+        <a:xfrm>
+          <a:off x="0" y="0"/>
+          <a:ext cx="0" cy="0"/>
+          <a:chOff x="0" y="0"/>
+          <a:chExt cx="0" cy="0"/>
+        </a:xfrm>
+      </p:grpSpPr>
+      <p:sp>
+        <p:nvSpPr>
+          <p:cNvPr id="220162" name="Slide Image Placeholder 1">
+            <a:extLst>
+              <a:ext uri="{FF2B5EF4-FFF2-40B4-BE49-F238E27FC236}">
+                <a16:creationId xmlns:a16="http://schemas.microsoft.com/office/drawing/2014/main" id="{0C9ABB7D-188A-738C-B199-C379D0ADFD75}"/>
+              </a:ext>
+            </a:extLst>
+          </p:cNvPr>
+          <p:cNvSpPr>
+            <a:spLocks noGrp="1" noRot="1" noChangeAspect="1" noChangeArrowheads="1" noTextEdit="1"/>
+          </p:cNvSpPr>
+          <p:nvPr>
+            <p:ph type="sldImg"/>
+          </p:nvPr>
+        </p:nvSpPr>
+        <p:spPr bwMode="auto">
+          <a:noFill/>
+          <a:ln>
+            <a:solidFill>
+              <a:srgbClr val="000000"/>
+            </a:solidFill>
+            <a:miter lim="800000"/>
+            <a:headEnd/>
+            <a:tailEnd/>
+          </a:ln>
+          <a:extLst>
+            <a:ext uri="{909E8E84-426E-40DD-AFC4-6F175D3DCCD1}">
+              <a14:hiddenFill xmlns:a14="http://schemas.microsoft.com/office/drawing/2010/main">
+                <a:solidFill>
+                  <a:srgbClr val="FFFFFF"/>
+                </a:solidFill>
+              </a14:hiddenFill>
+            </a:ext>
+          </a:extLst>
+        </p:spPr>
+      </p:sp>
+      <p:sp>
+        <p:nvSpPr>
+          <p:cNvPr id="220163" name="Notes Placeholder 2">
+            <a:extLst>
+              <a:ext uri="{FF2B5EF4-FFF2-40B4-BE49-F238E27FC236}">
+                <a16:creationId xmlns:a16="http://schemas.microsoft.com/office/drawing/2014/main" id="{B217AC01-D92B-6434-73C7-C777BFF24B59}"/>
+              </a:ext>
+            </a:extLst>
+          </p:cNvPr>
+          <p:cNvSpPr>
+            <a:spLocks noGrp="1" noChangeArrowheads="1"/>
+          </p:cNvSpPr>
+          <p:nvPr>
+            <p:ph type="body" idx="1"/>
+          </p:nvPr>
+        </p:nvSpPr>
+        <p:spPr bwMode="auto">
+          <a:noFill/>
+          <a:extLst>
+            <a:ext uri="{909E8E84-426E-40DD-AFC4-6F175D3DCCD1}">
+              <a14:hiddenFill xmlns:a14="http://schemas.microsoft.com/office/drawing/2010/main">
+                <a:solidFill>
+                  <a:srgbClr val="FFFFFF"/>
+                </a:solidFill>
+              </a14:hiddenFill>
+            </a:ext>
+            <a:ext uri="{91240B29-F687-4F45-9708-019B960494DF}">
+              <a14:hiddenLine xmlns:a14="http://schemas.microsoft.com/office/drawing/2010/main" w="9525">
+                <a:solidFill>
+                  <a:srgbClr val="000000"/>
+                </a:solidFill>
+                <a:miter lim="800000"/>
+                <a:headEnd/>
+                <a:tailEnd/>
+              </a14:hiddenLine>
+            </a:ext>
+          </a:extLst>
+        </p:spPr>
+        <p:txBody>
+          <a:bodyPr wrap="square" numCol="1" anchor="t" anchorCtr="0" compatLnSpc="1">
+            <a:prstTxWarp prst="textNoShape">
+              <a:avLst/>
+            </a:prstTxWarp>
+          </a:bodyPr>
+          <a:lstStyle/>
+          <a:p>
+            <a:pPr>
+              <a:spcBef>
+                <a:spcPct val="0"/>
+              </a:spcBef>
+            </a:pPr>
+            <a:endParaRPr lang="en-US" altLang="en-US"/>
+          </a:p>
+        </p:txBody>
+      </p:sp>
+      <p:sp>
+        <p:nvSpPr>
+          <p:cNvPr id="220164" name="Slide Number Placeholder 3">
+            <a:extLst>
+              <a:ext uri="{FF2B5EF4-FFF2-40B4-BE49-F238E27FC236}">
+                <a16:creationId xmlns:a16="http://schemas.microsoft.com/office/drawing/2014/main" id="{9C4133EC-DD31-FE65-6E2F-8EF78D1CFB1A}"/>
+              </a:ext>
+            </a:extLst>
+          </p:cNvPr>
+          <p:cNvSpPr>
+            <a:spLocks noGrp="1" noChangeArrowheads="1"/>
+          </p:cNvSpPr>
+          <p:nvPr>
+            <p:ph type="sldNum" sz="quarter" idx="5"/>
+          </p:nvPr>
+        </p:nvSpPr>
+        <p:spPr bwMode="auto">
+          <a:noFill/>
+          <a:extLst>
+            <a:ext uri="{909E8E84-426E-40DD-AFC4-6F175D3DCCD1}">
+              <a14:hiddenFill xmlns:a14="http://schemas.microsoft.com/office/drawing/2010/main">
+                <a:solidFill>
+                  <a:srgbClr val="FFFFFF"/>
+                </a:solidFill>
+              </a14:hiddenFill>
+            </a:ext>
+            <a:ext uri="{91240B29-F687-4F45-9708-019B960494DF}">
+              <a14:hiddenLine xmlns:a14="http://schemas.microsoft.com/office/drawing/2010/main" w="9525">
+                <a:solidFill>
+                  <a:srgbClr val="000000"/>
+                </a:solidFill>
+                <a:miter lim="800000"/>
+                <a:headEnd/>
+                <a:tailEnd/>
+              </a14:hiddenLine>
+            </a:ext>
+          </a:extLst>
+        </p:spPr>
+        <p:txBody>
+          <a:bodyPr wrap="square" numCol="1" anchorCtr="0" compatLnSpc="1">
+            <a:prstTxWarp prst="textNoShape">
+              <a:avLst/>
+            </a:prstTxWarp>
+          </a:bodyPr>
+          <a:lstStyle>
+            <a:lvl1pPr>
+              <a:defRPr>
+                <a:solidFill>
+                  <a:schemeClr val="tx1"/>
+                </a:solidFill>
+                <a:latin typeface="Tenorite" panose="00000500000000000000" pitchFamily="2" charset="0"/>
+              </a:defRPr>
+            </a:lvl1pPr>
+            <a:lvl2pPr marL="742950" indent="-285750">
+              <a:defRPr>
+                <a:solidFill>
+                  <a:schemeClr val="tx1"/>
+                </a:solidFill>
+                <a:latin typeface="Tenorite" panose="00000500000000000000" pitchFamily="2" charset="0"/>
+              </a:defRPr>
+            </a:lvl2pPr>
+            <a:lvl3pPr marL="1143000" indent="-228600">
+              <a:defRPr>
+                <a:solidFill>
+                  <a:schemeClr val="tx1"/>
+                </a:solidFill>
+                <a:latin typeface="Tenorite" panose="00000500000000000000" pitchFamily="2" charset="0"/>
+              </a:defRPr>
+            </a:lvl3pPr>
+            <a:lvl4pPr marL="1600200" indent="-228600">
+              <a:defRPr>
+                <a:solidFill>
+                  <a:schemeClr val="tx1"/>
+                </a:solidFill>
+                <a:latin typeface="Tenorite" panose="00000500000000000000" pitchFamily="2" charset="0"/>
+              </a:defRPr>
+            </a:lvl4pPr>
+            <a:lvl5pPr marL="2057400" indent="-228600">
+              <a:defRPr>
+                <a:solidFill>
+                  <a:schemeClr val="tx1"/>
+                </a:solidFill>
+                <a:latin typeface="Tenorite" panose="00000500000000000000" pitchFamily="2" charset="0"/>
+              </a:defRPr>
+            </a:lvl5pPr>
+            <a:lvl6pPr marL="2514600" indent="-228600" fontAlgn="base">
+              <a:spcBef>
+                <a:spcPct val="0"/>
+              </a:spcBef>
+              <a:spcAft>
+                <a:spcPct val="0"/>
+              </a:spcAft>
+              <a:defRPr>
+                <a:solidFill>
+                  <a:schemeClr val="tx1"/>
+                </a:solidFill>
+                <a:latin typeface="Tenorite" panose="00000500000000000000" pitchFamily="2" charset="0"/>
+              </a:defRPr>
+            </a:lvl6pPr>
+            <a:lvl7pPr marL="2971800" indent="-228600" fontAlgn="base">
+              <a:spcBef>
+                <a:spcPct val="0"/>
+              </a:spcBef>
+              <a:spcAft>
+                <a:spcPct val="0"/>
+              </a:spcAft>
+              <a:defRPr>
+                <a:solidFill>
+                  <a:schemeClr val="tx1"/>
+                </a:solidFill>
+                <a:latin typeface="Tenorite" panose="00000500000000000000" pitchFamily="2" charset="0"/>
+              </a:defRPr>
+            </a:lvl7pPr>
+            <a:lvl8pPr marL="3429000" indent="-228600" fontAlgn="base">
+              <a:spcBef>
+                <a:spcPct val="0"/>
+              </a:spcBef>
+              <a:spcAft>
+                <a:spcPct val="0"/>
+              </a:spcAft>
+              <a:defRPr>
+                <a:solidFill>
+                  <a:schemeClr val="tx1"/>
+                </a:solidFill>
+                <a:latin typeface="Tenorite" panose="00000500000000000000" pitchFamily="2" charset="0"/>
+              </a:defRPr>
+            </a:lvl8pPr>
+            <a:lvl9pPr marL="3886200" indent="-228600" fontAlgn="base">
+              <a:spcBef>
+                <a:spcPct val="0"/>
+              </a:spcBef>
+              <a:spcAft>
+                <a:spcPct val="0"/>
+              </a:spcAft>
+              <a:defRPr>
+                <a:solidFill>
+                  <a:schemeClr val="tx1"/>
+                </a:solidFill>
+                <a:latin typeface="Tenorite" panose="00000500000000000000" pitchFamily="2" charset="0"/>
+              </a:defRPr>
+            </a:lvl9pPr>
+          </a:lstStyle>
+          <a:p>
+            <a:pPr fontAlgn="base">
+              <a:spcBef>
+                <a:spcPct val="0"/>
+              </a:spcBef>
+              <a:spcAft>
+                <a:spcPct val="0"/>
+              </a:spcAft>
+            </a:pPr>
+            <a:fld id="{AA040CA8-ECD2-4DB9-854C-5391D1548F0A}" type="slidenum">
+              <a:rPr lang="en-US" altLang="en-US">
+                <a:latin typeface="Calibri" panose="020F0502020204030204" pitchFamily="34" charset="0"/>
+              </a:rPr>
+              <a:pPr fontAlgn="base">
+                <a:spcBef>
+                  <a:spcPct val="0"/>
+                </a:spcBef>
+                <a:spcAft>
+                  <a:spcPct val="0"/>
+                </a:spcAft>
+              </a:pPr>
+              <a:t>7</a:t>
+            </a:fld>
+            <a:endParaRPr lang="en-US" altLang="en-US">
+              <a:latin typeface="Calibri" panose="020F0502020204030204" pitchFamily="34" charset="0"/>
+            </a:endParaRPr>
+          </a:p>
+        </p:txBody>
+      </p:sp>
+    </p:spTree>
+    <p:extLst>
+      <p:ext uri="{BB962C8B-B14F-4D97-AF65-F5344CB8AC3E}">
+        <p14:creationId xmlns:p14="http://schemas.microsoft.com/office/powerpoint/2010/main" val="1473568232"/>
+      </p:ext>
+    </p:extLst>
+  </p:cSld>
+  <p:clrMapOvr>
+    <a:masterClrMapping/>
+  </p:clrMapOvr>
+</p:notes>
+</file>
+
+<file path=ppt/notesSlides/notesSlide3.xml><?xml version="1.0" encoding="utf-8"?>
+<p:notes xmlns:a="http://schemas.openxmlformats.org/drawingml/2006/main" xmlns:r="http://schemas.openxmlformats.org/officeDocument/2006/relationships" xmlns:p="http://schemas.openxmlformats.org/presentationml/2006/main">
+  <p:cSld>
+    <p:spTree>
+      <p:nvGrpSpPr>
+        <p:cNvPr id="1" name=""/>
+        <p:cNvGrpSpPr/>
+        <p:nvPr/>
+      </p:nvGrpSpPr>
+      <p:grpSpPr>
+        <a:xfrm>
+          <a:off x="0" y="0"/>
+          <a:ext cx="0" cy="0"/>
+          <a:chOff x="0" y="0"/>
+          <a:chExt cx="0" cy="0"/>
+        </a:xfrm>
+      </p:grpSpPr>
+      <p:sp>
+        <p:nvSpPr>
+          <p:cNvPr id="220162" name="Slide Image Placeholder 1">
+            <a:extLst>
+              <a:ext uri="{FF2B5EF4-FFF2-40B4-BE49-F238E27FC236}">
+                <a16:creationId xmlns:a16="http://schemas.microsoft.com/office/drawing/2014/main" id="{0C9ABB7D-188A-738C-B199-C379D0ADFD75}"/>
+              </a:ext>
+            </a:extLst>
+          </p:cNvPr>
+          <p:cNvSpPr>
+            <a:spLocks noGrp="1" noRot="1" noChangeAspect="1" noChangeArrowheads="1" noTextEdit="1"/>
+          </p:cNvSpPr>
+          <p:nvPr>
+            <p:ph type="sldImg"/>
+          </p:nvPr>
+        </p:nvSpPr>
+        <p:spPr bwMode="auto">
+          <a:noFill/>
+          <a:ln>
+            <a:solidFill>
+              <a:srgbClr val="000000"/>
+            </a:solidFill>
+            <a:miter lim="800000"/>
+            <a:headEnd/>
+            <a:tailEnd/>
+          </a:ln>
+          <a:extLst>
+            <a:ext uri="{909E8E84-426E-40DD-AFC4-6F175D3DCCD1}">
+              <a14:hiddenFill xmlns:a14="http://schemas.microsoft.com/office/drawing/2010/main">
+                <a:solidFill>
+                  <a:srgbClr val="FFFFFF"/>
+                </a:solidFill>
+              </a14:hiddenFill>
+            </a:ext>
+          </a:extLst>
+        </p:spPr>
+      </p:sp>
+      <p:sp>
+        <p:nvSpPr>
+          <p:cNvPr id="220163" name="Notes Placeholder 2">
+            <a:extLst>
+              <a:ext uri="{FF2B5EF4-FFF2-40B4-BE49-F238E27FC236}">
+                <a16:creationId xmlns:a16="http://schemas.microsoft.com/office/drawing/2014/main" id="{B217AC01-D92B-6434-73C7-C777BFF24B59}"/>
+              </a:ext>
+            </a:extLst>
+          </p:cNvPr>
+          <p:cNvSpPr>
+            <a:spLocks noGrp="1" noChangeArrowheads="1"/>
+          </p:cNvSpPr>
+          <p:nvPr>
+            <p:ph type="body" idx="1"/>
+          </p:nvPr>
+        </p:nvSpPr>
+        <p:spPr bwMode="auto">
+          <a:noFill/>
+          <a:extLst>
+            <a:ext uri="{909E8E84-426E-40DD-AFC4-6F175D3DCCD1}">
+              <a14:hiddenFill xmlns:a14="http://schemas.microsoft.com/office/drawing/2010/main">
+                <a:solidFill>
+                  <a:srgbClr val="FFFFFF"/>
+                </a:solidFill>
+              </a14:hiddenFill>
+            </a:ext>
+            <a:ext uri="{91240B29-F687-4F45-9708-019B960494DF}">
+              <a14:hiddenLine xmlns:a14="http://schemas.microsoft.com/office/drawing/2010/main" w="9525">
+                <a:solidFill>
+                  <a:srgbClr val="000000"/>
+                </a:solidFill>
+                <a:miter lim="800000"/>
+                <a:headEnd/>
+                <a:tailEnd/>
+              </a14:hiddenLine>
+            </a:ext>
+          </a:extLst>
+        </p:spPr>
+        <p:txBody>
+          <a:bodyPr wrap="square" numCol="1" anchor="t" anchorCtr="0" compatLnSpc="1">
+            <a:prstTxWarp prst="textNoShape">
+              <a:avLst/>
+            </a:prstTxWarp>
+          </a:bodyPr>
+          <a:lstStyle/>
+          <a:p>
+            <a:pPr>
+              <a:spcBef>
+                <a:spcPct val="0"/>
+              </a:spcBef>
+            </a:pPr>
+            <a:endParaRPr lang="en-US" altLang="en-US"/>
+          </a:p>
+        </p:txBody>
+      </p:sp>
+      <p:sp>
+        <p:nvSpPr>
+          <p:cNvPr id="220164" name="Slide Number Placeholder 3">
+            <a:extLst>
+              <a:ext uri="{FF2B5EF4-FFF2-40B4-BE49-F238E27FC236}">
+                <a16:creationId xmlns:a16="http://schemas.microsoft.com/office/drawing/2014/main" id="{9C4133EC-DD31-FE65-6E2F-8EF78D1CFB1A}"/>
+              </a:ext>
+            </a:extLst>
+          </p:cNvPr>
+          <p:cNvSpPr>
+            <a:spLocks noGrp="1" noChangeArrowheads="1"/>
+          </p:cNvSpPr>
+          <p:nvPr>
+            <p:ph type="sldNum" sz="quarter" idx="5"/>
+          </p:nvPr>
+        </p:nvSpPr>
+        <p:spPr bwMode="auto">
+          <a:noFill/>
+          <a:extLst>
+            <a:ext uri="{909E8E84-426E-40DD-AFC4-6F175D3DCCD1}">
+              <a14:hiddenFill xmlns:a14="http://schemas.microsoft.com/office/drawing/2010/main">
+                <a:solidFill>
+                  <a:srgbClr val="FFFFFF"/>
+                </a:solidFill>
+              </a14:hiddenFill>
+            </a:ext>
+            <a:ext uri="{91240B29-F687-4F45-9708-019B960494DF}">
+              <a14:hiddenLine xmlns:a14="http://schemas.microsoft.com/office/drawing/2010/main" w="9525">
+                <a:solidFill>
+                  <a:srgbClr val="000000"/>
+                </a:solidFill>
+                <a:miter lim="800000"/>
+                <a:headEnd/>
+                <a:tailEnd/>
+              </a14:hiddenLine>
+            </a:ext>
+          </a:extLst>
+        </p:spPr>
+        <p:txBody>
+          <a:bodyPr wrap="square" numCol="1" anchorCtr="0" compatLnSpc="1">
+            <a:prstTxWarp prst="textNoShape">
+              <a:avLst/>
+            </a:prstTxWarp>
+          </a:bodyPr>
+          <a:lstStyle>
+            <a:lvl1pPr>
+              <a:defRPr>
+                <a:solidFill>
+                  <a:schemeClr val="tx1"/>
+                </a:solidFill>
+                <a:latin typeface="Tenorite" panose="00000500000000000000" pitchFamily="2" charset="0"/>
+              </a:defRPr>
+            </a:lvl1pPr>
+            <a:lvl2pPr marL="742950" indent="-285750">
+              <a:defRPr>
+                <a:solidFill>
+                  <a:schemeClr val="tx1"/>
+                </a:solidFill>
+                <a:latin typeface="Tenorite" panose="00000500000000000000" pitchFamily="2" charset="0"/>
+              </a:defRPr>
+            </a:lvl2pPr>
+            <a:lvl3pPr marL="1143000" indent="-228600">
+              <a:defRPr>
+                <a:solidFill>
+                  <a:schemeClr val="tx1"/>
+                </a:solidFill>
+                <a:latin typeface="Tenorite" panose="00000500000000000000" pitchFamily="2" charset="0"/>
+              </a:defRPr>
+            </a:lvl3pPr>
+            <a:lvl4pPr marL="1600200" indent="-228600">
+              <a:defRPr>
+                <a:solidFill>
+                  <a:schemeClr val="tx1"/>
+                </a:solidFill>
+                <a:latin typeface="Tenorite" panose="00000500000000000000" pitchFamily="2" charset="0"/>
+              </a:defRPr>
+            </a:lvl4pPr>
+            <a:lvl5pPr marL="2057400" indent="-228600">
+              <a:defRPr>
+                <a:solidFill>
+                  <a:schemeClr val="tx1"/>
+                </a:solidFill>
+                <a:latin typeface="Tenorite" panose="00000500000000000000" pitchFamily="2" charset="0"/>
+              </a:defRPr>
+            </a:lvl5pPr>
+            <a:lvl6pPr marL="2514600" indent="-228600" fontAlgn="base">
+              <a:spcBef>
+                <a:spcPct val="0"/>
+              </a:spcBef>
+              <a:spcAft>
+                <a:spcPct val="0"/>
+              </a:spcAft>
+              <a:defRPr>
+                <a:solidFill>
+                  <a:schemeClr val="tx1"/>
+                </a:solidFill>
+                <a:latin typeface="Tenorite" panose="00000500000000000000" pitchFamily="2" charset="0"/>
+              </a:defRPr>
+            </a:lvl6pPr>
+            <a:lvl7pPr marL="2971800" indent="-228600" fontAlgn="base">
+              <a:spcBef>
+                <a:spcPct val="0"/>
+              </a:spcBef>
+              <a:spcAft>
+                <a:spcPct val="0"/>
+              </a:spcAft>
+              <a:defRPr>
+                <a:solidFill>
+                  <a:schemeClr val="tx1"/>
+                </a:solidFill>
+                <a:latin typeface="Tenorite" panose="00000500000000000000" pitchFamily="2" charset="0"/>
+              </a:defRPr>
+            </a:lvl7pPr>
+            <a:lvl8pPr marL="3429000" indent="-228600" fontAlgn="base">
+              <a:spcBef>
+                <a:spcPct val="0"/>
+              </a:spcBef>
+              <a:spcAft>
+                <a:spcPct val="0"/>
+              </a:spcAft>
+              <a:defRPr>
+                <a:solidFill>
+                  <a:schemeClr val="tx1"/>
+                </a:solidFill>
+                <a:latin typeface="Tenorite" panose="00000500000000000000" pitchFamily="2" charset="0"/>
+              </a:defRPr>
+            </a:lvl8pPr>
+            <a:lvl9pPr marL="3886200" indent="-228600" fontAlgn="base">
+              <a:spcBef>
+                <a:spcPct val="0"/>
+              </a:spcBef>
+              <a:spcAft>
+                <a:spcPct val="0"/>
+              </a:spcAft>
+              <a:defRPr>
+                <a:solidFill>
+                  <a:schemeClr val="tx1"/>
+                </a:solidFill>
+                <a:latin typeface="Tenorite" panose="00000500000000000000" pitchFamily="2" charset="0"/>
+              </a:defRPr>
+            </a:lvl9pPr>
+          </a:lstStyle>
+          <a:p>
+            <a:pPr fontAlgn="base">
+              <a:spcBef>
+                <a:spcPct val="0"/>
+              </a:spcBef>
+              <a:spcAft>
+                <a:spcPct val="0"/>
+              </a:spcAft>
+            </a:pPr>
+            <a:fld id="{AA040CA8-ECD2-4DB9-854C-5391D1548F0A}" type="slidenum">
+              <a:rPr lang="en-US" altLang="en-US">
+                <a:latin typeface="Calibri" panose="020F0502020204030204" pitchFamily="34" charset="0"/>
+              </a:rPr>
+              <a:pPr fontAlgn="base">
+                <a:spcBef>
+                  <a:spcPct val="0"/>
+                </a:spcBef>
+                <a:spcAft>
+                  <a:spcPct val="0"/>
+                </a:spcAft>
+              </a:pPr>
+              <a:t>8</a:t>
+            </a:fld>
+            <a:endParaRPr lang="en-US" altLang="en-US">
+              <a:latin typeface="Calibri" panose="020F0502020204030204" pitchFamily="34" charset="0"/>
+            </a:endParaRPr>
+          </a:p>
+        </p:txBody>
+      </p:sp>
+    </p:spTree>
+    <p:extLst>
+      <p:ext uri="{BB962C8B-B14F-4D97-AF65-F5344CB8AC3E}">
+        <p14:creationId xmlns:p14="http://schemas.microsoft.com/office/powerpoint/2010/main" val="3688005487"/>
+      </p:ext>
+    </p:extLst>
   </p:cSld>
   <p:clrMapOvr>
     <a:masterClrMapping/>
@@ -2337,7 +2930,7 @@
               <a:pPr>
                 <a:defRPr/>
               </a:pPr>
-              <a:t>05-Jul-23</a:t>
+              <a:t>11-Jul-23</a:t>
             </a:fld>
             <a:endParaRPr lang="en-US" dirty="0"/>
           </a:p>
@@ -3496,7 +4089,7 @@
               <a:pPr>
                 <a:defRPr/>
               </a:pPr>
-              <a:t>05-Jul-23</a:t>
+              <a:t>11-Jul-23</a:t>
             </a:fld>
             <a:endParaRPr lang="en-US" dirty="0"/>
           </a:p>
@@ -4840,7 +5433,7 @@
               <a:pPr>
                 <a:defRPr/>
               </a:pPr>
-              <a:t>05-Jul-23</a:t>
+              <a:t>11-Jul-23</a:t>
             </a:fld>
             <a:endParaRPr lang="en-US" dirty="0"/>
           </a:p>
@@ -6464,7 +7057,7 @@
               <a:pPr>
                 <a:defRPr/>
               </a:pPr>
-              <a:t>05-Jul-23</a:t>
+              <a:t>11-Jul-23</a:t>
             </a:fld>
             <a:endParaRPr lang="en-US" dirty="0"/>
           </a:p>
@@ -7192,7 +7785,7 @@
               <a:pPr>
                 <a:defRPr/>
               </a:pPr>
-              <a:t>05-Jul-23</a:t>
+              <a:t>11-Jul-23</a:t>
             </a:fld>
             <a:endParaRPr lang="en-US" dirty="0"/>
           </a:p>
@@ -8444,7 +9037,7 @@
               <a:pPr>
                 <a:defRPr/>
               </a:pPr>
-              <a:t>05-Jul-23</a:t>
+              <a:t>11-Jul-23</a:t>
             </a:fld>
             <a:endParaRPr lang="en-US" dirty="0"/>
           </a:p>
@@ -9031,7 +9624,7 @@
               <a:pPr>
                 <a:defRPr/>
               </a:pPr>
-              <a:t>05-Jul-23</a:t>
+              <a:t>11-Jul-23</a:t>
             </a:fld>
             <a:endParaRPr lang="en-US" dirty="0"/>
           </a:p>
@@ -9476,7 +10069,7 @@
               <a:pPr>
                 <a:defRPr/>
               </a:pPr>
-              <a:t>05-Jul-23</a:t>
+              <a:t>11-Jul-23</a:t>
             </a:fld>
             <a:endParaRPr lang="en-US" dirty="0"/>
           </a:p>
@@ -11131,7 +11724,7 @@
               <a:pPr>
                 <a:defRPr/>
               </a:pPr>
-              <a:t>05-Jul-23</a:t>
+              <a:t>11-Jul-23</a:t>
             </a:fld>
             <a:endParaRPr lang="en-US" dirty="0"/>
           </a:p>
@@ -12399,7 +12992,7 @@
               <a:pPr>
                 <a:defRPr/>
               </a:pPr>
-              <a:t>05-Jul-23</a:t>
+              <a:t>11-Jul-23</a:t>
             </a:fld>
             <a:endParaRPr lang="en-US" dirty="0"/>
           </a:p>
@@ -12737,7 +13330,7 @@
               <a:pPr>
                 <a:defRPr/>
               </a:pPr>
-              <a:t>05-Jul-23</a:t>
+              <a:t>11-Jul-23</a:t>
             </a:fld>
             <a:endParaRPr lang="en-US" dirty="0"/>
           </a:p>
@@ -14043,6 +14636,103 @@
 </p:sld>
 </file>
 
+<file path=ppt/slides/slide10.xml><?xml version="1.0" encoding="utf-8"?>
+<p:sld xmlns:a="http://schemas.openxmlformats.org/drawingml/2006/main" xmlns:r="http://schemas.openxmlformats.org/officeDocument/2006/relationships" xmlns:p="http://schemas.openxmlformats.org/presentationml/2006/main">
+  <p:cSld>
+    <p:spTree>
+      <p:nvGrpSpPr>
+        <p:cNvPr id="1" name=""/>
+        <p:cNvGrpSpPr/>
+        <p:nvPr/>
+      </p:nvGrpSpPr>
+      <p:grpSpPr>
+        <a:xfrm>
+          <a:off x="0" y="0"/>
+          <a:ext cx="0" cy="0"/>
+          <a:chOff x="0" y="0"/>
+          <a:chExt cx="0" cy="0"/>
+        </a:xfrm>
+      </p:grpSpPr>
+      <p:sp>
+        <p:nvSpPr>
+          <p:cNvPr id="222210" name="Title 1">
+            <a:extLst>
+              <a:ext uri="{FF2B5EF4-FFF2-40B4-BE49-F238E27FC236}">
+                <a16:creationId xmlns:a16="http://schemas.microsoft.com/office/drawing/2014/main" id="{8044EDFF-B5E1-46FA-7E83-8E0822AA92EA}"/>
+              </a:ext>
+            </a:extLst>
+          </p:cNvPr>
+          <p:cNvSpPr>
+            <a:spLocks noGrp="1" noChangeArrowheads="1"/>
+          </p:cNvSpPr>
+          <p:nvPr>
+            <p:ph type="ctrTitle"/>
+          </p:nvPr>
+        </p:nvSpPr>
+        <p:spPr>
+          <a:xfrm>
+            <a:off x="1166813" y="1122363"/>
+            <a:ext cx="6221412" cy="2387600"/>
+          </a:xfrm>
+        </p:spPr>
+        <p:txBody>
+          <a:bodyPr/>
+          <a:lstStyle/>
+          <a:p>
+            <a:r>
+              <a:rPr lang="en-US" altLang="en-US" dirty="0"/>
+              <a:t>Thank you</a:t>
+            </a:r>
+          </a:p>
+        </p:txBody>
+      </p:sp>
+      <p:sp>
+        <p:nvSpPr>
+          <p:cNvPr id="222211" name="Content Placeholder 2">
+            <a:extLst>
+              <a:ext uri="{FF2B5EF4-FFF2-40B4-BE49-F238E27FC236}">
+                <a16:creationId xmlns:a16="http://schemas.microsoft.com/office/drawing/2014/main" id="{6DB2CEA8-BDAE-3A7D-D81B-52967D9142BE}"/>
+              </a:ext>
+            </a:extLst>
+          </p:cNvPr>
+          <p:cNvSpPr>
+            <a:spLocks noGrp="1" noChangeArrowheads="1"/>
+          </p:cNvSpPr>
+          <p:nvPr>
+            <p:ph type="subTitle" idx="1"/>
+          </p:nvPr>
+        </p:nvSpPr>
+        <p:spPr>
+          <a:xfrm>
+            <a:off x="1166813" y="3602038"/>
+            <a:ext cx="6221412" cy="2247900"/>
+          </a:xfrm>
+        </p:spPr>
+        <p:txBody>
+          <a:bodyPr/>
+          <a:lstStyle/>
+          <a:p>
+            <a:r>
+              <a:rPr lang="en-US" altLang="en-US" dirty="0"/>
+              <a:t>Pierluigi Salera​</a:t>
+            </a:r>
+          </a:p>
+          <a:p>
+            <a:r>
+              <a:rPr lang="en-US" altLang="en-US" dirty="0"/>
+              <a:t>igi_sweden@yahoo.it</a:t>
+            </a:r>
+          </a:p>
+        </p:txBody>
+      </p:sp>
+    </p:spTree>
+  </p:cSld>
+  <p:clrMapOvr>
+    <a:masterClrMapping/>
+  </p:clrMapOvr>
+</p:sld>
+</file>
+
 <file path=ppt/slides/slide2.xml><?xml version="1.0" encoding="utf-8"?>
 <p:sld xmlns:a="http://schemas.openxmlformats.org/drawingml/2006/main" xmlns:r="http://schemas.openxmlformats.org/officeDocument/2006/relationships" xmlns:p="http://schemas.openxmlformats.org/presentationml/2006/main">
   <p:cSld>
@@ -14093,59 +14783,31 @@
               <a:defRPr/>
             </a:pPr>
             <a:r>
-              <a:rPr lang="en-US" sz="4600" dirty="0">
-                <a:highlight>
-                  <a:srgbClr val="FFFF00"/>
-                </a:highlight>
-              </a:rPr>
+              <a:rPr lang="en-US" sz="4000" dirty="0"/>
               <a:t>Mail Outlook </a:t>
             </a:r>
             <a:r>
-              <a:rPr lang="en-US" sz="4600" dirty="0" err="1">
-                <a:highlight>
-                  <a:srgbClr val="FFFF00"/>
-                </a:highlight>
-              </a:rPr>
+              <a:rPr lang="en-US" sz="4000" dirty="0" err="1"/>
               <a:t>che</a:t>
             </a:r>
             <a:r>
-              <a:rPr lang="en-US" sz="4600" dirty="0">
-                <a:highlight>
-                  <a:srgbClr val="FFFF00"/>
-                </a:highlight>
-              </a:rPr>
+              <a:rPr lang="en-US" sz="4000" dirty="0"/>
               <a:t> </a:t>
             </a:r>
             <a:r>
-              <a:rPr lang="en-US" sz="4600" dirty="0" err="1">
-                <a:highlight>
-                  <a:srgbClr val="FFFF00"/>
-                </a:highlight>
-              </a:rPr>
+              <a:rPr lang="en-US" sz="4000" dirty="0" err="1"/>
               <a:t>prende</a:t>
             </a:r>
             <a:r>
-              <a:rPr lang="en-US" sz="4600" dirty="0">
-                <a:highlight>
-                  <a:srgbClr val="FFFF00"/>
-                </a:highlight>
-              </a:rPr>
+              <a:rPr lang="en-US" sz="4000" dirty="0"/>
               <a:t> </a:t>
             </a:r>
             <a:r>
-              <a:rPr lang="en-US" sz="4600" dirty="0" err="1">
-                <a:highlight>
-                  <a:srgbClr val="FFFF00"/>
-                </a:highlight>
-              </a:rPr>
+              <a:rPr lang="en-US" sz="4000" dirty="0" err="1"/>
               <a:t>dati</a:t>
             </a:r>
             <a:r>
-              <a:rPr lang="en-US" sz="4600" dirty="0">
-                <a:highlight>
-                  <a:srgbClr val="FFFF00"/>
-                </a:highlight>
-              </a:rPr>
+              <a:rPr lang="en-US" sz="4000" dirty="0"/>
               <a:t> da Excel</a:t>
             </a:r>
           </a:p>
@@ -14380,6 +15042,1088 @@
               <a:t>2</a:t>
             </a:fld>
             <a:endParaRPr lang="en-US" dirty="0"/>
+          </a:p>
+        </p:txBody>
+      </p:sp>
+      <p:sp>
+        <p:nvSpPr>
+          <p:cNvPr id="3" name="TextBox 2">
+            <a:extLst>
+              <a:ext uri="{FF2B5EF4-FFF2-40B4-BE49-F238E27FC236}">
+                <a16:creationId xmlns:a16="http://schemas.microsoft.com/office/drawing/2014/main" id="{A61CB3FC-1964-B38C-176C-4CC05E495C81}"/>
+              </a:ext>
+            </a:extLst>
+          </p:cNvPr>
+          <p:cNvSpPr txBox="1"/>
+          <p:nvPr/>
+        </p:nvSpPr>
+        <p:spPr>
+          <a:xfrm>
+            <a:off x="309076" y="1147922"/>
+            <a:ext cx="10909034" cy="2123658"/>
+          </a:xfrm>
+          <a:prstGeom prst="rect">
+            <a:avLst/>
+          </a:prstGeom>
+          <a:noFill/>
+        </p:spPr>
+        <p:txBody>
+          <a:bodyPr wrap="square">
+            <a:spAutoFit/>
+          </a:bodyPr>
+          <a:lstStyle/>
+          <a:p>
+            <a:pPr algn="l"/>
+            <a:r>
+              <a:rPr lang="en-US" sz="2200" dirty="0">
+                <a:solidFill>
+                  <a:srgbClr val="141414"/>
+                </a:solidFill>
+                <a:latin typeface="Tenorite (Body)"/>
+                <a:cs typeface="Arial" panose="020B0604020202020204" pitchFamily="34" charset="0"/>
+              </a:rPr>
+              <a:t>Un modo per fare un </a:t>
+            </a:r>
+            <a:r>
+              <a:rPr lang="en-US" sz="2200" dirty="0" err="1">
+                <a:solidFill>
+                  <a:srgbClr val="141414"/>
+                </a:solidFill>
+                <a:latin typeface="Tenorite (Body)"/>
+                <a:cs typeface="Arial" panose="020B0604020202020204" pitchFamily="34" charset="0"/>
+              </a:rPr>
+              <a:t>invio</a:t>
+            </a:r>
+            <a:r>
+              <a:rPr lang="en-US" sz="2200" dirty="0">
+                <a:solidFill>
+                  <a:srgbClr val="141414"/>
+                </a:solidFill>
+                <a:latin typeface="Tenorite (Body)"/>
+                <a:cs typeface="Arial" panose="020B0604020202020204" pitchFamily="34" charset="0"/>
+              </a:rPr>
+              <a:t> di </a:t>
+            </a:r>
+            <a:r>
+              <a:rPr lang="en-US" sz="2200" dirty="0" err="1">
+                <a:solidFill>
+                  <a:srgbClr val="141414"/>
+                </a:solidFill>
+                <a:latin typeface="Tenorite (Body)"/>
+                <a:cs typeface="Arial" panose="020B0604020202020204" pitchFamily="34" charset="0"/>
+              </a:rPr>
+              <a:t>una</a:t>
+            </a:r>
+            <a:r>
+              <a:rPr lang="en-US" sz="2200" dirty="0">
+                <a:solidFill>
+                  <a:srgbClr val="141414"/>
+                </a:solidFill>
+                <a:latin typeface="Tenorite (Body)"/>
+                <a:cs typeface="Arial" panose="020B0604020202020204" pitchFamily="34" charset="0"/>
+              </a:rPr>
+              <a:t> semplice mail </a:t>
+            </a:r>
+            <a:r>
+              <a:rPr lang="en-US" sz="2200" dirty="0" err="1">
+                <a:solidFill>
+                  <a:srgbClr val="141414"/>
+                </a:solidFill>
+                <a:latin typeface="Tenorite (Body)"/>
+                <a:cs typeface="Arial" panose="020B0604020202020204" pitchFamily="34" charset="0"/>
+              </a:rPr>
+              <a:t>che</a:t>
+            </a:r>
+            <a:r>
+              <a:rPr lang="en-US" sz="2200" dirty="0">
+                <a:solidFill>
+                  <a:srgbClr val="141414"/>
+                </a:solidFill>
+                <a:latin typeface="Tenorite (Body)"/>
+                <a:cs typeface="Arial" panose="020B0604020202020204" pitchFamily="34" charset="0"/>
+              </a:rPr>
+              <a:t> </a:t>
+            </a:r>
+            <a:r>
+              <a:rPr lang="en-US" sz="2200" dirty="0" err="1">
+                <a:solidFill>
+                  <a:srgbClr val="141414"/>
+                </a:solidFill>
+                <a:latin typeface="Tenorite (Body)"/>
+                <a:cs typeface="Arial" panose="020B0604020202020204" pitchFamily="34" charset="0"/>
+              </a:rPr>
+              <a:t>carichi</a:t>
+            </a:r>
+            <a:r>
+              <a:rPr lang="en-US" sz="2200" dirty="0">
+                <a:solidFill>
+                  <a:srgbClr val="141414"/>
+                </a:solidFill>
+                <a:latin typeface="Tenorite (Body)"/>
+                <a:cs typeface="Arial" panose="020B0604020202020204" pitchFamily="34" charset="0"/>
+              </a:rPr>
+              <a:t> </a:t>
+            </a:r>
+            <a:r>
+              <a:rPr lang="en-US" sz="2200" dirty="0" err="1">
+                <a:solidFill>
+                  <a:srgbClr val="141414"/>
+                </a:solidFill>
+                <a:latin typeface="Tenorite (Body)"/>
+                <a:cs typeface="Arial" panose="020B0604020202020204" pitchFamily="34" charset="0"/>
+              </a:rPr>
+              <a:t>indirizzi</a:t>
+            </a:r>
+            <a:r>
+              <a:rPr lang="en-US" sz="2200" dirty="0">
+                <a:solidFill>
+                  <a:srgbClr val="141414"/>
+                </a:solidFill>
+                <a:latin typeface="Tenorite (Body)"/>
+                <a:cs typeface="Arial" panose="020B0604020202020204" pitchFamily="34" charset="0"/>
+              </a:rPr>
+              <a:t> da un </a:t>
+            </a:r>
+            <a:r>
+              <a:rPr lang="en-US" sz="2200" dirty="0" err="1">
+                <a:solidFill>
+                  <a:srgbClr val="141414"/>
+                </a:solidFill>
+                <a:latin typeface="Tenorite (Body)"/>
+                <a:cs typeface="Arial" panose="020B0604020202020204" pitchFamily="34" charset="0"/>
+              </a:rPr>
+              <a:t>foglio</a:t>
+            </a:r>
+            <a:r>
+              <a:rPr lang="en-US" sz="2200" dirty="0">
+                <a:solidFill>
+                  <a:srgbClr val="141414"/>
+                </a:solidFill>
+                <a:latin typeface="Tenorite (Body)"/>
+                <a:cs typeface="Arial" panose="020B0604020202020204" pitchFamily="34" charset="0"/>
+              </a:rPr>
+              <a:t> excel, </a:t>
+            </a:r>
+            <a:r>
+              <a:rPr lang="en-US" sz="2200" dirty="0" err="1">
+                <a:solidFill>
+                  <a:srgbClr val="141414"/>
+                </a:solidFill>
+                <a:latin typeface="Tenorite (Body)"/>
+                <a:cs typeface="Arial" panose="020B0604020202020204" pitchFamily="34" charset="0"/>
+              </a:rPr>
+              <a:t>si</a:t>
+            </a:r>
+            <a:r>
+              <a:rPr lang="en-US" sz="2200" dirty="0">
+                <a:solidFill>
+                  <a:srgbClr val="141414"/>
+                </a:solidFill>
+                <a:latin typeface="Tenorite (Body)"/>
+                <a:cs typeface="Arial" panose="020B0604020202020204" pitchFamily="34" charset="0"/>
+              </a:rPr>
+              <a:t> fa (a </a:t>
+            </a:r>
+            <a:r>
+              <a:rPr lang="en-US" sz="2200" dirty="0" err="1">
+                <a:solidFill>
+                  <a:srgbClr val="141414"/>
+                </a:solidFill>
+                <a:latin typeface="Tenorite (Body)"/>
+                <a:cs typeface="Arial" panose="020B0604020202020204" pitchFamily="34" charset="0"/>
+              </a:rPr>
+              <a:t>questo</a:t>
+            </a:r>
+            <a:r>
+              <a:rPr lang="en-US" sz="2200" dirty="0">
+                <a:solidFill>
+                  <a:srgbClr val="141414"/>
+                </a:solidFill>
+                <a:latin typeface="Tenorite (Body)"/>
+                <a:cs typeface="Arial" panose="020B0604020202020204" pitchFamily="34" charset="0"/>
+              </a:rPr>
+              <a:t> punto, </a:t>
+            </a:r>
+            <a:r>
+              <a:rPr lang="en-US" sz="2200" dirty="0" err="1">
+                <a:solidFill>
+                  <a:srgbClr val="141414"/>
+                </a:solidFill>
+                <a:latin typeface="Tenorite (Body)"/>
+                <a:cs typeface="Arial" panose="020B0604020202020204" pitchFamily="34" charset="0"/>
+              </a:rPr>
+              <a:t>naturale</a:t>
+            </a:r>
+            <a:r>
+              <a:rPr lang="en-US" sz="2200" dirty="0">
+                <a:solidFill>
+                  <a:srgbClr val="141414"/>
+                </a:solidFill>
+                <a:latin typeface="Tenorite (Body)"/>
+                <a:cs typeface="Arial" panose="020B0604020202020204" pitchFamily="34" charset="0"/>
+              </a:rPr>
+              <a:t> </a:t>
+            </a:r>
+            <a:r>
+              <a:rPr lang="en-US" sz="2200" dirty="0" err="1">
+                <a:solidFill>
+                  <a:srgbClr val="141414"/>
+                </a:solidFill>
+                <a:latin typeface="Tenorite (Body)"/>
+                <a:cs typeface="Arial" panose="020B0604020202020204" pitchFamily="34" charset="0"/>
+              </a:rPr>
+              <a:t>immaginarlo</a:t>
+            </a:r>
+            <a:r>
+              <a:rPr lang="en-US" sz="2200" dirty="0">
+                <a:solidFill>
+                  <a:srgbClr val="141414"/>
+                </a:solidFill>
+                <a:latin typeface="Tenorite (Body)"/>
+                <a:cs typeface="Arial" panose="020B0604020202020204" pitchFamily="34" charset="0"/>
+              </a:rPr>
+              <a:t>) </a:t>
+            </a:r>
+            <a:r>
+              <a:rPr lang="en-US" sz="2200" dirty="0" err="1">
+                <a:solidFill>
+                  <a:srgbClr val="141414"/>
+                </a:solidFill>
+                <a:latin typeface="Tenorite (Body)"/>
+                <a:cs typeface="Arial" panose="020B0604020202020204" pitchFamily="34" charset="0"/>
+              </a:rPr>
+              <a:t>tramite</a:t>
+            </a:r>
+            <a:r>
+              <a:rPr lang="en-US" sz="2200" dirty="0">
+                <a:solidFill>
+                  <a:srgbClr val="141414"/>
+                </a:solidFill>
+                <a:latin typeface="Tenorite (Body)"/>
+                <a:cs typeface="Arial" panose="020B0604020202020204" pitchFamily="34" charset="0"/>
+              </a:rPr>
+              <a:t> </a:t>
+            </a:r>
+            <a:r>
+              <a:rPr lang="en-US" sz="2200" dirty="0" err="1">
+                <a:solidFill>
+                  <a:srgbClr val="141414"/>
+                </a:solidFill>
+                <a:latin typeface="Tenorite (Body)"/>
+                <a:cs typeface="Arial" panose="020B0604020202020204" pitchFamily="34" charset="0"/>
+              </a:rPr>
+              <a:t>una</a:t>
+            </a:r>
+            <a:r>
+              <a:rPr lang="en-US" sz="2200" dirty="0">
+                <a:solidFill>
+                  <a:srgbClr val="141414"/>
+                </a:solidFill>
+                <a:latin typeface="Tenorite (Body)"/>
+                <a:cs typeface="Arial" panose="020B0604020202020204" pitchFamily="34" charset="0"/>
+              </a:rPr>
+              <a:t> Macro di…Outlook!</a:t>
+            </a:r>
+          </a:p>
+          <a:p>
+            <a:pPr algn="l"/>
+            <a:endParaRPr lang="en-US" sz="2200" dirty="0">
+              <a:solidFill>
+                <a:srgbClr val="141414"/>
+              </a:solidFill>
+              <a:latin typeface="Tenorite (Body)"/>
+              <a:cs typeface="Arial" panose="020B0604020202020204" pitchFamily="34" charset="0"/>
+            </a:endParaRPr>
+          </a:p>
+          <a:p>
+            <a:pPr algn="l"/>
+            <a:r>
+              <a:rPr lang="en-US" sz="2200" dirty="0">
+                <a:solidFill>
+                  <a:srgbClr val="141414"/>
+                </a:solidFill>
+                <a:latin typeface="Tenorite (Body)"/>
+                <a:cs typeface="Arial" panose="020B0604020202020204" pitchFamily="34" charset="0"/>
+              </a:rPr>
+              <a:t>Il principio è lo </a:t>
+            </a:r>
+            <a:r>
+              <a:rPr lang="en-US" sz="2200" dirty="0" err="1">
+                <a:solidFill>
+                  <a:srgbClr val="141414"/>
+                </a:solidFill>
+                <a:latin typeface="Tenorite (Body)"/>
+                <a:cs typeface="Arial" panose="020B0604020202020204" pitchFamily="34" charset="0"/>
+              </a:rPr>
+              <a:t>stesso</a:t>
+            </a:r>
+            <a:r>
+              <a:rPr lang="en-US" sz="2200" dirty="0">
+                <a:solidFill>
+                  <a:srgbClr val="141414"/>
+                </a:solidFill>
+                <a:latin typeface="Tenorite (Body)"/>
+                <a:cs typeface="Arial" panose="020B0604020202020204" pitchFamily="34" charset="0"/>
+              </a:rPr>
+              <a:t>: </a:t>
+            </a:r>
+            <a:r>
+              <a:rPr lang="en-US" sz="2200" dirty="0" err="1">
+                <a:solidFill>
+                  <a:srgbClr val="141414"/>
+                </a:solidFill>
+                <a:latin typeface="Tenorite (Body)"/>
+                <a:cs typeface="Arial" panose="020B0604020202020204" pitchFamily="34" charset="0"/>
+              </a:rPr>
+              <a:t>esiste</a:t>
+            </a:r>
+            <a:r>
+              <a:rPr lang="en-US" sz="2200" dirty="0">
+                <a:solidFill>
+                  <a:srgbClr val="141414"/>
+                </a:solidFill>
+                <a:latin typeface="Tenorite (Body)"/>
+                <a:cs typeface="Arial" panose="020B0604020202020204" pitchFamily="34" charset="0"/>
+              </a:rPr>
+              <a:t> un editor VBA, in cui </a:t>
+            </a:r>
+            <a:r>
+              <a:rPr lang="en-US" sz="2200" dirty="0" err="1">
+                <a:solidFill>
+                  <a:srgbClr val="141414"/>
+                </a:solidFill>
+                <a:latin typeface="Tenorite (Body)"/>
+                <a:cs typeface="Arial" panose="020B0604020202020204" pitchFamily="34" charset="0"/>
+              </a:rPr>
+              <a:t>carichiamo</a:t>
+            </a:r>
+            <a:r>
+              <a:rPr lang="en-US" sz="2200" dirty="0">
+                <a:solidFill>
+                  <a:srgbClr val="141414"/>
+                </a:solidFill>
+                <a:latin typeface="Tenorite (Body)"/>
+                <a:cs typeface="Arial" panose="020B0604020202020204" pitchFamily="34" charset="0"/>
+              </a:rPr>
+              <a:t> un file </a:t>
+            </a:r>
+            <a:r>
+              <a:rPr lang="en-US" sz="2200" dirty="0" err="1">
+                <a:solidFill>
+                  <a:srgbClr val="141414"/>
+                </a:solidFill>
+                <a:latin typeface="Tenorite (Body)"/>
+                <a:cs typeface="Arial" panose="020B0604020202020204" pitchFamily="34" charset="0"/>
+              </a:rPr>
+              <a:t>che</a:t>
+            </a:r>
+            <a:r>
+              <a:rPr lang="en-US" sz="2200" dirty="0">
+                <a:solidFill>
+                  <a:srgbClr val="141414"/>
+                </a:solidFill>
+                <a:latin typeface="Tenorite (Body)"/>
+                <a:cs typeface="Arial" panose="020B0604020202020204" pitchFamily="34" charset="0"/>
+              </a:rPr>
+              <a:t> </a:t>
+            </a:r>
+            <a:r>
+              <a:rPr lang="en-US" sz="2200" dirty="0" err="1">
+                <a:solidFill>
+                  <a:srgbClr val="141414"/>
+                </a:solidFill>
+                <a:latin typeface="Tenorite (Body)"/>
+                <a:cs typeface="Arial" panose="020B0604020202020204" pitchFamily="34" charset="0"/>
+              </a:rPr>
+              <a:t>fornisce</a:t>
+            </a:r>
+            <a:r>
+              <a:rPr lang="en-US" sz="2200" dirty="0">
+                <a:solidFill>
+                  <a:srgbClr val="141414"/>
+                </a:solidFill>
+                <a:latin typeface="Tenorite (Body)"/>
+                <a:cs typeface="Arial" panose="020B0604020202020204" pitchFamily="34" charset="0"/>
+              </a:rPr>
+              <a:t> </a:t>
+            </a:r>
+            <a:r>
+              <a:rPr lang="en-US" sz="2200" dirty="0" err="1">
+                <a:solidFill>
+                  <a:srgbClr val="141414"/>
+                </a:solidFill>
+                <a:latin typeface="Tenorite (Body)"/>
+                <a:cs typeface="Arial" panose="020B0604020202020204" pitchFamily="34" charset="0"/>
+              </a:rPr>
+              <a:t>una</a:t>
+            </a:r>
+            <a:r>
+              <a:rPr lang="en-US" sz="2200" dirty="0">
+                <a:solidFill>
+                  <a:srgbClr val="141414"/>
+                </a:solidFill>
+                <a:latin typeface="Tenorite (Body)"/>
+                <a:cs typeface="Arial" panose="020B0604020202020204" pitchFamily="34" charset="0"/>
+              </a:rPr>
+              <a:t> macro </a:t>
+            </a:r>
+            <a:r>
+              <a:rPr lang="en-US" sz="2200" dirty="0" err="1">
+                <a:solidFill>
+                  <a:srgbClr val="141414"/>
+                </a:solidFill>
+                <a:latin typeface="Tenorite (Body)"/>
+                <a:cs typeface="Arial" panose="020B0604020202020204" pitchFamily="34" charset="0"/>
+              </a:rPr>
+              <a:t>che</a:t>
+            </a:r>
+            <a:r>
+              <a:rPr lang="en-US" sz="2200" dirty="0">
+                <a:solidFill>
+                  <a:srgbClr val="141414"/>
+                </a:solidFill>
+                <a:latin typeface="Tenorite (Body)"/>
+                <a:cs typeface="Arial" panose="020B0604020202020204" pitchFamily="34" charset="0"/>
+              </a:rPr>
+              <a:t> </a:t>
+            </a:r>
+            <a:r>
+              <a:rPr lang="en-US" sz="2200" dirty="0" err="1">
+                <a:solidFill>
+                  <a:srgbClr val="141414"/>
+                </a:solidFill>
+                <a:latin typeface="Tenorite (Body)"/>
+                <a:cs typeface="Arial" panose="020B0604020202020204" pitchFamily="34" charset="0"/>
+              </a:rPr>
+              <a:t>invia</a:t>
+            </a:r>
+            <a:r>
+              <a:rPr lang="en-US" sz="2200" dirty="0">
+                <a:solidFill>
+                  <a:srgbClr val="141414"/>
+                </a:solidFill>
+                <a:latin typeface="Tenorite (Body)"/>
+                <a:cs typeface="Arial" panose="020B0604020202020204" pitchFamily="34" charset="0"/>
+              </a:rPr>
+              <a:t> </a:t>
+            </a:r>
+            <a:r>
+              <a:rPr lang="en-US" sz="2200" dirty="0" err="1">
+                <a:solidFill>
+                  <a:srgbClr val="141414"/>
+                </a:solidFill>
+                <a:latin typeface="Tenorite (Body)"/>
+                <a:cs typeface="Arial" panose="020B0604020202020204" pitchFamily="34" charset="0"/>
+              </a:rPr>
+              <a:t>una</a:t>
+            </a:r>
+            <a:r>
+              <a:rPr lang="en-US" sz="2200" dirty="0">
+                <a:solidFill>
+                  <a:srgbClr val="141414"/>
+                </a:solidFill>
+                <a:latin typeface="Tenorite (Body)"/>
+                <a:cs typeface="Arial" panose="020B0604020202020204" pitchFamily="34" charset="0"/>
+              </a:rPr>
+              <a:t> mail a un range di </a:t>
+            </a:r>
+            <a:r>
+              <a:rPr lang="en-US" sz="2200" dirty="0" err="1">
+                <a:solidFill>
+                  <a:srgbClr val="141414"/>
+                </a:solidFill>
+                <a:latin typeface="Tenorite (Body)"/>
+                <a:cs typeface="Arial" panose="020B0604020202020204" pitchFamily="34" charset="0"/>
+              </a:rPr>
+              <a:t>indirizzi</a:t>
+            </a:r>
+            <a:r>
+              <a:rPr lang="en-US" sz="2200" dirty="0">
+                <a:solidFill>
+                  <a:srgbClr val="141414"/>
+                </a:solidFill>
+                <a:latin typeface="Tenorite (Body)"/>
+                <a:cs typeface="Arial" panose="020B0604020202020204" pitchFamily="34" charset="0"/>
+              </a:rPr>
+              <a:t>, </a:t>
+            </a:r>
+            <a:r>
+              <a:rPr lang="en-US" sz="2200" dirty="0" err="1">
+                <a:solidFill>
+                  <a:srgbClr val="141414"/>
+                </a:solidFill>
+                <a:latin typeface="Tenorite (Body)"/>
+                <a:cs typeface="Arial" panose="020B0604020202020204" pitchFamily="34" charset="0"/>
+              </a:rPr>
+              <a:t>memorizzati</a:t>
+            </a:r>
+            <a:r>
+              <a:rPr lang="en-US" sz="2200" dirty="0">
+                <a:solidFill>
+                  <a:srgbClr val="141414"/>
+                </a:solidFill>
+                <a:latin typeface="Tenorite (Body)"/>
+                <a:cs typeface="Arial" panose="020B0604020202020204" pitchFamily="34" charset="0"/>
+              </a:rPr>
+              <a:t> in </a:t>
+            </a:r>
+            <a:r>
+              <a:rPr lang="en-US" sz="2200" dirty="0" err="1">
+                <a:solidFill>
+                  <a:srgbClr val="141414"/>
+                </a:solidFill>
+                <a:latin typeface="Tenorite (Body)"/>
+                <a:cs typeface="Arial" panose="020B0604020202020204" pitchFamily="34" charset="0"/>
+              </a:rPr>
+              <a:t>celle</a:t>
+            </a:r>
+            <a:r>
+              <a:rPr lang="en-US" sz="2200" dirty="0">
+                <a:solidFill>
+                  <a:srgbClr val="141414"/>
+                </a:solidFill>
+                <a:latin typeface="Tenorite (Body)"/>
+                <a:cs typeface="Arial" panose="020B0604020202020204" pitchFamily="34" charset="0"/>
+              </a:rPr>
+              <a:t> di Excel, </a:t>
+            </a:r>
+            <a:r>
+              <a:rPr lang="en-US" sz="2200" dirty="0" err="1">
+                <a:solidFill>
+                  <a:srgbClr val="141414"/>
+                </a:solidFill>
+                <a:latin typeface="Tenorite (Body)"/>
+                <a:cs typeface="Arial" panose="020B0604020202020204" pitchFamily="34" charset="0"/>
+              </a:rPr>
+              <a:t>trovata</a:t>
+            </a:r>
+            <a:r>
+              <a:rPr lang="en-US" sz="2200" dirty="0">
+                <a:solidFill>
+                  <a:srgbClr val="141414"/>
+                </a:solidFill>
+                <a:latin typeface="Tenorite (Body)"/>
+                <a:cs typeface="Arial" panose="020B0604020202020204" pitchFamily="34" charset="0"/>
+              </a:rPr>
+              <a:t> </a:t>
+            </a:r>
+            <a:r>
+              <a:rPr lang="en-US" sz="2200" dirty="0" err="1">
+                <a:solidFill>
+                  <a:srgbClr val="141414"/>
+                </a:solidFill>
+                <a:latin typeface="Tenorite (Body)"/>
+                <a:cs typeface="Arial" panose="020B0604020202020204" pitchFamily="34" charset="0"/>
+              </a:rPr>
+              <a:t>sul</a:t>
+            </a:r>
+            <a:r>
+              <a:rPr lang="en-US" sz="2200" dirty="0">
+                <a:solidFill>
+                  <a:srgbClr val="141414"/>
+                </a:solidFill>
+                <a:latin typeface="Tenorite (Body)"/>
+                <a:cs typeface="Arial" panose="020B0604020202020204" pitchFamily="34" charset="0"/>
+              </a:rPr>
+              <a:t> Web…</a:t>
+            </a:r>
+            <a:r>
+              <a:rPr lang="en-US" sz="2200" dirty="0" err="1">
+                <a:solidFill>
+                  <a:srgbClr val="141414"/>
+                </a:solidFill>
+                <a:latin typeface="Tenorite (Body)"/>
+                <a:cs typeface="Arial" panose="020B0604020202020204" pitchFamily="34" charset="0"/>
+              </a:rPr>
+              <a:t>cerchiamo</a:t>
+            </a:r>
+            <a:r>
+              <a:rPr lang="en-US" sz="2200" dirty="0">
+                <a:solidFill>
+                  <a:srgbClr val="141414"/>
+                </a:solidFill>
+                <a:latin typeface="Tenorite (Body)"/>
+                <a:cs typeface="Arial" panose="020B0604020202020204" pitchFamily="34" charset="0"/>
+              </a:rPr>
+              <a:t> di </a:t>
+            </a:r>
+            <a:r>
+              <a:rPr lang="en-US" sz="2200" dirty="0" err="1">
+                <a:solidFill>
+                  <a:srgbClr val="141414"/>
+                </a:solidFill>
+                <a:latin typeface="Tenorite (Body)"/>
+                <a:cs typeface="Arial" panose="020B0604020202020204" pitchFamily="34" charset="0"/>
+              </a:rPr>
+              <a:t>integrarla</a:t>
+            </a:r>
+            <a:r>
+              <a:rPr lang="en-US" sz="2200" dirty="0">
+                <a:solidFill>
+                  <a:srgbClr val="141414"/>
+                </a:solidFill>
+                <a:latin typeface="Tenorite (Body)"/>
+                <a:cs typeface="Arial" panose="020B0604020202020204" pitchFamily="34" charset="0"/>
+              </a:rPr>
+              <a:t> </a:t>
+            </a:r>
+            <a:r>
+              <a:rPr lang="en-US" sz="2200" dirty="0" err="1">
+                <a:solidFill>
+                  <a:srgbClr val="141414"/>
+                </a:solidFill>
+                <a:latin typeface="Tenorite (Body)"/>
+                <a:cs typeface="Arial" panose="020B0604020202020204" pitchFamily="34" charset="0"/>
+              </a:rPr>
+              <a:t>nel</a:t>
+            </a:r>
+            <a:r>
+              <a:rPr lang="en-US" sz="2200" dirty="0">
+                <a:solidFill>
+                  <a:srgbClr val="141414"/>
+                </a:solidFill>
+                <a:latin typeface="Tenorite (Body)"/>
+                <a:cs typeface="Arial" panose="020B0604020202020204" pitchFamily="34" charset="0"/>
+              </a:rPr>
+              <a:t> nostro </a:t>
+            </a:r>
+            <a:r>
+              <a:rPr lang="en-US" sz="2200" dirty="0" err="1">
+                <a:solidFill>
+                  <a:srgbClr val="141414"/>
+                </a:solidFill>
+                <a:latin typeface="Tenorite (Body)"/>
+                <a:cs typeface="Arial" panose="020B0604020202020204" pitchFamily="34" charset="0"/>
+              </a:rPr>
+              <a:t>ambiente</a:t>
+            </a:r>
+            <a:r>
+              <a:rPr lang="en-US" sz="2200" dirty="0">
+                <a:solidFill>
+                  <a:srgbClr val="141414"/>
+                </a:solidFill>
+                <a:latin typeface="Tenorite (Body)"/>
+                <a:cs typeface="Arial" panose="020B0604020202020204" pitchFamily="34" charset="0"/>
+              </a:rPr>
+              <a:t> di </a:t>
+            </a:r>
+            <a:r>
+              <a:rPr lang="en-US" sz="2200" dirty="0" err="1">
+                <a:solidFill>
+                  <a:srgbClr val="141414"/>
+                </a:solidFill>
+                <a:latin typeface="Tenorite (Body)"/>
+                <a:cs typeface="Arial" panose="020B0604020202020204" pitchFamily="34" charset="0"/>
+              </a:rPr>
+              <a:t>lavoro</a:t>
+            </a:r>
+            <a:r>
+              <a:rPr lang="en-US" sz="2200" dirty="0">
+                <a:solidFill>
+                  <a:srgbClr val="141414"/>
+                </a:solidFill>
+                <a:latin typeface="Tenorite (Body)"/>
+                <a:cs typeface="Arial" panose="020B0604020202020204" pitchFamily="34" charset="0"/>
+              </a:rPr>
+              <a:t>.</a:t>
+            </a:r>
+          </a:p>
+        </p:txBody>
+      </p:sp>
+      <p:pic>
+        <p:nvPicPr>
+          <p:cNvPr id="6" name="Picture 5">
+            <a:extLst>
+              <a:ext uri="{FF2B5EF4-FFF2-40B4-BE49-F238E27FC236}">
+                <a16:creationId xmlns:a16="http://schemas.microsoft.com/office/drawing/2014/main" id="{320CB718-7C27-EB1F-5D4E-118C2E7928D2}"/>
+              </a:ext>
+            </a:extLst>
+          </p:cNvPr>
+          <p:cNvPicPr>
+            <a:picLocks noChangeAspect="1"/>
+          </p:cNvPicPr>
+          <p:nvPr/>
+        </p:nvPicPr>
+        <p:blipFill>
+          <a:blip r:embed="rId2"/>
+          <a:stretch>
+            <a:fillRect/>
+          </a:stretch>
+        </p:blipFill>
+        <p:spPr>
+          <a:xfrm>
+            <a:off x="7847860" y="3305531"/>
+            <a:ext cx="3530793" cy="2922842"/>
+          </a:xfrm>
+          <a:prstGeom prst="rect">
+            <a:avLst/>
+          </a:prstGeom>
+        </p:spPr>
+      </p:pic>
+      <p:sp>
+        <p:nvSpPr>
+          <p:cNvPr id="8" name="TextBox 7">
+            <a:extLst>
+              <a:ext uri="{FF2B5EF4-FFF2-40B4-BE49-F238E27FC236}">
+                <a16:creationId xmlns:a16="http://schemas.microsoft.com/office/drawing/2014/main" id="{145A16E2-167F-3DA3-A0F6-6D59B3563A9B}"/>
+              </a:ext>
+            </a:extLst>
+          </p:cNvPr>
+          <p:cNvSpPr txBox="1"/>
+          <p:nvPr/>
+        </p:nvSpPr>
+        <p:spPr>
+          <a:xfrm>
+            <a:off x="177800" y="3307750"/>
+            <a:ext cx="7412607" cy="2462213"/>
+          </a:xfrm>
+          <a:prstGeom prst="rect">
+            <a:avLst/>
+          </a:prstGeom>
+          <a:noFill/>
+        </p:spPr>
+        <p:txBody>
+          <a:bodyPr wrap="square">
+            <a:spAutoFit/>
+          </a:bodyPr>
+          <a:lstStyle/>
+          <a:p>
+            <a:pPr algn="l"/>
+            <a:r>
+              <a:rPr lang="en-US" sz="2200" dirty="0" err="1">
+                <a:solidFill>
+                  <a:srgbClr val="141414"/>
+                </a:solidFill>
+                <a:latin typeface="Tenorite (Body)"/>
+                <a:cs typeface="Arial" panose="020B0604020202020204" pitchFamily="34" charset="0"/>
+              </a:rPr>
+              <a:t>Possibili</a:t>
+            </a:r>
+            <a:r>
+              <a:rPr lang="en-US" sz="2200" dirty="0">
+                <a:solidFill>
+                  <a:srgbClr val="141414"/>
+                </a:solidFill>
+                <a:latin typeface="Tenorite (Body)"/>
+                <a:cs typeface="Arial" panose="020B0604020202020204" pitchFamily="34" charset="0"/>
+              </a:rPr>
+              <a:t> </a:t>
+            </a:r>
+            <a:r>
+              <a:rPr lang="en-US" sz="2200" dirty="0" err="1">
+                <a:solidFill>
+                  <a:srgbClr val="141414"/>
+                </a:solidFill>
+                <a:latin typeface="Tenorite (Body)"/>
+                <a:cs typeface="Arial" panose="020B0604020202020204" pitchFamily="34" charset="0"/>
+              </a:rPr>
+              <a:t>errori</a:t>
+            </a:r>
+            <a:r>
+              <a:rPr lang="en-US" sz="2200" dirty="0">
+                <a:solidFill>
+                  <a:srgbClr val="141414"/>
+                </a:solidFill>
+                <a:latin typeface="Tenorite (Body)"/>
+                <a:cs typeface="Arial" panose="020B0604020202020204" pitchFamily="34" charset="0"/>
+              </a:rPr>
+              <a:t>, o </a:t>
+            </a:r>
+            <a:r>
+              <a:rPr lang="en-US" sz="2200" dirty="0" err="1">
+                <a:solidFill>
+                  <a:srgbClr val="141414"/>
+                </a:solidFill>
+                <a:latin typeface="Tenorite (Body)"/>
+                <a:cs typeface="Arial" panose="020B0604020202020204" pitchFamily="34" charset="0"/>
+              </a:rPr>
+              <a:t>configurazioni</a:t>
+            </a:r>
+            <a:r>
+              <a:rPr lang="en-US" sz="2200" dirty="0">
+                <a:solidFill>
+                  <a:srgbClr val="141414"/>
+                </a:solidFill>
+                <a:latin typeface="Tenorite (Body)"/>
+                <a:cs typeface="Arial" panose="020B0604020202020204" pitchFamily="34" charset="0"/>
+              </a:rPr>
+              <a:t> incomplete:</a:t>
+            </a:r>
+          </a:p>
+          <a:p>
+            <a:pPr marL="342900" indent="-342900" algn="l">
+              <a:buFontTx/>
+              <a:buChar char="-"/>
+            </a:pPr>
+            <a:r>
+              <a:rPr lang="en-US" sz="2200" b="1" dirty="0">
+                <a:solidFill>
+                  <a:srgbClr val="141414"/>
+                </a:solidFill>
+                <a:latin typeface="Tenorite (Body)"/>
+                <a:cs typeface="Arial" panose="020B0604020202020204" pitchFamily="34" charset="0"/>
+              </a:rPr>
+              <a:t>Outlook Object library </a:t>
+            </a:r>
+            <a:r>
+              <a:rPr lang="en-US" sz="2200" b="1" dirty="0" err="1">
+                <a:solidFill>
+                  <a:srgbClr val="141414"/>
+                </a:solidFill>
+                <a:latin typeface="Tenorite (Body)"/>
+                <a:cs typeface="Arial" panose="020B0604020202020204" pitchFamily="34" charset="0"/>
+              </a:rPr>
+              <a:t>disabilitata</a:t>
+            </a:r>
+            <a:r>
+              <a:rPr lang="en-US" sz="2200" b="1" dirty="0">
+                <a:solidFill>
+                  <a:srgbClr val="141414"/>
+                </a:solidFill>
+                <a:latin typeface="Tenorite (Body)"/>
+                <a:cs typeface="Arial" panose="020B0604020202020204" pitchFamily="34" charset="0"/>
+              </a:rPr>
+              <a:t> </a:t>
+            </a:r>
+            <a:r>
+              <a:rPr lang="en-US" sz="2200" b="1" dirty="0" err="1">
+                <a:solidFill>
+                  <a:srgbClr val="141414"/>
+                </a:solidFill>
+                <a:latin typeface="Tenorite (Body)"/>
+                <a:cs typeface="Arial" panose="020B0604020202020204" pitchFamily="34" charset="0"/>
+              </a:rPr>
+              <a:t>dall’editor</a:t>
+            </a:r>
+            <a:r>
+              <a:rPr lang="en-US" sz="2200" b="1" dirty="0">
+                <a:solidFill>
+                  <a:srgbClr val="141414"/>
+                </a:solidFill>
+                <a:latin typeface="Tenorite (Body)"/>
+                <a:cs typeface="Arial" panose="020B0604020202020204" pitchFamily="34" charset="0"/>
+              </a:rPr>
+              <a:t> VBA</a:t>
+            </a:r>
+            <a:r>
+              <a:rPr lang="en-US" sz="2200" dirty="0">
+                <a:solidFill>
+                  <a:srgbClr val="141414"/>
+                </a:solidFill>
+                <a:latin typeface="Tenorite (Body)"/>
+                <a:cs typeface="Arial" panose="020B0604020202020204" pitchFamily="34" charset="0"/>
+              </a:rPr>
+              <a:t>: </a:t>
+            </a:r>
+            <a:r>
+              <a:rPr lang="en-US" sz="2200" dirty="0" err="1">
+                <a:solidFill>
+                  <a:srgbClr val="141414"/>
+                </a:solidFill>
+                <a:latin typeface="Tenorite (Body)"/>
+                <a:cs typeface="Arial" panose="020B0604020202020204" pitchFamily="34" charset="0"/>
+              </a:rPr>
+              <a:t>si</a:t>
+            </a:r>
+            <a:r>
+              <a:rPr lang="en-US" sz="2200" dirty="0">
+                <a:solidFill>
+                  <a:srgbClr val="141414"/>
+                </a:solidFill>
+                <a:latin typeface="Tenorite (Body)"/>
+                <a:cs typeface="Arial" panose="020B0604020202020204" pitchFamily="34" charset="0"/>
+              </a:rPr>
+              <a:t> </a:t>
+            </a:r>
+            <a:r>
+              <a:rPr lang="en-US" sz="2200" dirty="0" err="1">
+                <a:solidFill>
+                  <a:srgbClr val="141414"/>
+                </a:solidFill>
+                <a:latin typeface="Tenorite (Body)"/>
+                <a:cs typeface="Arial" panose="020B0604020202020204" pitchFamily="34" charset="0"/>
+              </a:rPr>
+              <a:t>rimedia</a:t>
+            </a:r>
+            <a:r>
+              <a:rPr lang="en-US" sz="2200" dirty="0">
+                <a:solidFill>
+                  <a:srgbClr val="141414"/>
+                </a:solidFill>
+                <a:latin typeface="Tenorite (Body)"/>
+                <a:cs typeface="Arial" panose="020B0604020202020204" pitchFamily="34" charset="0"/>
+              </a:rPr>
+              <a:t> con Tools&gt;References </a:t>
+            </a:r>
+            <a:r>
+              <a:rPr lang="en-US" sz="2200" dirty="0" err="1">
+                <a:solidFill>
+                  <a:srgbClr val="141414"/>
+                </a:solidFill>
+                <a:latin typeface="Tenorite (Body)"/>
+                <a:cs typeface="Arial" panose="020B0604020202020204" pitchFamily="34" charset="0"/>
+              </a:rPr>
+              <a:t>spuntando</a:t>
+            </a:r>
+            <a:r>
+              <a:rPr lang="en-US" sz="2200" dirty="0">
+                <a:solidFill>
+                  <a:srgbClr val="141414"/>
+                </a:solidFill>
+                <a:latin typeface="Tenorite (Body)"/>
+                <a:cs typeface="Arial" panose="020B0604020202020204" pitchFamily="34" charset="0"/>
+              </a:rPr>
+              <a:t> “Microsoft Outlook XX.XX Object Library (XX.XX è la </a:t>
+            </a:r>
+            <a:r>
+              <a:rPr lang="en-US" sz="2200" dirty="0" err="1">
+                <a:solidFill>
+                  <a:srgbClr val="141414"/>
+                </a:solidFill>
+                <a:latin typeface="Tenorite (Body)"/>
+                <a:cs typeface="Arial" panose="020B0604020202020204" pitchFamily="34" charset="0"/>
+              </a:rPr>
+              <a:t>vostra</a:t>
+            </a:r>
+            <a:r>
+              <a:rPr lang="en-US" sz="2200" dirty="0">
+                <a:solidFill>
+                  <a:srgbClr val="141414"/>
+                </a:solidFill>
+                <a:latin typeface="Tenorite (Body)"/>
+                <a:cs typeface="Arial" panose="020B0604020202020204" pitchFamily="34" charset="0"/>
+              </a:rPr>
+              <a:t> </a:t>
+            </a:r>
+            <a:r>
+              <a:rPr lang="en-US" sz="2200" dirty="0" err="1">
+                <a:solidFill>
+                  <a:srgbClr val="141414"/>
+                </a:solidFill>
+                <a:latin typeface="Tenorite (Body)"/>
+                <a:cs typeface="Arial" panose="020B0604020202020204" pitchFamily="34" charset="0"/>
+              </a:rPr>
+              <a:t>versione</a:t>
+            </a:r>
+            <a:r>
+              <a:rPr lang="en-US" sz="2200" dirty="0">
+                <a:solidFill>
+                  <a:srgbClr val="141414"/>
+                </a:solidFill>
+                <a:latin typeface="Tenorite (Body)"/>
+                <a:cs typeface="Arial" panose="020B0604020202020204" pitchFamily="34" charset="0"/>
+              </a:rPr>
+              <a:t>)</a:t>
+            </a:r>
+          </a:p>
+          <a:p>
+            <a:pPr marL="342900" indent="-342900" algn="l">
+              <a:buFontTx/>
+              <a:buChar char="-"/>
+            </a:pPr>
+            <a:r>
+              <a:rPr lang="en-US" sz="2200" b="1" dirty="0">
+                <a:solidFill>
+                  <a:srgbClr val="141414"/>
+                </a:solidFill>
+                <a:latin typeface="Tenorite (Body)"/>
+                <a:cs typeface="Arial" panose="020B0604020202020204" pitchFamily="34" charset="0"/>
+              </a:rPr>
+              <a:t>Macro </a:t>
+            </a:r>
+            <a:r>
+              <a:rPr lang="en-US" sz="2200" b="1" dirty="0" err="1">
+                <a:solidFill>
+                  <a:srgbClr val="141414"/>
+                </a:solidFill>
+                <a:latin typeface="Tenorite (Body)"/>
+                <a:cs typeface="Arial" panose="020B0604020202020204" pitchFamily="34" charset="0"/>
+              </a:rPr>
+              <a:t>disabilitate</a:t>
+            </a:r>
+            <a:r>
+              <a:rPr lang="en-US" sz="2200" dirty="0">
+                <a:solidFill>
+                  <a:srgbClr val="141414"/>
+                </a:solidFill>
+                <a:latin typeface="Tenorite (Body)"/>
+                <a:cs typeface="Arial" panose="020B0604020202020204" pitchFamily="34" charset="0"/>
+              </a:rPr>
+              <a:t>: Outlook&gt;File&gt;Options&gt;Trust Center Settings, enable all macros</a:t>
+            </a:r>
+          </a:p>
+          <a:p>
+            <a:pPr algn="l"/>
+            <a:r>
+              <a:rPr lang="en-US" sz="2200" dirty="0">
+                <a:solidFill>
+                  <a:srgbClr val="141414"/>
+                </a:solidFill>
+                <a:latin typeface="Tenorite (Body)"/>
+                <a:cs typeface="Arial" panose="020B0604020202020204" pitchFamily="34" charset="0"/>
+              </a:rPr>
+              <a:t>- Il file Excel non è </a:t>
+            </a:r>
+            <a:r>
+              <a:rPr lang="en-US" sz="2200" dirty="0" err="1">
+                <a:solidFill>
+                  <a:srgbClr val="141414"/>
+                </a:solidFill>
+                <a:latin typeface="Tenorite (Body)"/>
+                <a:cs typeface="Arial" panose="020B0604020202020204" pitchFamily="34" charset="0"/>
+              </a:rPr>
+              <a:t>necessario</a:t>
+            </a:r>
+            <a:r>
+              <a:rPr lang="en-US" sz="2200" dirty="0">
+                <a:solidFill>
+                  <a:srgbClr val="141414"/>
+                </a:solidFill>
+                <a:latin typeface="Tenorite (Body)"/>
+                <a:cs typeface="Arial" panose="020B0604020202020204" pitchFamily="34" charset="0"/>
+              </a:rPr>
+              <a:t> </a:t>
+            </a:r>
+            <a:r>
+              <a:rPr lang="en-US" sz="2200" dirty="0" err="1">
+                <a:solidFill>
+                  <a:srgbClr val="141414"/>
+                </a:solidFill>
+                <a:latin typeface="Tenorite (Body)"/>
+                <a:cs typeface="Arial" panose="020B0604020202020204" pitchFamily="34" charset="0"/>
+              </a:rPr>
+              <a:t>che</a:t>
+            </a:r>
+            <a:r>
+              <a:rPr lang="en-US" sz="2200" dirty="0">
+                <a:solidFill>
+                  <a:srgbClr val="141414"/>
+                </a:solidFill>
+                <a:latin typeface="Tenorite (Body)"/>
+                <a:cs typeface="Arial" panose="020B0604020202020204" pitchFamily="34" charset="0"/>
+              </a:rPr>
+              <a:t> </a:t>
+            </a:r>
+            <a:r>
+              <a:rPr lang="en-US" sz="2200" dirty="0" err="1">
+                <a:solidFill>
+                  <a:srgbClr val="141414"/>
+                </a:solidFill>
+                <a:latin typeface="Tenorite (Body)"/>
+                <a:cs typeface="Arial" panose="020B0604020202020204" pitchFamily="34" charset="0"/>
+              </a:rPr>
+              <a:t>sia</a:t>
+            </a:r>
+            <a:r>
+              <a:rPr lang="en-US" sz="2200" dirty="0">
+                <a:solidFill>
+                  <a:srgbClr val="141414"/>
+                </a:solidFill>
+                <a:latin typeface="Tenorite (Body)"/>
+                <a:cs typeface="Arial" panose="020B0604020202020204" pitchFamily="34" charset="0"/>
+              </a:rPr>
+              <a:t> “macro enabled”</a:t>
+            </a:r>
           </a:p>
         </p:txBody>
       </p:sp>
@@ -14426,7 +16170,7 @@
         </p:nvSpPr>
         <p:spPr>
           <a:xfrm>
-            <a:off x="309076" y="-365449"/>
+            <a:off x="317953" y="136525"/>
             <a:ext cx="10182813" cy="1325563"/>
           </a:xfrm>
         </p:spPr>
@@ -14441,60 +16185,40 @@
               <a:defRPr/>
             </a:pPr>
             <a:r>
-              <a:rPr lang="en-US" sz="4600" dirty="0">
-                <a:highlight>
-                  <a:srgbClr val="FFFF00"/>
-                </a:highlight>
-              </a:rPr>
+              <a:rPr lang="en-US" sz="4600" dirty="0"/>
               <a:t>File Word </a:t>
             </a:r>
             <a:r>
-              <a:rPr lang="en-US" sz="4600" dirty="0" err="1">
-                <a:highlight>
-                  <a:srgbClr val="FFFF00"/>
-                </a:highlight>
-              </a:rPr>
+              <a:rPr lang="en-US" sz="4600" dirty="0" err="1"/>
               <a:t>che</a:t>
             </a:r>
             <a:r>
-              <a:rPr lang="en-US" sz="4600" dirty="0">
-                <a:highlight>
-                  <a:srgbClr val="FFFF00"/>
-                </a:highlight>
-              </a:rPr>
+              <a:rPr lang="en-US" sz="4600" dirty="0"/>
               <a:t> </a:t>
             </a:r>
             <a:r>
-              <a:rPr lang="en-US" sz="4600" dirty="0" err="1">
-                <a:highlight>
-                  <a:srgbClr val="FFFF00"/>
-                </a:highlight>
-              </a:rPr>
+              <a:rPr lang="en-US" sz="4600" dirty="0" err="1"/>
               <a:t>prende</a:t>
             </a:r>
             <a:r>
-              <a:rPr lang="en-US" sz="4600" dirty="0">
-                <a:highlight>
-                  <a:srgbClr val="FFFF00"/>
-                </a:highlight>
-              </a:rPr>
+              <a:rPr lang="en-US" sz="4600" dirty="0"/>
               <a:t> </a:t>
             </a:r>
             <a:r>
-              <a:rPr lang="en-US" sz="4600" dirty="0" err="1">
-                <a:highlight>
-                  <a:srgbClr val="FFFF00"/>
-                </a:highlight>
-              </a:rPr>
+              <a:rPr lang="en-US" sz="4600" dirty="0" err="1"/>
               <a:t>dati</a:t>
             </a:r>
             <a:r>
-              <a:rPr lang="en-US" sz="4600" dirty="0">
-                <a:highlight>
-                  <a:srgbClr val="FFFF00"/>
-                </a:highlight>
-              </a:rPr>
-              <a:t> da Excel</a:t>
+              <a:rPr lang="en-US" sz="4600" dirty="0"/>
+              <a:t> da Excel (Stampa </a:t>
+            </a:r>
+            <a:r>
+              <a:rPr lang="en-US" sz="4600" dirty="0" err="1"/>
+              <a:t>Unione</a:t>
+            </a:r>
+            <a:r>
+              <a:rPr lang="en-US" sz="4600" dirty="0"/>
+              <a:t>) - 1</a:t>
             </a:r>
           </a:p>
         </p:txBody>
@@ -14731,7 +16455,1060 @@
           </a:p>
         </p:txBody>
       </p:sp>
+      <p:sp>
+        <p:nvSpPr>
+          <p:cNvPr id="3" name="TextBox 2">
+            <a:extLst>
+              <a:ext uri="{FF2B5EF4-FFF2-40B4-BE49-F238E27FC236}">
+                <a16:creationId xmlns:a16="http://schemas.microsoft.com/office/drawing/2014/main" id="{DA30B01F-3FD4-93F9-4E9C-4963CFD356BC}"/>
+              </a:ext>
+            </a:extLst>
+          </p:cNvPr>
+          <p:cNvSpPr txBox="1"/>
+          <p:nvPr/>
+        </p:nvSpPr>
+        <p:spPr>
+          <a:xfrm>
+            <a:off x="317953" y="1582928"/>
+            <a:ext cx="10909034" cy="3139321"/>
+          </a:xfrm>
+          <a:prstGeom prst="rect">
+            <a:avLst/>
+          </a:prstGeom>
+          <a:noFill/>
+        </p:spPr>
+        <p:txBody>
+          <a:bodyPr wrap="square">
+            <a:spAutoFit/>
+          </a:bodyPr>
+          <a:lstStyle/>
+          <a:p>
+            <a:pPr algn="l"/>
+            <a:r>
+              <a:rPr lang="en-US" sz="2200" dirty="0">
+                <a:solidFill>
+                  <a:srgbClr val="141414"/>
+                </a:solidFill>
+                <a:latin typeface="Tenorite (Body)"/>
+                <a:cs typeface="Arial" panose="020B0604020202020204" pitchFamily="34" charset="0"/>
+              </a:rPr>
+              <a:t>Una </a:t>
+            </a:r>
+            <a:r>
+              <a:rPr lang="en-US" sz="2200" dirty="0" err="1">
+                <a:solidFill>
+                  <a:srgbClr val="141414"/>
+                </a:solidFill>
+                <a:latin typeface="Tenorite (Body)"/>
+                <a:cs typeface="Arial" panose="020B0604020202020204" pitchFamily="34" charset="0"/>
+              </a:rPr>
+              <a:t>possibile</a:t>
+            </a:r>
+            <a:r>
+              <a:rPr lang="en-US" sz="2200" dirty="0">
+                <a:solidFill>
+                  <a:srgbClr val="141414"/>
+                </a:solidFill>
+                <a:latin typeface="Tenorite (Body)"/>
+                <a:cs typeface="Arial" panose="020B0604020202020204" pitchFamily="34" charset="0"/>
+              </a:rPr>
+              <a:t> </a:t>
+            </a:r>
+            <a:r>
+              <a:rPr lang="en-US" sz="2200" dirty="0" err="1">
+                <a:solidFill>
+                  <a:srgbClr val="141414"/>
+                </a:solidFill>
+                <a:latin typeface="Tenorite (Body)"/>
+                <a:cs typeface="Arial" panose="020B0604020202020204" pitchFamily="34" charset="0"/>
+              </a:rPr>
+              <a:t>applicazione</a:t>
+            </a:r>
+            <a:r>
+              <a:rPr lang="en-US" sz="2200" dirty="0">
+                <a:solidFill>
+                  <a:srgbClr val="141414"/>
+                </a:solidFill>
+                <a:latin typeface="Tenorite (Body)"/>
+                <a:cs typeface="Arial" panose="020B0604020202020204" pitchFamily="34" charset="0"/>
+              </a:rPr>
+              <a:t> di </a:t>
+            </a:r>
+            <a:r>
+              <a:rPr lang="en-US" sz="2200" dirty="0" err="1">
+                <a:solidFill>
+                  <a:srgbClr val="141414"/>
+                </a:solidFill>
+                <a:latin typeface="Tenorite (Body)"/>
+                <a:cs typeface="Arial" panose="020B0604020202020204" pitchFamily="34" charset="0"/>
+              </a:rPr>
+              <a:t>questo</a:t>
+            </a:r>
+            <a:r>
+              <a:rPr lang="en-US" sz="2200" dirty="0">
+                <a:solidFill>
+                  <a:srgbClr val="141414"/>
+                </a:solidFill>
+                <a:latin typeface="Tenorite (Body)"/>
+                <a:cs typeface="Arial" panose="020B0604020202020204" pitchFamily="34" charset="0"/>
+              </a:rPr>
+              <a:t> </a:t>
+            </a:r>
+            <a:r>
+              <a:rPr lang="en-US" sz="2200" dirty="0" err="1">
+                <a:solidFill>
+                  <a:srgbClr val="141414"/>
+                </a:solidFill>
+                <a:latin typeface="Tenorite (Body)"/>
+                <a:cs typeface="Arial" panose="020B0604020202020204" pitchFamily="34" charset="0"/>
+              </a:rPr>
+              <a:t>scambio</a:t>
+            </a:r>
+            <a:r>
+              <a:rPr lang="en-US" sz="2200" dirty="0">
+                <a:solidFill>
+                  <a:srgbClr val="141414"/>
+                </a:solidFill>
+                <a:latin typeface="Tenorite (Body)"/>
+                <a:cs typeface="Arial" panose="020B0604020202020204" pitchFamily="34" charset="0"/>
+              </a:rPr>
+              <a:t> di </a:t>
+            </a:r>
+            <a:r>
+              <a:rPr lang="en-US" sz="2200" dirty="0" err="1">
+                <a:solidFill>
+                  <a:srgbClr val="141414"/>
+                </a:solidFill>
+                <a:latin typeface="Tenorite (Body)"/>
+                <a:cs typeface="Arial" panose="020B0604020202020204" pitchFamily="34" charset="0"/>
+              </a:rPr>
+              <a:t>dati</a:t>
+            </a:r>
+            <a:r>
+              <a:rPr lang="en-US" sz="2200" dirty="0">
+                <a:solidFill>
+                  <a:srgbClr val="141414"/>
+                </a:solidFill>
+                <a:latin typeface="Tenorite (Body)"/>
+                <a:cs typeface="Arial" panose="020B0604020202020204" pitchFamily="34" charset="0"/>
+              </a:rPr>
+              <a:t> è </a:t>
+            </a:r>
+            <a:r>
+              <a:rPr lang="en-US" sz="2200" dirty="0" err="1">
+                <a:solidFill>
+                  <a:srgbClr val="141414"/>
+                </a:solidFill>
+                <a:latin typeface="Tenorite (Body)"/>
+                <a:cs typeface="Arial" panose="020B0604020202020204" pitchFamily="34" charset="0"/>
+              </a:rPr>
+              <a:t>quando</a:t>
+            </a:r>
+            <a:r>
+              <a:rPr lang="en-US" sz="2200" dirty="0">
+                <a:solidFill>
+                  <a:srgbClr val="141414"/>
+                </a:solidFill>
+                <a:latin typeface="Tenorite (Body)"/>
+                <a:cs typeface="Arial" panose="020B0604020202020204" pitchFamily="34" charset="0"/>
+              </a:rPr>
+              <a:t> </a:t>
+            </a:r>
+            <a:r>
+              <a:rPr lang="en-US" sz="2200" dirty="0" err="1">
+                <a:solidFill>
+                  <a:srgbClr val="141414"/>
+                </a:solidFill>
+                <a:latin typeface="Tenorite (Body)"/>
+                <a:cs typeface="Arial" panose="020B0604020202020204" pitchFamily="34" charset="0"/>
+              </a:rPr>
+              <a:t>si</a:t>
+            </a:r>
+            <a:r>
+              <a:rPr lang="en-US" sz="2200" dirty="0">
+                <a:solidFill>
+                  <a:srgbClr val="141414"/>
+                </a:solidFill>
+                <a:latin typeface="Tenorite (Body)"/>
+                <a:cs typeface="Arial" panose="020B0604020202020204" pitchFamily="34" charset="0"/>
+              </a:rPr>
+              <a:t> </a:t>
+            </a:r>
+            <a:r>
+              <a:rPr lang="en-US" sz="2200" dirty="0" err="1">
+                <a:solidFill>
+                  <a:srgbClr val="141414"/>
+                </a:solidFill>
+                <a:latin typeface="Tenorite (Body)"/>
+                <a:cs typeface="Arial" panose="020B0604020202020204" pitchFamily="34" charset="0"/>
+              </a:rPr>
+              <a:t>vuole</a:t>
+            </a:r>
+            <a:r>
+              <a:rPr lang="en-US" sz="2200" dirty="0">
+                <a:solidFill>
+                  <a:srgbClr val="141414"/>
+                </a:solidFill>
+                <a:latin typeface="Tenorite (Body)"/>
+                <a:cs typeface="Arial" panose="020B0604020202020204" pitchFamily="34" charset="0"/>
+              </a:rPr>
+              <a:t> </a:t>
+            </a:r>
+            <a:r>
+              <a:rPr lang="en-US" sz="2200" dirty="0" err="1">
+                <a:solidFill>
+                  <a:srgbClr val="141414"/>
+                </a:solidFill>
+                <a:latin typeface="Tenorite (Body)"/>
+                <a:cs typeface="Arial" panose="020B0604020202020204" pitchFamily="34" charset="0"/>
+              </a:rPr>
+              <a:t>automatizzare</a:t>
+            </a:r>
+            <a:r>
+              <a:rPr lang="en-US" sz="2200" dirty="0">
+                <a:solidFill>
+                  <a:srgbClr val="141414"/>
+                </a:solidFill>
+                <a:latin typeface="Tenorite (Body)"/>
+                <a:cs typeface="Arial" panose="020B0604020202020204" pitchFamily="34" charset="0"/>
+              </a:rPr>
+              <a:t>, in Word, </a:t>
+            </a:r>
+            <a:r>
+              <a:rPr lang="en-US" sz="2200" dirty="0" err="1">
+                <a:solidFill>
+                  <a:srgbClr val="141414"/>
+                </a:solidFill>
+                <a:latin typeface="Tenorite (Body)"/>
+                <a:cs typeface="Arial" panose="020B0604020202020204" pitchFamily="34" charset="0"/>
+              </a:rPr>
+              <a:t>una</a:t>
+            </a:r>
+            <a:r>
+              <a:rPr lang="en-US" sz="2200" dirty="0">
+                <a:solidFill>
+                  <a:srgbClr val="141414"/>
+                </a:solidFill>
+                <a:latin typeface="Tenorite (Body)"/>
+                <a:cs typeface="Arial" panose="020B0604020202020204" pitchFamily="34" charset="0"/>
+              </a:rPr>
+              <a:t> </a:t>
+            </a:r>
+            <a:r>
+              <a:rPr lang="en-US" sz="2200" dirty="0" err="1">
+                <a:solidFill>
+                  <a:srgbClr val="141414"/>
+                </a:solidFill>
+                <a:latin typeface="Tenorite (Body)"/>
+                <a:cs typeface="Arial" panose="020B0604020202020204" pitchFamily="34" charset="0"/>
+              </a:rPr>
+              <a:t>lettera</a:t>
+            </a:r>
+            <a:r>
+              <a:rPr lang="en-US" sz="2200" dirty="0">
+                <a:solidFill>
+                  <a:srgbClr val="141414"/>
+                </a:solidFill>
+                <a:latin typeface="Tenorite (Body)"/>
+                <a:cs typeface="Arial" panose="020B0604020202020204" pitchFamily="34" charset="0"/>
+              </a:rPr>
+              <a:t> </a:t>
+            </a:r>
+            <a:r>
+              <a:rPr lang="en-US" sz="2200" dirty="0" err="1">
+                <a:solidFill>
+                  <a:srgbClr val="141414"/>
+                </a:solidFill>
+                <a:latin typeface="Tenorite (Body)"/>
+                <a:cs typeface="Arial" panose="020B0604020202020204" pitchFamily="34" charset="0"/>
+              </a:rPr>
+              <a:t>generica</a:t>
+            </a:r>
+            <a:r>
+              <a:rPr lang="en-US" sz="2200" dirty="0">
+                <a:solidFill>
+                  <a:srgbClr val="141414"/>
+                </a:solidFill>
+                <a:latin typeface="Tenorite (Body)"/>
+                <a:cs typeface="Arial" panose="020B0604020202020204" pitchFamily="34" charset="0"/>
+              </a:rPr>
+              <a:t>, ad un </a:t>
+            </a:r>
+            <a:r>
+              <a:rPr lang="en-US" sz="2200" dirty="0" err="1">
+                <a:solidFill>
+                  <a:srgbClr val="141414"/>
+                </a:solidFill>
+                <a:latin typeface="Tenorite (Body)"/>
+                <a:cs typeface="Arial" panose="020B0604020202020204" pitchFamily="34" charset="0"/>
+              </a:rPr>
+              <a:t>numero</a:t>
+            </a:r>
+            <a:r>
+              <a:rPr lang="en-US" sz="2200" dirty="0">
+                <a:solidFill>
+                  <a:srgbClr val="141414"/>
+                </a:solidFill>
+                <a:latin typeface="Tenorite (Body)"/>
+                <a:cs typeface="Arial" panose="020B0604020202020204" pitchFamily="34" charset="0"/>
+              </a:rPr>
+              <a:t> N di </a:t>
+            </a:r>
+            <a:r>
+              <a:rPr lang="en-US" sz="2200" dirty="0" err="1">
+                <a:solidFill>
+                  <a:srgbClr val="141414"/>
+                </a:solidFill>
+                <a:latin typeface="Tenorite (Body)"/>
+                <a:cs typeface="Arial" panose="020B0604020202020204" pitchFamily="34" charset="0"/>
+              </a:rPr>
+              <a:t>destinatari</a:t>
+            </a:r>
+            <a:r>
+              <a:rPr lang="en-US" sz="2200" dirty="0">
+                <a:solidFill>
+                  <a:srgbClr val="141414"/>
+                </a:solidFill>
+                <a:latin typeface="Tenorite (Body)"/>
+                <a:cs typeface="Arial" panose="020B0604020202020204" pitchFamily="34" charset="0"/>
+              </a:rPr>
+              <a:t>, </a:t>
+            </a:r>
+            <a:r>
+              <a:rPr lang="en-US" sz="2200" dirty="0" err="1">
+                <a:solidFill>
+                  <a:srgbClr val="141414"/>
+                </a:solidFill>
+                <a:latin typeface="Tenorite (Body)"/>
+                <a:cs typeface="Arial" panose="020B0604020202020204" pitchFamily="34" charset="0"/>
+              </a:rPr>
+              <a:t>specificati</a:t>
+            </a:r>
+            <a:r>
+              <a:rPr lang="en-US" sz="2200" dirty="0">
+                <a:solidFill>
+                  <a:srgbClr val="141414"/>
+                </a:solidFill>
+                <a:latin typeface="Tenorite (Body)"/>
+                <a:cs typeface="Arial" panose="020B0604020202020204" pitchFamily="34" charset="0"/>
+              </a:rPr>
+              <a:t> in un </a:t>
+            </a:r>
+            <a:r>
+              <a:rPr lang="en-US" sz="2200" dirty="0" err="1">
+                <a:solidFill>
+                  <a:srgbClr val="141414"/>
+                </a:solidFill>
+                <a:latin typeface="Tenorite (Body)"/>
+                <a:cs typeface="Arial" panose="020B0604020202020204" pitchFamily="34" charset="0"/>
+              </a:rPr>
+              <a:t>foglio</a:t>
+            </a:r>
+            <a:r>
+              <a:rPr lang="en-US" sz="2200" dirty="0">
+                <a:solidFill>
+                  <a:srgbClr val="141414"/>
+                </a:solidFill>
+                <a:latin typeface="Tenorite (Body)"/>
+                <a:cs typeface="Arial" panose="020B0604020202020204" pitchFamily="34" charset="0"/>
+              </a:rPr>
+              <a:t> Excel.</a:t>
+            </a:r>
+          </a:p>
+          <a:p>
+            <a:pPr algn="l"/>
+            <a:endParaRPr lang="en-US" sz="2200" dirty="0">
+              <a:solidFill>
+                <a:srgbClr val="141414"/>
+              </a:solidFill>
+              <a:latin typeface="Tenorite (Body)"/>
+              <a:cs typeface="Arial" panose="020B0604020202020204" pitchFamily="34" charset="0"/>
+            </a:endParaRPr>
+          </a:p>
+          <a:p>
+            <a:pPr algn="l"/>
+            <a:r>
+              <a:rPr lang="en-US" sz="2200" dirty="0" err="1">
+                <a:solidFill>
+                  <a:srgbClr val="141414"/>
+                </a:solidFill>
+                <a:latin typeface="Tenorite (Body)"/>
+                <a:cs typeface="Arial" panose="020B0604020202020204" pitchFamily="34" charset="0"/>
+              </a:rPr>
+              <a:t>Quello</a:t>
+            </a:r>
+            <a:r>
+              <a:rPr lang="en-US" sz="2200" dirty="0">
+                <a:solidFill>
+                  <a:srgbClr val="141414"/>
+                </a:solidFill>
+                <a:latin typeface="Tenorite (Body)"/>
+                <a:cs typeface="Arial" panose="020B0604020202020204" pitchFamily="34" charset="0"/>
+              </a:rPr>
+              <a:t> </a:t>
+            </a:r>
+            <a:r>
+              <a:rPr lang="en-US" sz="2200" dirty="0" err="1">
+                <a:solidFill>
+                  <a:srgbClr val="141414"/>
+                </a:solidFill>
+                <a:latin typeface="Tenorite (Body)"/>
+                <a:cs typeface="Arial" panose="020B0604020202020204" pitchFamily="34" charset="0"/>
+              </a:rPr>
+              <a:t>che</a:t>
+            </a:r>
+            <a:r>
+              <a:rPr lang="en-US" sz="2200" dirty="0">
+                <a:solidFill>
+                  <a:srgbClr val="141414"/>
+                </a:solidFill>
+                <a:latin typeface="Tenorite (Body)"/>
+                <a:cs typeface="Arial" panose="020B0604020202020204" pitchFamily="34" charset="0"/>
+              </a:rPr>
+              <a:t> serve </a:t>
+            </a:r>
+            <a:r>
+              <a:rPr lang="en-US" sz="2200" dirty="0" err="1">
+                <a:solidFill>
+                  <a:srgbClr val="141414"/>
+                </a:solidFill>
+                <a:latin typeface="Tenorite (Body)"/>
+                <a:cs typeface="Arial" panose="020B0604020202020204" pitchFamily="34" charset="0"/>
+              </a:rPr>
+              <a:t>dunque</a:t>
+            </a:r>
+            <a:r>
+              <a:rPr lang="en-US" sz="2200" dirty="0">
+                <a:solidFill>
+                  <a:srgbClr val="141414"/>
+                </a:solidFill>
+                <a:latin typeface="Tenorite (Body)"/>
+                <a:cs typeface="Arial" panose="020B0604020202020204" pitchFamily="34" charset="0"/>
+              </a:rPr>
+              <a:t> è un semplice file Excel con 3 </a:t>
+            </a:r>
+            <a:r>
+              <a:rPr lang="en-US" sz="2200" dirty="0" err="1">
+                <a:solidFill>
+                  <a:srgbClr val="141414"/>
+                </a:solidFill>
+                <a:latin typeface="Tenorite (Body)"/>
+                <a:cs typeface="Arial" panose="020B0604020202020204" pitchFamily="34" charset="0"/>
+              </a:rPr>
+              <a:t>colonne</a:t>
+            </a:r>
+            <a:r>
+              <a:rPr lang="en-US" sz="2200" dirty="0">
+                <a:solidFill>
+                  <a:srgbClr val="141414"/>
+                </a:solidFill>
+                <a:latin typeface="Tenorite (Body)"/>
+                <a:cs typeface="Arial" panose="020B0604020202020204" pitchFamily="34" charset="0"/>
+              </a:rPr>
+              <a:t>, </a:t>
+            </a:r>
+            <a:r>
+              <a:rPr lang="en-US" sz="2200" dirty="0" err="1">
+                <a:solidFill>
+                  <a:srgbClr val="141414"/>
+                </a:solidFill>
+                <a:latin typeface="Tenorite (Body)"/>
+                <a:cs typeface="Arial" panose="020B0604020202020204" pitchFamily="34" charset="0"/>
+              </a:rPr>
+              <a:t>Nome_Cognome</a:t>
+            </a:r>
+            <a:r>
+              <a:rPr lang="en-US" sz="2200" dirty="0">
+                <a:solidFill>
+                  <a:srgbClr val="141414"/>
+                </a:solidFill>
+                <a:latin typeface="Tenorite (Body)"/>
+                <a:cs typeface="Arial" panose="020B0604020202020204" pitchFamily="34" charset="0"/>
+              </a:rPr>
+              <a:t>, </a:t>
+            </a:r>
+            <a:r>
+              <a:rPr lang="en-US" sz="2200" dirty="0" err="1">
+                <a:solidFill>
+                  <a:srgbClr val="141414"/>
+                </a:solidFill>
+                <a:latin typeface="Tenorite (Body)"/>
+                <a:cs typeface="Arial" panose="020B0604020202020204" pitchFamily="34" charset="0"/>
+              </a:rPr>
+              <a:t>Indirizzo</a:t>
+            </a:r>
+            <a:r>
+              <a:rPr lang="en-US" sz="2200" dirty="0">
+                <a:solidFill>
+                  <a:srgbClr val="141414"/>
+                </a:solidFill>
+                <a:latin typeface="Tenorite (Body)"/>
+                <a:cs typeface="Arial" panose="020B0604020202020204" pitchFamily="34" charset="0"/>
+              </a:rPr>
+              <a:t>, </a:t>
+            </a:r>
+            <a:r>
+              <a:rPr lang="en-US" sz="2200" dirty="0" err="1">
+                <a:solidFill>
+                  <a:srgbClr val="141414"/>
+                </a:solidFill>
+                <a:latin typeface="Tenorite (Body)"/>
+                <a:cs typeface="Arial" panose="020B0604020202020204" pitchFamily="34" charset="0"/>
+              </a:rPr>
+              <a:t>Città</a:t>
+            </a:r>
+            <a:r>
+              <a:rPr lang="en-US" sz="2200" dirty="0">
+                <a:solidFill>
+                  <a:srgbClr val="141414"/>
+                </a:solidFill>
+                <a:latin typeface="Tenorite (Body)"/>
+                <a:cs typeface="Arial" panose="020B0604020202020204" pitchFamily="34" charset="0"/>
+              </a:rPr>
+              <a:t> e un </a:t>
+            </a:r>
+            <a:r>
+              <a:rPr lang="en-US" sz="2200" dirty="0" err="1">
+                <a:solidFill>
+                  <a:srgbClr val="141414"/>
+                </a:solidFill>
+                <a:latin typeface="Tenorite (Body)"/>
+                <a:cs typeface="Arial" panose="020B0604020202020204" pitchFamily="34" charset="0"/>
+              </a:rPr>
+              <a:t>certo</a:t>
+            </a:r>
+            <a:r>
+              <a:rPr lang="en-US" sz="2200" dirty="0">
+                <a:solidFill>
+                  <a:srgbClr val="141414"/>
+                </a:solidFill>
+                <a:latin typeface="Tenorite (Body)"/>
+                <a:cs typeface="Arial" panose="020B0604020202020204" pitchFamily="34" charset="0"/>
+              </a:rPr>
+              <a:t> </a:t>
+            </a:r>
+            <a:r>
+              <a:rPr lang="en-US" sz="2200" dirty="0" err="1">
+                <a:solidFill>
+                  <a:srgbClr val="141414"/>
+                </a:solidFill>
+                <a:latin typeface="Tenorite (Body)"/>
+                <a:cs typeface="Arial" panose="020B0604020202020204" pitchFamily="34" charset="0"/>
+              </a:rPr>
+              <a:t>numero</a:t>
+            </a:r>
+            <a:r>
+              <a:rPr lang="en-US" sz="2200" dirty="0">
+                <a:solidFill>
+                  <a:srgbClr val="141414"/>
+                </a:solidFill>
+                <a:latin typeface="Tenorite (Body)"/>
+                <a:cs typeface="Arial" panose="020B0604020202020204" pitchFamily="34" charset="0"/>
+              </a:rPr>
+              <a:t> di record per un </a:t>
+            </a:r>
+            <a:r>
+              <a:rPr lang="en-US" sz="2200" dirty="0" err="1">
+                <a:solidFill>
+                  <a:srgbClr val="141414"/>
+                </a:solidFill>
+                <a:latin typeface="Tenorite (Body)"/>
+                <a:cs typeface="Arial" panose="020B0604020202020204" pitchFamily="34" charset="0"/>
+              </a:rPr>
+              <a:t>esempio</a:t>
+            </a:r>
+            <a:r>
+              <a:rPr lang="en-US" sz="2200" dirty="0">
+                <a:solidFill>
+                  <a:srgbClr val="141414"/>
+                </a:solidFill>
+                <a:latin typeface="Tenorite (Body)"/>
+                <a:cs typeface="Arial" panose="020B0604020202020204" pitchFamily="34" charset="0"/>
+              </a:rPr>
+              <a:t> </a:t>
+            </a:r>
+            <a:r>
+              <a:rPr lang="en-US" sz="2200" dirty="0" err="1">
+                <a:solidFill>
+                  <a:srgbClr val="141414"/>
+                </a:solidFill>
+                <a:latin typeface="Tenorite (Body)"/>
+                <a:cs typeface="Arial" panose="020B0604020202020204" pitchFamily="34" charset="0"/>
+              </a:rPr>
+              <a:t>pratico</a:t>
+            </a:r>
+            <a:r>
+              <a:rPr lang="en-US" sz="2200" dirty="0">
+                <a:solidFill>
+                  <a:srgbClr val="141414"/>
+                </a:solidFill>
+                <a:latin typeface="Tenorite (Body)"/>
+                <a:cs typeface="Arial" panose="020B0604020202020204" pitchFamily="34" charset="0"/>
+              </a:rPr>
+              <a:t>.</a:t>
+            </a:r>
+          </a:p>
+          <a:p>
+            <a:pPr algn="l"/>
+            <a:endParaRPr lang="en-US" sz="2200" dirty="0">
+              <a:solidFill>
+                <a:srgbClr val="141414"/>
+              </a:solidFill>
+              <a:latin typeface="Tenorite (Body)"/>
+              <a:cs typeface="Arial" panose="020B0604020202020204" pitchFamily="34" charset="0"/>
+            </a:endParaRPr>
+          </a:p>
+          <a:p>
+            <a:pPr algn="l"/>
+            <a:r>
+              <a:rPr lang="en-US" sz="2200" dirty="0" err="1">
+                <a:solidFill>
+                  <a:srgbClr val="141414"/>
+                </a:solidFill>
+                <a:latin typeface="Tenorite (Body)"/>
+                <a:cs typeface="Arial" panose="020B0604020202020204" pitchFamily="34" charset="0"/>
+              </a:rPr>
+              <a:t>Lato</a:t>
+            </a:r>
+            <a:r>
+              <a:rPr lang="en-US" sz="2200" dirty="0">
+                <a:solidFill>
+                  <a:srgbClr val="141414"/>
+                </a:solidFill>
+                <a:latin typeface="Tenorite (Body)"/>
+                <a:cs typeface="Arial" panose="020B0604020202020204" pitchFamily="34" charset="0"/>
+              </a:rPr>
+              <a:t> Word, </a:t>
+            </a:r>
+            <a:r>
+              <a:rPr lang="en-US" sz="2200" dirty="0" err="1">
+                <a:solidFill>
+                  <a:srgbClr val="141414"/>
+                </a:solidFill>
+                <a:latin typeface="Tenorite (Body)"/>
+                <a:cs typeface="Arial" panose="020B0604020202020204" pitchFamily="34" charset="0"/>
+              </a:rPr>
+              <a:t>invece</a:t>
+            </a:r>
+            <a:r>
+              <a:rPr lang="en-US" sz="2200" dirty="0">
+                <a:solidFill>
+                  <a:srgbClr val="141414"/>
+                </a:solidFill>
+                <a:latin typeface="Tenorite (Body)"/>
+                <a:cs typeface="Arial" panose="020B0604020202020204" pitchFamily="34" charset="0"/>
+              </a:rPr>
+              <a:t>, ci </a:t>
+            </a:r>
+            <a:r>
+              <a:rPr lang="en-US" sz="2200" dirty="0" err="1">
+                <a:solidFill>
+                  <a:srgbClr val="141414"/>
+                </a:solidFill>
+                <a:latin typeface="Tenorite (Body)"/>
+                <a:cs typeface="Arial" panose="020B0604020202020204" pitchFamily="34" charset="0"/>
+              </a:rPr>
+              <a:t>deve</a:t>
+            </a:r>
+            <a:r>
+              <a:rPr lang="en-US" sz="2200" dirty="0">
+                <a:solidFill>
+                  <a:srgbClr val="141414"/>
+                </a:solidFill>
+                <a:latin typeface="Tenorite (Body)"/>
+                <a:cs typeface="Arial" panose="020B0604020202020204" pitchFamily="34" charset="0"/>
+              </a:rPr>
+              <a:t> </a:t>
+            </a:r>
+            <a:r>
+              <a:rPr lang="en-US" sz="2200" dirty="0" err="1">
+                <a:solidFill>
+                  <a:srgbClr val="141414"/>
+                </a:solidFill>
+                <a:latin typeface="Tenorite (Body)"/>
+                <a:cs typeface="Arial" panose="020B0604020202020204" pitchFamily="34" charset="0"/>
+              </a:rPr>
+              <a:t>essere</a:t>
+            </a:r>
+            <a:r>
+              <a:rPr lang="en-US" sz="2200" dirty="0">
+                <a:solidFill>
+                  <a:srgbClr val="141414"/>
+                </a:solidFill>
+                <a:latin typeface="Tenorite (Body)"/>
+                <a:cs typeface="Arial" panose="020B0604020202020204" pitchFamily="34" charset="0"/>
+              </a:rPr>
+              <a:t> </a:t>
+            </a:r>
+            <a:r>
+              <a:rPr lang="en-US" sz="2200" dirty="0" err="1">
+                <a:solidFill>
+                  <a:srgbClr val="141414"/>
+                </a:solidFill>
+                <a:latin typeface="Tenorite (Body)"/>
+                <a:cs typeface="Arial" panose="020B0604020202020204" pitchFamily="34" charset="0"/>
+              </a:rPr>
+              <a:t>una</a:t>
+            </a:r>
+            <a:r>
+              <a:rPr lang="en-US" sz="2200" dirty="0">
+                <a:solidFill>
+                  <a:srgbClr val="141414"/>
+                </a:solidFill>
+                <a:latin typeface="Tenorite (Body)"/>
+                <a:cs typeface="Arial" panose="020B0604020202020204" pitchFamily="34" charset="0"/>
+              </a:rPr>
+              <a:t> </a:t>
+            </a:r>
+            <a:r>
+              <a:rPr lang="en-US" sz="2200" dirty="0" err="1">
+                <a:solidFill>
+                  <a:srgbClr val="141414"/>
+                </a:solidFill>
+                <a:latin typeface="Tenorite (Body)"/>
+                <a:cs typeface="Arial" panose="020B0604020202020204" pitchFamily="34" charset="0"/>
+              </a:rPr>
+              <a:t>lettera</a:t>
+            </a:r>
+            <a:r>
+              <a:rPr lang="en-US" sz="2200" dirty="0">
+                <a:solidFill>
+                  <a:srgbClr val="141414"/>
+                </a:solidFill>
+                <a:latin typeface="Tenorite (Body)"/>
+                <a:cs typeface="Arial" panose="020B0604020202020204" pitchFamily="34" charset="0"/>
+              </a:rPr>
+              <a:t> di </a:t>
+            </a:r>
+            <a:r>
+              <a:rPr lang="en-US" sz="2200" dirty="0" err="1">
+                <a:solidFill>
+                  <a:srgbClr val="141414"/>
+                </a:solidFill>
+                <a:latin typeface="Tenorite (Body)"/>
+                <a:cs typeface="Arial" panose="020B0604020202020204" pitchFamily="34" charset="0"/>
+              </a:rPr>
+              <a:t>invito</a:t>
+            </a:r>
+            <a:r>
+              <a:rPr lang="en-US" sz="2200" dirty="0">
+                <a:solidFill>
+                  <a:srgbClr val="141414"/>
+                </a:solidFill>
+                <a:latin typeface="Tenorite (Body)"/>
+                <a:cs typeface="Arial" panose="020B0604020202020204" pitchFamily="34" charset="0"/>
+              </a:rPr>
+              <a:t>, con la </a:t>
+            </a:r>
+            <a:r>
+              <a:rPr lang="en-US" sz="2200" dirty="0" err="1">
+                <a:solidFill>
+                  <a:srgbClr val="141414"/>
+                </a:solidFill>
+                <a:latin typeface="Tenorite (Body)"/>
+                <a:cs typeface="Arial" panose="020B0604020202020204" pitchFamily="34" charset="0"/>
+              </a:rPr>
+              <a:t>parte</a:t>
+            </a:r>
+            <a:r>
+              <a:rPr lang="en-US" sz="2200" dirty="0">
+                <a:solidFill>
+                  <a:srgbClr val="141414"/>
+                </a:solidFill>
+                <a:latin typeface="Tenorite (Body)"/>
+                <a:cs typeface="Arial" panose="020B0604020202020204" pitchFamily="34" charset="0"/>
+              </a:rPr>
+              <a:t> in alto a </a:t>
+            </a:r>
+            <a:r>
+              <a:rPr lang="en-US" sz="2200" dirty="0" err="1">
+                <a:solidFill>
+                  <a:srgbClr val="141414"/>
+                </a:solidFill>
+                <a:latin typeface="Tenorite (Body)"/>
+                <a:cs typeface="Arial" panose="020B0604020202020204" pitchFamily="34" charset="0"/>
+              </a:rPr>
+              <a:t>destra</a:t>
+            </a:r>
+            <a:r>
+              <a:rPr lang="en-US" sz="2200" dirty="0">
+                <a:solidFill>
+                  <a:srgbClr val="141414"/>
+                </a:solidFill>
+                <a:latin typeface="Tenorite (Body)"/>
+                <a:cs typeface="Arial" panose="020B0604020202020204" pitchFamily="34" charset="0"/>
+              </a:rPr>
+              <a:t>, </a:t>
+            </a:r>
+            <a:r>
+              <a:rPr lang="en-US" sz="2200" dirty="0" err="1">
+                <a:solidFill>
+                  <a:srgbClr val="141414"/>
+                </a:solidFill>
+                <a:latin typeface="Tenorite (Body)"/>
+                <a:cs typeface="Arial" panose="020B0604020202020204" pitchFamily="34" charset="0"/>
+              </a:rPr>
+              <a:t>destinata</a:t>
+            </a:r>
+            <a:r>
+              <a:rPr lang="en-US" sz="2200" dirty="0">
+                <a:solidFill>
+                  <a:srgbClr val="141414"/>
+                </a:solidFill>
+                <a:latin typeface="Tenorite (Body)"/>
+                <a:cs typeface="Arial" panose="020B0604020202020204" pitchFamily="34" charset="0"/>
+              </a:rPr>
+              <a:t> al </a:t>
+            </a:r>
+            <a:r>
+              <a:rPr lang="en-US" sz="2200" dirty="0" err="1">
+                <a:solidFill>
+                  <a:srgbClr val="141414"/>
+                </a:solidFill>
+                <a:latin typeface="Tenorite (Body)"/>
+                <a:cs typeface="Arial" panose="020B0604020202020204" pitchFamily="34" charset="0"/>
+              </a:rPr>
+              <a:t>destinatario</a:t>
+            </a:r>
+            <a:r>
+              <a:rPr lang="en-US" sz="2200" dirty="0">
+                <a:solidFill>
+                  <a:srgbClr val="141414"/>
+                </a:solidFill>
+                <a:latin typeface="Tenorite (Body)"/>
+                <a:cs typeface="Arial" panose="020B0604020202020204" pitchFamily="34" charset="0"/>
+              </a:rPr>
+              <a:t>, </a:t>
+            </a:r>
+            <a:r>
+              <a:rPr lang="en-US" sz="2200" dirty="0" err="1">
+                <a:solidFill>
+                  <a:srgbClr val="141414"/>
+                </a:solidFill>
+                <a:latin typeface="Tenorite (Body)"/>
+                <a:cs typeface="Arial" panose="020B0604020202020204" pitchFamily="34" charset="0"/>
+              </a:rPr>
+              <a:t>che</a:t>
+            </a:r>
+            <a:r>
+              <a:rPr lang="en-US" sz="2200" dirty="0">
+                <a:solidFill>
+                  <a:srgbClr val="141414"/>
+                </a:solidFill>
+                <a:latin typeface="Tenorite (Body)"/>
+                <a:cs typeface="Arial" panose="020B0604020202020204" pitchFamily="34" charset="0"/>
+              </a:rPr>
+              <a:t> </a:t>
+            </a:r>
+            <a:r>
+              <a:rPr lang="en-US" sz="2200" dirty="0" err="1">
+                <a:solidFill>
+                  <a:srgbClr val="141414"/>
+                </a:solidFill>
+                <a:latin typeface="Tenorite (Body)"/>
+                <a:cs typeface="Arial" panose="020B0604020202020204" pitchFamily="34" charset="0"/>
+              </a:rPr>
+              <a:t>deve</a:t>
+            </a:r>
+            <a:r>
+              <a:rPr lang="en-US" sz="2200" dirty="0">
+                <a:solidFill>
+                  <a:srgbClr val="141414"/>
+                </a:solidFill>
+                <a:latin typeface="Tenorite (Body)"/>
+                <a:cs typeface="Arial" panose="020B0604020202020204" pitchFamily="34" charset="0"/>
+              </a:rPr>
+              <a:t> </a:t>
+            </a:r>
+            <a:r>
+              <a:rPr lang="en-US" sz="2200" dirty="0" err="1">
+                <a:solidFill>
+                  <a:srgbClr val="141414"/>
+                </a:solidFill>
+                <a:latin typeface="Tenorite (Body)"/>
+                <a:cs typeface="Arial" panose="020B0604020202020204" pitchFamily="34" charset="0"/>
+              </a:rPr>
+              <a:t>essere</a:t>
+            </a:r>
+            <a:r>
+              <a:rPr lang="en-US" sz="2200" dirty="0">
+                <a:solidFill>
+                  <a:srgbClr val="141414"/>
+                </a:solidFill>
+                <a:latin typeface="Tenorite (Body)"/>
+                <a:cs typeface="Arial" panose="020B0604020202020204" pitchFamily="34" charset="0"/>
+              </a:rPr>
+              <a:t> </a:t>
+            </a:r>
+            <a:r>
+              <a:rPr lang="en-US" sz="2200" dirty="0" err="1">
+                <a:solidFill>
+                  <a:srgbClr val="141414"/>
+                </a:solidFill>
+                <a:latin typeface="Tenorite (Body)"/>
+                <a:cs typeface="Arial" panose="020B0604020202020204" pitchFamily="34" charset="0"/>
+              </a:rPr>
+              <a:t>generica</a:t>
+            </a:r>
+            <a:r>
+              <a:rPr lang="en-US" sz="2200" dirty="0">
+                <a:solidFill>
+                  <a:srgbClr val="141414"/>
+                </a:solidFill>
+                <a:latin typeface="Tenorite (Body)"/>
+                <a:cs typeface="Arial" panose="020B0604020202020204" pitchFamily="34" charset="0"/>
+              </a:rPr>
+              <a:t> e </a:t>
+            </a:r>
+            <a:r>
+              <a:rPr lang="en-US" sz="2200" dirty="0" err="1">
+                <a:solidFill>
+                  <a:srgbClr val="141414"/>
+                </a:solidFill>
+                <a:latin typeface="Tenorite (Body)"/>
+                <a:cs typeface="Arial" panose="020B0604020202020204" pitchFamily="34" charset="0"/>
+              </a:rPr>
+              <a:t>contenere</a:t>
+            </a:r>
+            <a:r>
+              <a:rPr lang="en-US" sz="2200" dirty="0">
+                <a:solidFill>
+                  <a:srgbClr val="141414"/>
+                </a:solidFill>
+                <a:latin typeface="Tenorite (Body)"/>
+                <a:cs typeface="Arial" panose="020B0604020202020204" pitchFamily="34" charset="0"/>
+              </a:rPr>
+              <a:t> </a:t>
+            </a:r>
+            <a:r>
+              <a:rPr lang="en-US" sz="2200" dirty="0" err="1">
+                <a:solidFill>
+                  <a:srgbClr val="141414"/>
+                </a:solidFill>
+                <a:latin typeface="Tenorite (Body)"/>
+                <a:cs typeface="Arial" panose="020B0604020202020204" pitchFamily="34" charset="0"/>
+              </a:rPr>
+              <a:t>soltanto</a:t>
+            </a:r>
+            <a:r>
+              <a:rPr lang="en-US" sz="2200" dirty="0">
+                <a:solidFill>
+                  <a:srgbClr val="141414"/>
+                </a:solidFill>
+                <a:latin typeface="Tenorite (Body)"/>
+                <a:cs typeface="Arial" panose="020B0604020202020204" pitchFamily="34" charset="0"/>
+              </a:rPr>
+              <a:t> la </a:t>
+            </a:r>
+            <a:r>
+              <a:rPr lang="en-US" sz="2200" dirty="0" err="1">
+                <a:solidFill>
+                  <a:srgbClr val="141414"/>
+                </a:solidFill>
+                <a:latin typeface="Tenorite (Body)"/>
+                <a:cs typeface="Arial" panose="020B0604020202020204" pitchFamily="34" charset="0"/>
+              </a:rPr>
+              <a:t>parola</a:t>
+            </a:r>
+            <a:r>
+              <a:rPr lang="en-US" sz="2200" dirty="0">
+                <a:solidFill>
+                  <a:srgbClr val="141414"/>
+                </a:solidFill>
+                <a:latin typeface="Tenorite (Body)"/>
+                <a:cs typeface="Arial" panose="020B0604020202020204" pitchFamily="34" charset="0"/>
+              </a:rPr>
+              <a:t> “</a:t>
+            </a:r>
+            <a:r>
+              <a:rPr lang="en-US" sz="2200" dirty="0" err="1">
+                <a:solidFill>
+                  <a:srgbClr val="141414"/>
+                </a:solidFill>
+                <a:latin typeface="Tenorite (Body)"/>
+                <a:cs typeface="Arial" panose="020B0604020202020204" pitchFamily="34" charset="0"/>
+              </a:rPr>
+              <a:t>Egregio</a:t>
+            </a:r>
+            <a:r>
+              <a:rPr lang="en-US" sz="2200" dirty="0">
+                <a:solidFill>
+                  <a:srgbClr val="141414"/>
+                </a:solidFill>
+                <a:latin typeface="Tenorite (Body)"/>
+                <a:cs typeface="Arial" panose="020B0604020202020204" pitchFamily="34" charset="0"/>
+              </a:rPr>
+              <a:t>”, “Gent.mo Sig/</a:t>
+            </a:r>
+            <a:r>
+              <a:rPr lang="en-US" sz="2200" dirty="0" err="1">
+                <a:solidFill>
+                  <a:srgbClr val="141414"/>
+                </a:solidFill>
+                <a:latin typeface="Tenorite (Body)"/>
+                <a:cs typeface="Arial" panose="020B0604020202020204" pitchFamily="34" charset="0"/>
+              </a:rPr>
+              <a:t>Sig.ra</a:t>
+            </a:r>
+            <a:r>
+              <a:rPr lang="en-US" sz="2200" dirty="0">
+                <a:solidFill>
+                  <a:srgbClr val="141414"/>
+                </a:solidFill>
+                <a:latin typeface="Tenorite (Body)"/>
+                <a:cs typeface="Arial" panose="020B0604020202020204" pitchFamily="34" charset="0"/>
+              </a:rPr>
+              <a:t>”, e </a:t>
+            </a:r>
+            <a:r>
+              <a:rPr lang="en-US" sz="2200" dirty="0" err="1">
+                <a:solidFill>
+                  <a:srgbClr val="141414"/>
+                </a:solidFill>
+                <a:latin typeface="Tenorite (Body)"/>
+                <a:cs typeface="Arial" panose="020B0604020202020204" pitchFamily="34" charset="0"/>
+              </a:rPr>
+              <a:t>formule</a:t>
+            </a:r>
+            <a:r>
+              <a:rPr lang="en-US" sz="2200" dirty="0">
+                <a:solidFill>
+                  <a:srgbClr val="141414"/>
+                </a:solidFill>
+                <a:latin typeface="Tenorite (Body)"/>
+                <a:cs typeface="Arial" panose="020B0604020202020204" pitchFamily="34" charset="0"/>
+              </a:rPr>
+              <a:t> </a:t>
+            </a:r>
+            <a:r>
+              <a:rPr lang="en-US" sz="2200" dirty="0" err="1">
+                <a:solidFill>
+                  <a:srgbClr val="141414"/>
+                </a:solidFill>
+                <a:latin typeface="Tenorite (Body)"/>
+                <a:cs typeface="Arial" panose="020B0604020202020204" pitchFamily="34" charset="0"/>
+              </a:rPr>
+              <a:t>simili</a:t>
+            </a:r>
+            <a:r>
+              <a:rPr lang="en-US" sz="2200" dirty="0">
+                <a:solidFill>
+                  <a:srgbClr val="141414"/>
+                </a:solidFill>
+                <a:latin typeface="Tenorite (Body)"/>
+                <a:cs typeface="Arial" panose="020B0604020202020204" pitchFamily="34" charset="0"/>
+              </a:rPr>
+              <a:t> </a:t>
+            </a:r>
+          </a:p>
+        </p:txBody>
+      </p:sp>
     </p:spTree>
+    <p:extLst>
+      <p:ext uri="{BB962C8B-B14F-4D97-AF65-F5344CB8AC3E}">
+        <p14:creationId xmlns:p14="http://schemas.microsoft.com/office/powerpoint/2010/main" val="5760383"/>
+      </p:ext>
+    </p:extLst>
   </p:cSld>
   <p:clrMapOvr>
     <a:masterClrMapping/>
@@ -14758,15 +17535,15 @@
       </p:grpSpPr>
       <p:sp>
         <p:nvSpPr>
-          <p:cNvPr id="217090" name="Title 1">
+          <p:cNvPr id="2" name="Title 1">
             <a:extLst>
               <a:ext uri="{FF2B5EF4-FFF2-40B4-BE49-F238E27FC236}">
-                <a16:creationId xmlns:a16="http://schemas.microsoft.com/office/drawing/2014/main" id="{441F26FA-0E06-DDAD-FE30-17CD59B766C7}"/>
+                <a16:creationId xmlns:a16="http://schemas.microsoft.com/office/drawing/2014/main" id="{3EA705D5-0740-12A1-5C67-53B66629CDD0}"/>
               </a:ext>
             </a:extLst>
           </p:cNvPr>
           <p:cNvSpPr>
-            <a:spLocks noGrp="1" noChangeArrowheads="1"/>
+            <a:spLocks noGrp="1"/>
           </p:cNvSpPr>
           <p:nvPr>
             <p:ph type="title"/>
@@ -14774,27 +17551,65 @@
         </p:nvSpPr>
         <p:spPr>
           <a:xfrm>
-            <a:off x="309563" y="-365125"/>
-            <a:ext cx="10182225" cy="1325563"/>
+            <a:off x="317953" y="136525"/>
+            <a:ext cx="10182813" cy="1325563"/>
           </a:xfrm>
         </p:spPr>
         <p:txBody>
-          <a:bodyPr/>
+          <a:bodyPr rtlCol="0"/>
           <a:lstStyle/>
           <a:p>
-            <a:r>
-              <a:rPr lang="en-US" altLang="en-US" sz="4600"/>
-              <a:t>Tabella Pivot generata da MS Access</a:t>
+            <a:pPr fontAlgn="auto">
+              <a:spcAft>
+                <a:spcPts val="0"/>
+              </a:spcAft>
+              <a:defRPr/>
+            </a:pPr>
+            <a:r>
+              <a:rPr lang="en-US" sz="4600" dirty="0"/>
+              <a:t>File Word </a:t>
+            </a:r>
+            <a:r>
+              <a:rPr lang="en-US" sz="4600" dirty="0" err="1"/>
+              <a:t>che</a:t>
+            </a:r>
+            <a:r>
+              <a:rPr lang="en-US" sz="4600" dirty="0"/>
+              <a:t> </a:t>
+            </a:r>
+            <a:r>
+              <a:rPr lang="en-US" sz="4600" dirty="0" err="1"/>
+              <a:t>prende</a:t>
+            </a:r>
+            <a:r>
+              <a:rPr lang="en-US" sz="4600" dirty="0"/>
+              <a:t> </a:t>
+            </a:r>
+            <a:r>
+              <a:rPr lang="en-US" sz="4600" dirty="0" err="1"/>
+              <a:t>dati</a:t>
+            </a:r>
+            <a:r>
+              <a:rPr lang="en-US" sz="4600" dirty="0"/>
+              <a:t> da Excel (Stampa </a:t>
+            </a:r>
+            <a:r>
+              <a:rPr lang="en-US" sz="4600" dirty="0" err="1"/>
+              <a:t>Unione</a:t>
+            </a:r>
+            <a:r>
+              <a:rPr lang="en-US" sz="4600" dirty="0"/>
+              <a:t>) - 2</a:t>
             </a:r>
           </a:p>
         </p:txBody>
       </p:sp>
       <p:sp>
         <p:nvSpPr>
-          <p:cNvPr id="217091" name="Date Placeholder 2">
+          <p:cNvPr id="216067" name="Date Placeholder 2">
             <a:extLst>
               <a:ext uri="{FF2B5EF4-FFF2-40B4-BE49-F238E27FC236}">
-                <a16:creationId xmlns:a16="http://schemas.microsoft.com/office/drawing/2014/main" id="{A7157D65-F0E9-B1F4-F6CF-300CBC9677EB}"/>
+                <a16:creationId xmlns:a16="http://schemas.microsoft.com/office/drawing/2014/main" id="{42826115-11EC-0FF8-7141-FDCCF6AD6E3C}"/>
               </a:ext>
             </a:extLst>
           </p:cNvPr>
@@ -14960,7 +17775,7 @@
           <p:cNvPr id="5" name="Footer Placeholder 4">
             <a:extLst>
               <a:ext uri="{FF2B5EF4-FFF2-40B4-BE49-F238E27FC236}">
-                <a16:creationId xmlns:a16="http://schemas.microsoft.com/office/drawing/2014/main" id="{B19EF18F-7754-7BB2-B9C2-100C22011A19}"/>
+                <a16:creationId xmlns:a16="http://schemas.microsoft.com/office/drawing/2014/main" id="{0D69560C-3FA1-A56F-9E6F-E11653439FBB}"/>
               </a:ext>
             </a:extLst>
           </p:cNvPr>
@@ -14991,7 +17806,7 @@
           <p:cNvPr id="7" name="Slide Number Placeholder 6">
             <a:extLst>
               <a:ext uri="{FF2B5EF4-FFF2-40B4-BE49-F238E27FC236}">
-                <a16:creationId xmlns:a16="http://schemas.microsoft.com/office/drawing/2014/main" id="{C41876A9-5483-B6D6-2AF8-7ED4A9FAF37D}"/>
+                <a16:creationId xmlns:a16="http://schemas.microsoft.com/office/drawing/2014/main" id="{DCC7B5EB-515A-E57E-B09D-714B143E9BCC}"/>
               </a:ext>
             </a:extLst>
           </p:cNvPr>
@@ -15010,7 +17825,7 @@
             <a:pPr>
               <a:defRPr/>
             </a:pPr>
-            <a:fld id="{24850C7A-E723-4F22-A992-D7A0D458C163}" type="slidenum">
+            <a:fld id="{36543F32-EC62-46F7-A287-D5296CC648BC}" type="slidenum">
               <a:rPr lang="en-US"/>
               <a:pPr>
                 <a:defRPr/>
@@ -15023,366 +17838,194 @@
       </p:sp>
       <p:sp>
         <p:nvSpPr>
-          <p:cNvPr id="217094" name="Picture 5">
+          <p:cNvPr id="3" name="TextBox 2">
             <a:extLst>
               <a:ext uri="{FF2B5EF4-FFF2-40B4-BE49-F238E27FC236}">
-                <a16:creationId xmlns:a16="http://schemas.microsoft.com/office/drawing/2014/main" id="{0E27E7FF-DB1A-CA2A-26D0-D4F8AB67B062}"/>
+                <a16:creationId xmlns:a16="http://schemas.microsoft.com/office/drawing/2014/main" id="{DA30B01F-3FD4-93F9-4E9C-4963CFD356BC}"/>
               </a:ext>
             </a:extLst>
           </p:cNvPr>
-          <p:cNvSpPr>
-            <a:spLocks noChangeAspect="1" noChangeArrowheads="1"/>
-          </p:cNvSpPr>
+          <p:cNvSpPr txBox="1"/>
           <p:nvPr/>
         </p:nvSpPr>
-        <p:spPr bwMode="auto">
+        <p:spPr>
           <a:xfrm>
-            <a:off x="450850" y="1247775"/>
-            <a:ext cx="2039938" cy="2181225"/>
+            <a:off x="6223598" y="1348800"/>
+            <a:ext cx="5431244" cy="5170646"/>
           </a:xfrm>
           <a:prstGeom prst="rect">
             <a:avLst/>
           </a:prstGeom>
           <a:noFill/>
-          <a:ln>
-            <a:noFill/>
-          </a:ln>
-          <a:extLst>
-            <a:ext uri="{909E8E84-426E-40DD-AFC4-6F175D3DCCD1}">
-              <a14:hiddenFill xmlns:a14="http://schemas.microsoft.com/office/drawing/2010/main">
-                <a:solidFill>
-                  <a:srgbClr val="FFFFFF"/>
-                </a:solidFill>
-              </a14:hiddenFill>
-            </a:ext>
-            <a:ext uri="{91240B29-F687-4F45-9708-019B960494DF}">
-              <a14:hiddenLine xmlns:a14="http://schemas.microsoft.com/office/drawing/2010/main" w="9525">
-                <a:solidFill>
-                  <a:srgbClr val="000000"/>
-                </a:solidFill>
-                <a:miter lim="800000"/>
-                <a:headEnd/>
-                <a:tailEnd/>
-              </a14:hiddenLine>
-            </a:ext>
-          </a:extLst>
         </p:spPr>
         <p:txBody>
-          <a:bodyPr/>
-          <a:lstStyle/>
-          <a:p>
-            <a:endParaRPr lang="en-US"/>
-          </a:p>
-        </p:txBody>
-      </p:sp>
-      <p:sp>
-        <p:nvSpPr>
-          <p:cNvPr id="217095" name="Picture 8">
-            <a:extLst>
-              <a:ext uri="{FF2B5EF4-FFF2-40B4-BE49-F238E27FC236}">
-                <a16:creationId xmlns:a16="http://schemas.microsoft.com/office/drawing/2014/main" id="{2A7C99E4-4A91-4BEE-37BB-79FBC90EC87C}"/>
-              </a:ext>
-            </a:extLst>
-          </p:cNvPr>
-          <p:cNvSpPr>
-            <a:spLocks noChangeAspect="1" noChangeArrowheads="1"/>
-          </p:cNvSpPr>
-          <p:nvPr/>
-        </p:nvSpPr>
-        <p:spPr bwMode="auto">
-          <a:xfrm>
-            <a:off x="2657475" y="1247775"/>
-            <a:ext cx="4657725" cy="4743450"/>
-          </a:xfrm>
-          <a:prstGeom prst="rect">
-            <a:avLst/>
-          </a:prstGeom>
-          <a:noFill/>
-          <a:ln>
-            <a:noFill/>
-          </a:ln>
-          <a:extLst>
-            <a:ext uri="{909E8E84-426E-40DD-AFC4-6F175D3DCCD1}">
-              <a14:hiddenFill xmlns:a14="http://schemas.microsoft.com/office/drawing/2010/main">
-                <a:solidFill>
-                  <a:srgbClr val="FFFFFF"/>
-                </a:solidFill>
-              </a14:hiddenFill>
-            </a:ext>
-            <a:ext uri="{91240B29-F687-4F45-9708-019B960494DF}">
-              <a14:hiddenLine xmlns:a14="http://schemas.microsoft.com/office/drawing/2010/main" w="9525">
-                <a:solidFill>
-                  <a:srgbClr val="000000"/>
-                </a:solidFill>
-                <a:miter lim="800000"/>
-                <a:headEnd/>
-                <a:tailEnd/>
-              </a14:hiddenLine>
-            </a:ext>
-          </a:extLst>
-        </p:spPr>
-        <p:txBody>
-          <a:bodyPr/>
-          <a:lstStyle/>
-          <a:p>
-            <a:endParaRPr lang="en-US"/>
-          </a:p>
-        </p:txBody>
-      </p:sp>
-      <p:sp>
-        <p:nvSpPr>
-          <p:cNvPr id="10" name="Rectangle: Rounded Corners 9">
-            <a:extLst>
-              <a:ext uri="{FF2B5EF4-FFF2-40B4-BE49-F238E27FC236}">
-                <a16:creationId xmlns:a16="http://schemas.microsoft.com/office/drawing/2014/main" id="{8F3CE3F4-7F39-46A0-3CA4-36178FA294A1}"/>
-              </a:ext>
-            </a:extLst>
-          </p:cNvPr>
-          <p:cNvSpPr/>
-          <p:nvPr/>
-        </p:nvSpPr>
-        <p:spPr>
-          <a:xfrm>
-            <a:off x="2671763" y="5610225"/>
-            <a:ext cx="1163637" cy="365125"/>
-          </a:xfrm>
-          <a:prstGeom prst="roundRect">
-            <a:avLst/>
-          </a:prstGeom>
-          <a:noFill/>
-          <a:ln w="38100">
-            <a:solidFill>
-              <a:srgbClr val="7030A0"/>
-            </a:solidFill>
-          </a:ln>
-        </p:spPr>
-        <p:style>
-          <a:lnRef idx="2">
-            <a:schemeClr val="accent1">
-              <a:shade val="50000"/>
-            </a:schemeClr>
-          </a:lnRef>
-          <a:fillRef idx="1">
-            <a:schemeClr val="accent1"/>
-          </a:fillRef>
-          <a:effectRef idx="0">
-            <a:schemeClr val="accent1"/>
-          </a:effectRef>
-          <a:fontRef idx="minor">
-            <a:schemeClr val="lt1"/>
-          </a:fontRef>
-        </p:style>
-        <p:txBody>
-          <a:bodyPr anchor="ctr"/>
-          <a:lstStyle/>
-          <a:p>
-            <a:pPr algn="ctr" eaLnBrk="1" fontAlgn="auto" hangingPunct="1">
-              <a:spcBef>
-                <a:spcPts val="0"/>
-              </a:spcBef>
-              <a:spcAft>
-                <a:spcPts val="0"/>
-              </a:spcAft>
-              <a:defRPr/>
-            </a:pPr>
-            <a:endParaRPr lang="en-US"/>
-          </a:p>
-        </p:txBody>
-      </p:sp>
-      <p:sp>
-        <p:nvSpPr>
-          <p:cNvPr id="217097" name="TextBox 10">
-            <a:extLst>
-              <a:ext uri="{FF2B5EF4-FFF2-40B4-BE49-F238E27FC236}">
-                <a16:creationId xmlns:a16="http://schemas.microsoft.com/office/drawing/2014/main" id="{D519D8E8-7503-4F00-D840-781C2F8CB6C7}"/>
-              </a:ext>
-            </a:extLst>
-          </p:cNvPr>
-          <p:cNvSpPr txBox="1">
-            <a:spLocks noChangeArrowheads="1"/>
-          </p:cNvSpPr>
-          <p:nvPr/>
-        </p:nvSpPr>
-        <p:spPr bwMode="auto">
-          <a:xfrm>
-            <a:off x="7481888" y="1520825"/>
-            <a:ext cx="3800475" cy="4154488"/>
-          </a:xfrm>
-          <a:prstGeom prst="rect">
-            <a:avLst/>
-          </a:prstGeom>
-          <a:noFill/>
-          <a:ln>
-            <a:noFill/>
-          </a:ln>
-          <a:extLst>
-            <a:ext uri="{909E8E84-426E-40DD-AFC4-6F175D3DCCD1}">
-              <a14:hiddenFill xmlns:a14="http://schemas.microsoft.com/office/drawing/2010/main">
-                <a:solidFill>
-                  <a:srgbClr val="FFFFFF"/>
-                </a:solidFill>
-              </a14:hiddenFill>
-            </a:ext>
-            <a:ext uri="{91240B29-F687-4F45-9708-019B960494DF}">
-              <a14:hiddenLine xmlns:a14="http://schemas.microsoft.com/office/drawing/2010/main" w="9525">
-                <a:solidFill>
-                  <a:srgbClr val="000000"/>
-                </a:solidFill>
-                <a:miter lim="800000"/>
-                <a:headEnd/>
-                <a:tailEnd/>
-              </a14:hiddenLine>
-            </a:ext>
-          </a:extLst>
-        </p:spPr>
-        <p:txBody>
-          <a:bodyPr>
+          <a:bodyPr wrap="square">
             <a:spAutoFit/>
           </a:bodyPr>
-          <a:lstStyle>
-            <a:lvl1pPr>
-              <a:defRPr>
-                <a:solidFill>
-                  <a:schemeClr val="tx1"/>
-                </a:solidFill>
-                <a:latin typeface="Tenorite" panose="00000500000000000000" pitchFamily="2" charset="0"/>
-              </a:defRPr>
-            </a:lvl1pPr>
-            <a:lvl2pPr marL="742950" indent="-285750">
-              <a:defRPr>
-                <a:solidFill>
-                  <a:schemeClr val="tx1"/>
-                </a:solidFill>
-                <a:latin typeface="Tenorite" panose="00000500000000000000" pitchFamily="2" charset="0"/>
-              </a:defRPr>
-            </a:lvl2pPr>
-            <a:lvl3pPr marL="1143000" indent="-228600">
-              <a:defRPr>
-                <a:solidFill>
-                  <a:schemeClr val="tx1"/>
-                </a:solidFill>
-                <a:latin typeface="Tenorite" panose="00000500000000000000" pitchFamily="2" charset="0"/>
-              </a:defRPr>
-            </a:lvl3pPr>
-            <a:lvl4pPr marL="1600200" indent="-228600">
-              <a:defRPr>
-                <a:solidFill>
-                  <a:schemeClr val="tx1"/>
-                </a:solidFill>
-                <a:latin typeface="Tenorite" panose="00000500000000000000" pitchFamily="2" charset="0"/>
-              </a:defRPr>
-            </a:lvl4pPr>
-            <a:lvl5pPr marL="2057400" indent="-228600">
-              <a:defRPr>
-                <a:solidFill>
-                  <a:schemeClr val="tx1"/>
-                </a:solidFill>
-                <a:latin typeface="Tenorite" panose="00000500000000000000" pitchFamily="2" charset="0"/>
-              </a:defRPr>
-            </a:lvl5pPr>
-            <a:lvl6pPr marL="2514600" indent="-228600" fontAlgn="base">
-              <a:spcBef>
-                <a:spcPct val="0"/>
-              </a:spcBef>
-              <a:spcAft>
-                <a:spcPct val="0"/>
-              </a:spcAft>
-              <a:defRPr>
-                <a:solidFill>
-                  <a:schemeClr val="tx1"/>
-                </a:solidFill>
-                <a:latin typeface="Tenorite" panose="00000500000000000000" pitchFamily="2" charset="0"/>
-              </a:defRPr>
-            </a:lvl6pPr>
-            <a:lvl7pPr marL="2971800" indent="-228600" fontAlgn="base">
-              <a:spcBef>
-                <a:spcPct val="0"/>
-              </a:spcBef>
-              <a:spcAft>
-                <a:spcPct val="0"/>
-              </a:spcAft>
-              <a:defRPr>
-                <a:solidFill>
-                  <a:schemeClr val="tx1"/>
-                </a:solidFill>
-                <a:latin typeface="Tenorite" panose="00000500000000000000" pitchFamily="2" charset="0"/>
-              </a:defRPr>
-            </a:lvl7pPr>
-            <a:lvl8pPr marL="3429000" indent="-228600" fontAlgn="base">
-              <a:spcBef>
-                <a:spcPct val="0"/>
-              </a:spcBef>
-              <a:spcAft>
-                <a:spcPct val="0"/>
-              </a:spcAft>
-              <a:defRPr>
-                <a:solidFill>
-                  <a:schemeClr val="tx1"/>
-                </a:solidFill>
-                <a:latin typeface="Tenorite" panose="00000500000000000000" pitchFamily="2" charset="0"/>
-              </a:defRPr>
-            </a:lvl8pPr>
-            <a:lvl9pPr marL="3886200" indent="-228600" fontAlgn="base">
-              <a:spcBef>
-                <a:spcPct val="0"/>
-              </a:spcBef>
-              <a:spcAft>
-                <a:spcPct val="0"/>
-              </a:spcAft>
-              <a:defRPr>
-                <a:solidFill>
-                  <a:schemeClr val="tx1"/>
-                </a:solidFill>
-                <a:latin typeface="Tenorite" panose="00000500000000000000" pitchFamily="2" charset="0"/>
-              </a:defRPr>
-            </a:lvl9pPr>
-          </a:lstStyle>
-          <a:p>
-            <a:pPr eaLnBrk="1" hangingPunct="1"/>
-            <a:r>
-              <a:rPr lang="en-US" altLang="en-US" sz="2200">
-                <a:solidFill>
-                  <a:srgbClr val="141414"/>
-                </a:solidFill>
-                <a:latin typeface="Tenorite (Body)"/>
-                <a:cs typeface="Arial" panose="020B0604020202020204" pitchFamily="34" charset="0"/>
-              </a:rPr>
-              <a:t>Attraverso il Bottone “</a:t>
-            </a:r>
-            <a:r>
-              <a:rPr lang="en-US" altLang="en-US" sz="2200" b="1">
-                <a:solidFill>
-                  <a:srgbClr val="141414"/>
-                </a:solidFill>
-                <a:latin typeface="Tenorite (Body)"/>
-                <a:cs typeface="Arial" panose="020B0604020202020204" pitchFamily="34" charset="0"/>
-              </a:rPr>
-              <a:t>Browse for More” </a:t>
-            </a:r>
-            <a:r>
-              <a:rPr lang="en-US" altLang="en-US" sz="2200">
-                <a:solidFill>
-                  <a:srgbClr val="141414"/>
-                </a:solidFill>
-                <a:latin typeface="Tenorite (Body)"/>
-                <a:cs typeface="Arial" panose="020B0604020202020204" pitchFamily="34" charset="0"/>
-              </a:rPr>
-              <a:t>si ricerca il file Access che contiene il DB da cui estrapolare la </a:t>
-            </a:r>
-            <a:r>
-              <a:rPr lang="en-US" altLang="en-US" sz="2200" b="1">
-                <a:solidFill>
-                  <a:srgbClr val="141414"/>
-                </a:solidFill>
-                <a:latin typeface="Tenorite (Body)"/>
-                <a:cs typeface="Arial" panose="020B0604020202020204" pitchFamily="34" charset="0"/>
-              </a:rPr>
-              <a:t>Tabella Pivot</a:t>
-            </a:r>
-          </a:p>
-          <a:p>
-            <a:pPr eaLnBrk="1" hangingPunct="1"/>
-            <a:endParaRPr lang="en-US" altLang="en-US" sz="2200" b="1">
+          <a:lstStyle/>
+          <a:p>
+            <a:pPr algn="l"/>
+            <a:r>
+              <a:rPr lang="en-US" sz="2200" dirty="0">
+                <a:solidFill>
+                  <a:srgbClr val="141414"/>
+                </a:solidFill>
+                <a:latin typeface="Tenorite (Body)"/>
+                <a:cs typeface="Arial" panose="020B0604020202020204" pitchFamily="34" charset="0"/>
+              </a:rPr>
+              <a:t>Dal </a:t>
+            </a:r>
+            <a:r>
+              <a:rPr lang="en-US" sz="2200" b="1" dirty="0">
+                <a:solidFill>
+                  <a:srgbClr val="141414"/>
+                </a:solidFill>
+                <a:latin typeface="Tenorite (Body)"/>
+                <a:cs typeface="Arial" panose="020B0604020202020204" pitchFamily="34" charset="0"/>
+              </a:rPr>
+              <a:t>menu di Word </a:t>
+            </a:r>
+            <a:r>
+              <a:rPr lang="en-US" sz="2200" dirty="0" err="1">
+                <a:solidFill>
+                  <a:srgbClr val="141414"/>
+                </a:solidFill>
+                <a:latin typeface="Tenorite (Body)"/>
+                <a:cs typeface="Arial" panose="020B0604020202020204" pitchFamily="34" charset="0"/>
+              </a:rPr>
+              <a:t>si</a:t>
+            </a:r>
+            <a:r>
+              <a:rPr lang="en-US" sz="2200" dirty="0">
+                <a:solidFill>
+                  <a:srgbClr val="141414"/>
+                </a:solidFill>
+                <a:latin typeface="Tenorite (Body)"/>
+                <a:cs typeface="Arial" panose="020B0604020202020204" pitchFamily="34" charset="0"/>
+              </a:rPr>
+              <a:t> fa </a:t>
+            </a:r>
+            <a:r>
+              <a:rPr lang="en-US" sz="2200" dirty="0" err="1">
+                <a:solidFill>
+                  <a:srgbClr val="141414"/>
+                </a:solidFill>
+                <a:latin typeface="Tenorite (Body)"/>
+                <a:cs typeface="Arial" panose="020B0604020202020204" pitchFamily="34" charset="0"/>
+              </a:rPr>
+              <a:t>così</a:t>
+            </a:r>
+            <a:r>
+              <a:rPr lang="en-US" sz="2200" dirty="0">
+                <a:solidFill>
+                  <a:srgbClr val="141414"/>
+                </a:solidFill>
+                <a:latin typeface="Tenorite (Body)"/>
+                <a:cs typeface="Arial" panose="020B0604020202020204" pitchFamily="34" charset="0"/>
+              </a:rPr>
+              <a:t>:</a:t>
+            </a:r>
+          </a:p>
+          <a:p>
+            <a:pPr marL="457200" indent="-457200" algn="l">
+              <a:buAutoNum type="arabicParenR"/>
+            </a:pPr>
+            <a:r>
+              <a:rPr lang="en-US" sz="2200" dirty="0">
+                <a:solidFill>
+                  <a:srgbClr val="141414"/>
+                </a:solidFill>
+                <a:latin typeface="Tenorite (Body)"/>
+                <a:cs typeface="Arial" panose="020B0604020202020204" pitchFamily="34" charset="0"/>
+              </a:rPr>
+              <a:t>Mailings&gt;Select Recipients&gt;Use an existing list</a:t>
+            </a:r>
+          </a:p>
+          <a:p>
+            <a:pPr marL="457200" indent="-457200" algn="l">
+              <a:buAutoNum type="arabicParenR"/>
+            </a:pPr>
+            <a:r>
+              <a:rPr lang="en-US" sz="2200" dirty="0">
+                <a:solidFill>
+                  <a:srgbClr val="141414"/>
+                </a:solidFill>
+                <a:latin typeface="Tenorite (Body)"/>
+                <a:cs typeface="Arial" panose="020B0604020202020204" pitchFamily="34" charset="0"/>
+              </a:rPr>
+              <a:t>Si </a:t>
+            </a:r>
+            <a:r>
+              <a:rPr lang="en-US" sz="2200" dirty="0" err="1">
+                <a:solidFill>
+                  <a:srgbClr val="141414"/>
+                </a:solidFill>
+                <a:latin typeface="Tenorite (Body)"/>
+                <a:cs typeface="Arial" panose="020B0604020202020204" pitchFamily="34" charset="0"/>
+              </a:rPr>
+              <a:t>cerca</a:t>
+            </a:r>
+            <a:r>
+              <a:rPr lang="en-US" sz="2200" dirty="0">
+                <a:solidFill>
+                  <a:srgbClr val="141414"/>
+                </a:solidFill>
+                <a:latin typeface="Tenorite (Body)"/>
+                <a:cs typeface="Arial" panose="020B0604020202020204" pitchFamily="34" charset="0"/>
+              </a:rPr>
+              <a:t> il file Excel con </a:t>
+            </a:r>
+            <a:r>
+              <a:rPr lang="en-US" sz="2200" dirty="0" err="1">
+                <a:solidFill>
+                  <a:srgbClr val="141414"/>
+                </a:solidFill>
+                <a:latin typeface="Tenorite (Body)"/>
+                <a:cs typeface="Arial" panose="020B0604020202020204" pitchFamily="34" charset="0"/>
+              </a:rPr>
+              <a:t>i</a:t>
+            </a:r>
+            <a:r>
+              <a:rPr lang="en-US" sz="2200" dirty="0">
+                <a:solidFill>
+                  <a:srgbClr val="141414"/>
+                </a:solidFill>
+                <a:latin typeface="Tenorite (Body)"/>
+                <a:cs typeface="Arial" panose="020B0604020202020204" pitchFamily="34" charset="0"/>
+              </a:rPr>
+              <a:t> </a:t>
+            </a:r>
+            <a:r>
+              <a:rPr lang="en-US" sz="2200" dirty="0" err="1">
+                <a:solidFill>
+                  <a:srgbClr val="141414"/>
+                </a:solidFill>
+                <a:latin typeface="Tenorite (Body)"/>
+                <a:cs typeface="Arial" panose="020B0604020202020204" pitchFamily="34" charset="0"/>
+              </a:rPr>
+              <a:t>nostri</a:t>
+            </a:r>
+            <a:r>
+              <a:rPr lang="en-US" sz="2200" dirty="0">
+                <a:solidFill>
+                  <a:srgbClr val="141414"/>
+                </a:solidFill>
+                <a:latin typeface="Tenorite (Body)"/>
+                <a:cs typeface="Arial" panose="020B0604020202020204" pitchFamily="34" charset="0"/>
+              </a:rPr>
+              <a:t> </a:t>
+            </a:r>
+            <a:r>
+              <a:rPr lang="en-US" sz="2200" dirty="0" err="1">
+                <a:solidFill>
+                  <a:srgbClr val="141414"/>
+                </a:solidFill>
+                <a:latin typeface="Tenorite (Body)"/>
+                <a:cs typeface="Arial" panose="020B0604020202020204" pitchFamily="34" charset="0"/>
+              </a:rPr>
+              <a:t>destinatari</a:t>
+            </a:r>
+            <a:endParaRPr lang="en-US" sz="2200" dirty="0">
               <a:solidFill>
                 <a:srgbClr val="141414"/>
               </a:solidFill>
@@ -15391,20 +18034,535 @@
             </a:endParaRPr>
           </a:p>
           <a:p>
-            <a:pPr eaLnBrk="1" hangingPunct="1"/>
-            <a:r>
-              <a:rPr lang="en-US" altLang="en-US" sz="2200">
-                <a:solidFill>
-                  <a:srgbClr val="141414"/>
-                </a:solidFill>
-                <a:latin typeface="Tenorite (Body)"/>
-                <a:cs typeface="Arial" panose="020B0604020202020204" pitchFamily="34" charset="0"/>
-              </a:rPr>
-              <a:t>Una volta identificata la sorgente esterna di dati, il Lavoro sulla Tabella Pivot è del tutto simile a quando la sorgente è direttamente in un file Excel</a:t>
-            </a:r>
+            <a:pPr marL="457200" indent="-457200" algn="l">
+              <a:buAutoNum type="arabicParenR"/>
+            </a:pPr>
+            <a:r>
+              <a:rPr lang="en-US" sz="2200" dirty="0">
+                <a:solidFill>
+                  <a:srgbClr val="141414"/>
+                </a:solidFill>
+                <a:latin typeface="Tenorite (Body)"/>
+                <a:cs typeface="Arial" panose="020B0604020202020204" pitchFamily="34" charset="0"/>
+              </a:rPr>
+              <a:t>La </a:t>
+            </a:r>
+            <a:r>
+              <a:rPr lang="en-US" sz="2200" dirty="0" err="1">
+                <a:solidFill>
+                  <a:srgbClr val="141414"/>
+                </a:solidFill>
+                <a:latin typeface="Tenorite (Body)"/>
+                <a:cs typeface="Arial" panose="020B0604020202020204" pitchFamily="34" charset="0"/>
+              </a:rPr>
+              <a:t>selezione</a:t>
+            </a:r>
+            <a:r>
+              <a:rPr lang="en-US" sz="2200" dirty="0">
+                <a:solidFill>
+                  <a:srgbClr val="141414"/>
+                </a:solidFill>
+                <a:latin typeface="Tenorite (Body)"/>
+                <a:cs typeface="Arial" panose="020B0604020202020204" pitchFamily="34" charset="0"/>
+              </a:rPr>
+              <a:t> del file xlsx, “</a:t>
+            </a:r>
+            <a:r>
+              <a:rPr lang="en-US" sz="2200" dirty="0" err="1">
+                <a:solidFill>
+                  <a:srgbClr val="141414"/>
+                </a:solidFill>
+                <a:latin typeface="Tenorite (Body)"/>
+                <a:cs typeface="Arial" panose="020B0604020202020204" pitchFamily="34" charset="0"/>
+              </a:rPr>
+              <a:t>accende</a:t>
+            </a:r>
+            <a:r>
+              <a:rPr lang="en-US" sz="2200" dirty="0">
+                <a:solidFill>
+                  <a:srgbClr val="141414"/>
+                </a:solidFill>
+                <a:latin typeface="Tenorite (Body)"/>
+                <a:cs typeface="Arial" panose="020B0604020202020204" pitchFamily="34" charset="0"/>
+              </a:rPr>
+              <a:t>” </a:t>
+            </a:r>
+            <a:r>
+              <a:rPr lang="en-US" sz="2200" dirty="0" err="1">
+                <a:solidFill>
+                  <a:srgbClr val="141414"/>
+                </a:solidFill>
+                <a:latin typeface="Tenorite (Body)"/>
+                <a:cs typeface="Arial" panose="020B0604020202020204" pitchFamily="34" charset="0"/>
+              </a:rPr>
+              <a:t>una</a:t>
+            </a:r>
+            <a:r>
+              <a:rPr lang="en-US" sz="2200" dirty="0">
+                <a:solidFill>
+                  <a:srgbClr val="141414"/>
+                </a:solidFill>
+                <a:latin typeface="Tenorite (Body)"/>
+                <a:cs typeface="Arial" panose="020B0604020202020204" pitchFamily="34" charset="0"/>
+              </a:rPr>
+              <a:t> </a:t>
+            </a:r>
+            <a:r>
+              <a:rPr lang="en-US" sz="2200" dirty="0" err="1">
+                <a:solidFill>
+                  <a:srgbClr val="141414"/>
+                </a:solidFill>
+                <a:latin typeface="Tenorite (Body)"/>
+                <a:cs typeface="Arial" panose="020B0604020202020204" pitchFamily="34" charset="0"/>
+              </a:rPr>
+              <a:t>serie</a:t>
+            </a:r>
+            <a:r>
+              <a:rPr lang="en-US" sz="2200" dirty="0">
+                <a:solidFill>
+                  <a:srgbClr val="141414"/>
+                </a:solidFill>
+                <a:latin typeface="Tenorite (Body)"/>
+                <a:cs typeface="Arial" panose="020B0604020202020204" pitchFamily="34" charset="0"/>
+              </a:rPr>
+              <a:t> di </a:t>
+            </a:r>
+            <a:r>
+              <a:rPr lang="en-US" sz="2200" dirty="0" err="1">
+                <a:solidFill>
+                  <a:srgbClr val="141414"/>
+                </a:solidFill>
+                <a:latin typeface="Tenorite (Body)"/>
+                <a:cs typeface="Arial" panose="020B0604020202020204" pitchFamily="34" charset="0"/>
+              </a:rPr>
+              <a:t>pulsanti</a:t>
+            </a:r>
+            <a:r>
+              <a:rPr lang="en-US" sz="2200" dirty="0">
+                <a:solidFill>
+                  <a:srgbClr val="141414"/>
+                </a:solidFill>
+                <a:latin typeface="Tenorite (Body)"/>
+                <a:cs typeface="Arial" panose="020B0604020202020204" pitchFamily="34" charset="0"/>
+              </a:rPr>
+              <a:t> </a:t>
+            </a:r>
+            <a:r>
+              <a:rPr lang="en-US" sz="2200" dirty="0" err="1">
+                <a:solidFill>
+                  <a:srgbClr val="141414"/>
+                </a:solidFill>
+                <a:latin typeface="Tenorite (Body)"/>
+                <a:cs typeface="Arial" panose="020B0604020202020204" pitchFamily="34" charset="0"/>
+              </a:rPr>
+              <a:t>nella</a:t>
+            </a:r>
+            <a:r>
+              <a:rPr lang="en-US" sz="2200" dirty="0">
+                <a:solidFill>
+                  <a:srgbClr val="141414"/>
+                </a:solidFill>
+                <a:latin typeface="Tenorite (Body)"/>
+                <a:cs typeface="Arial" panose="020B0604020202020204" pitchFamily="34" charset="0"/>
+              </a:rPr>
+              <a:t> </a:t>
+            </a:r>
+            <a:r>
+              <a:rPr lang="en-US" sz="2200" dirty="0" err="1">
+                <a:solidFill>
+                  <a:srgbClr val="141414"/>
+                </a:solidFill>
+                <a:latin typeface="Tenorite (Body)"/>
+                <a:cs typeface="Arial" panose="020B0604020202020204" pitchFamily="34" charset="0"/>
+              </a:rPr>
+              <a:t>sezione</a:t>
+            </a:r>
+            <a:r>
+              <a:rPr lang="en-US" sz="2200" dirty="0">
+                <a:solidFill>
+                  <a:srgbClr val="141414"/>
+                </a:solidFill>
+                <a:latin typeface="Tenorite (Body)"/>
+                <a:cs typeface="Arial" panose="020B0604020202020204" pitchFamily="34" charset="0"/>
+              </a:rPr>
+              <a:t> “Write and Insert Fields” del menu Mailings</a:t>
+            </a:r>
+          </a:p>
+          <a:p>
+            <a:pPr marL="457200" indent="-457200" algn="l">
+              <a:buAutoNum type="arabicParenR"/>
+            </a:pPr>
+            <a:r>
+              <a:rPr lang="en-US" sz="2200" dirty="0">
+                <a:solidFill>
+                  <a:srgbClr val="141414"/>
+                </a:solidFill>
+                <a:latin typeface="Tenorite (Body)"/>
+                <a:cs typeface="Arial" panose="020B0604020202020204" pitchFamily="34" charset="0"/>
+              </a:rPr>
+              <a:t>Sotto </a:t>
+            </a:r>
+            <a:r>
+              <a:rPr lang="en-US" sz="2200" dirty="0" err="1">
+                <a:solidFill>
+                  <a:srgbClr val="141414"/>
+                </a:solidFill>
+                <a:latin typeface="Tenorite (Body)"/>
+                <a:cs typeface="Arial" panose="020B0604020202020204" pitchFamily="34" charset="0"/>
+              </a:rPr>
+              <a:t>Egregio</a:t>
+            </a:r>
+            <a:r>
+              <a:rPr lang="en-US" sz="2200" dirty="0">
+                <a:solidFill>
+                  <a:srgbClr val="141414"/>
+                </a:solidFill>
+                <a:latin typeface="Tenorite (Body)"/>
+                <a:cs typeface="Arial" panose="020B0604020202020204" pitchFamily="34" charset="0"/>
+              </a:rPr>
+              <a:t>, </a:t>
+            </a:r>
+            <a:r>
+              <a:rPr lang="en-US" sz="2200" dirty="0" err="1">
+                <a:solidFill>
+                  <a:srgbClr val="141414"/>
+                </a:solidFill>
+                <a:latin typeface="Tenorite (Body)"/>
+                <a:cs typeface="Arial" panose="020B0604020202020204" pitchFamily="34" charset="0"/>
+              </a:rPr>
+              <a:t>si</a:t>
+            </a:r>
+            <a:r>
+              <a:rPr lang="en-US" sz="2200" dirty="0">
+                <a:solidFill>
+                  <a:srgbClr val="141414"/>
+                </a:solidFill>
+                <a:latin typeface="Tenorite (Body)"/>
+                <a:cs typeface="Arial" panose="020B0604020202020204" pitchFamily="34" charset="0"/>
+              </a:rPr>
+              <a:t> </a:t>
+            </a:r>
+            <a:r>
+              <a:rPr lang="en-US" sz="2200" dirty="0" err="1">
+                <a:solidFill>
+                  <a:srgbClr val="141414"/>
+                </a:solidFill>
+                <a:latin typeface="Tenorite (Body)"/>
+                <a:cs typeface="Arial" panose="020B0604020202020204" pitchFamily="34" charset="0"/>
+              </a:rPr>
+              <a:t>selezionano</a:t>
+            </a:r>
+            <a:r>
+              <a:rPr lang="en-US" sz="2200" dirty="0">
+                <a:solidFill>
+                  <a:srgbClr val="141414"/>
+                </a:solidFill>
+                <a:latin typeface="Tenorite (Body)"/>
+                <a:cs typeface="Arial" panose="020B0604020202020204" pitchFamily="34" charset="0"/>
+              </a:rPr>
+              <a:t> </a:t>
+            </a:r>
+            <a:r>
+              <a:rPr lang="en-US" sz="2200" dirty="0" err="1">
+                <a:solidFill>
+                  <a:srgbClr val="141414"/>
+                </a:solidFill>
+                <a:latin typeface="Tenorite (Body)"/>
+                <a:cs typeface="Arial" panose="020B0604020202020204" pitchFamily="34" charset="0"/>
+              </a:rPr>
+              <a:t>i</a:t>
+            </a:r>
+            <a:r>
+              <a:rPr lang="en-US" sz="2200" dirty="0">
+                <a:solidFill>
+                  <a:srgbClr val="141414"/>
+                </a:solidFill>
+                <a:latin typeface="Tenorite (Body)"/>
+                <a:cs typeface="Arial" panose="020B0604020202020204" pitchFamily="34" charset="0"/>
+              </a:rPr>
+              <a:t> 3 </a:t>
+            </a:r>
+            <a:r>
+              <a:rPr lang="en-US" sz="2200" dirty="0" err="1">
+                <a:solidFill>
+                  <a:srgbClr val="141414"/>
+                </a:solidFill>
+                <a:latin typeface="Tenorite (Body)"/>
+                <a:cs typeface="Arial" panose="020B0604020202020204" pitchFamily="34" charset="0"/>
+              </a:rPr>
+              <a:t>campi</a:t>
+            </a:r>
+            <a:r>
+              <a:rPr lang="en-US" sz="2200" dirty="0">
+                <a:solidFill>
+                  <a:srgbClr val="141414"/>
+                </a:solidFill>
+                <a:latin typeface="Tenorite (Body)"/>
+                <a:cs typeface="Arial" panose="020B0604020202020204" pitchFamily="34" charset="0"/>
+              </a:rPr>
+              <a:t> </a:t>
+            </a:r>
+            <a:r>
+              <a:rPr lang="en-US" sz="2200" dirty="0" err="1">
+                <a:solidFill>
+                  <a:srgbClr val="141414"/>
+                </a:solidFill>
+                <a:latin typeface="Tenorite (Body)"/>
+                <a:cs typeface="Arial" panose="020B0604020202020204" pitchFamily="34" charset="0"/>
+              </a:rPr>
+              <a:t>dei</a:t>
+            </a:r>
+            <a:r>
+              <a:rPr lang="en-US" sz="2200" dirty="0">
+                <a:solidFill>
+                  <a:srgbClr val="141414"/>
+                </a:solidFill>
+                <a:latin typeface="Tenorite (Body)"/>
+                <a:cs typeface="Arial" panose="020B0604020202020204" pitchFamily="34" charset="0"/>
+              </a:rPr>
+              <a:t> record in Excel, uno dopo </a:t>
+            </a:r>
+            <a:r>
+              <a:rPr lang="en-US" sz="2200" dirty="0" err="1">
+                <a:solidFill>
+                  <a:srgbClr val="141414"/>
+                </a:solidFill>
+                <a:latin typeface="Tenorite (Body)"/>
+                <a:cs typeface="Arial" panose="020B0604020202020204" pitchFamily="34" charset="0"/>
+              </a:rPr>
+              <a:t>l’altro</a:t>
+            </a:r>
+            <a:endParaRPr lang="en-US" sz="2200" dirty="0">
+              <a:solidFill>
+                <a:srgbClr val="141414"/>
+              </a:solidFill>
+              <a:latin typeface="Tenorite (Body)"/>
+              <a:cs typeface="Arial" panose="020B0604020202020204" pitchFamily="34" charset="0"/>
+            </a:endParaRPr>
+          </a:p>
+          <a:p>
+            <a:pPr marL="457200" indent="-457200" algn="l">
+              <a:buAutoNum type="arabicParenR"/>
+            </a:pPr>
+            <a:r>
+              <a:rPr lang="en-US" sz="2200" dirty="0">
+                <a:solidFill>
+                  <a:srgbClr val="141414"/>
+                </a:solidFill>
+                <a:latin typeface="Tenorite (Body)"/>
+                <a:cs typeface="Arial" panose="020B0604020202020204" pitchFamily="34" charset="0"/>
+              </a:rPr>
+              <a:t>Mailings&gt;Finish&gt;</a:t>
+            </a:r>
+            <a:r>
+              <a:rPr lang="en-US" sz="2200" dirty="0" err="1">
+                <a:solidFill>
+                  <a:srgbClr val="141414"/>
+                </a:solidFill>
+                <a:latin typeface="Tenorite (Body)"/>
+                <a:cs typeface="Arial" panose="020B0604020202020204" pitchFamily="34" charset="0"/>
+              </a:rPr>
+              <a:t>Finish&amp;Merge</a:t>
+            </a:r>
+            <a:r>
+              <a:rPr lang="en-US" sz="2200" dirty="0">
+                <a:solidFill>
+                  <a:srgbClr val="141414"/>
+                </a:solidFill>
+                <a:latin typeface="Tenorite (Body)"/>
+                <a:cs typeface="Arial" panose="020B0604020202020204" pitchFamily="34" charset="0"/>
+              </a:rPr>
+              <a:t>&gt;Edit Individual documents (ALL) –</a:t>
+            </a:r>
+            <a:r>
+              <a:rPr lang="en-US" sz="2200" b="1" dirty="0">
+                <a:solidFill>
+                  <a:srgbClr val="141414"/>
+                </a:solidFill>
+                <a:latin typeface="Tenorite (Body)"/>
+                <a:cs typeface="Arial" panose="020B0604020202020204" pitchFamily="34" charset="0"/>
+              </a:rPr>
+              <a:t> </a:t>
+            </a:r>
+            <a:r>
+              <a:rPr lang="en-US" sz="2200" b="1" dirty="0" err="1">
+                <a:solidFill>
+                  <a:srgbClr val="141414"/>
+                </a:solidFill>
+                <a:highlight>
+                  <a:srgbClr val="FFFF00"/>
+                </a:highlight>
+                <a:latin typeface="Tenorite (Body)"/>
+                <a:cs typeface="Arial" panose="020B0604020202020204" pitchFamily="34" charset="0"/>
+              </a:rPr>
+              <a:t>Viene</a:t>
+            </a:r>
+            <a:r>
+              <a:rPr lang="en-US" sz="2200" b="1" dirty="0">
+                <a:solidFill>
+                  <a:srgbClr val="141414"/>
+                </a:solidFill>
+                <a:highlight>
+                  <a:srgbClr val="FFFF00"/>
+                </a:highlight>
+                <a:latin typeface="Tenorite (Body)"/>
+                <a:cs typeface="Arial" panose="020B0604020202020204" pitchFamily="34" charset="0"/>
+              </a:rPr>
+              <a:t> </a:t>
+            </a:r>
+            <a:r>
+              <a:rPr lang="en-US" sz="2200" b="1" dirty="0" err="1">
+                <a:solidFill>
+                  <a:srgbClr val="141414"/>
+                </a:solidFill>
+                <a:highlight>
+                  <a:srgbClr val="FFFF00"/>
+                </a:highlight>
+                <a:latin typeface="Tenorite (Body)"/>
+                <a:cs typeface="Arial" panose="020B0604020202020204" pitchFamily="34" charset="0"/>
+              </a:rPr>
+              <a:t>creato</a:t>
+            </a:r>
+            <a:r>
+              <a:rPr lang="en-US" sz="2200" b="1" dirty="0">
+                <a:solidFill>
+                  <a:srgbClr val="141414"/>
+                </a:solidFill>
+                <a:highlight>
+                  <a:srgbClr val="FFFF00"/>
+                </a:highlight>
+                <a:latin typeface="Tenorite (Body)"/>
+                <a:cs typeface="Arial" panose="020B0604020202020204" pitchFamily="34" charset="0"/>
+              </a:rPr>
+              <a:t> un </a:t>
+            </a:r>
+            <a:r>
+              <a:rPr lang="en-US" sz="2200" b="1" dirty="0" err="1">
+                <a:solidFill>
+                  <a:srgbClr val="141414"/>
+                </a:solidFill>
+                <a:highlight>
+                  <a:srgbClr val="FFFF00"/>
+                </a:highlight>
+                <a:latin typeface="Tenorite (Body)"/>
+                <a:cs typeface="Arial" panose="020B0604020202020204" pitchFamily="34" charset="0"/>
+              </a:rPr>
+              <a:t>altro</a:t>
+            </a:r>
+            <a:r>
+              <a:rPr lang="en-US" sz="2200" b="1" dirty="0">
+                <a:solidFill>
+                  <a:srgbClr val="141414"/>
+                </a:solidFill>
+                <a:highlight>
+                  <a:srgbClr val="FFFF00"/>
+                </a:highlight>
+                <a:latin typeface="Tenorite (Body)"/>
+                <a:cs typeface="Arial" panose="020B0604020202020204" pitchFamily="34" charset="0"/>
+              </a:rPr>
+              <a:t> Word con </a:t>
+            </a:r>
+            <a:r>
+              <a:rPr lang="en-US" sz="2200" b="1" dirty="0" err="1">
+                <a:solidFill>
+                  <a:srgbClr val="141414"/>
+                </a:solidFill>
+                <a:highlight>
+                  <a:srgbClr val="FFFF00"/>
+                </a:highlight>
+                <a:latin typeface="Tenorite (Body)"/>
+                <a:cs typeface="Arial" panose="020B0604020202020204" pitchFamily="34" charset="0"/>
+              </a:rPr>
+              <a:t>gli</a:t>
+            </a:r>
+            <a:r>
+              <a:rPr lang="en-US" sz="2200" b="1" dirty="0">
+                <a:solidFill>
+                  <a:srgbClr val="141414"/>
+                </a:solidFill>
+                <a:highlight>
+                  <a:srgbClr val="FFFF00"/>
+                </a:highlight>
+                <a:latin typeface="Tenorite (Body)"/>
+                <a:cs typeface="Arial" panose="020B0604020202020204" pitchFamily="34" charset="0"/>
+              </a:rPr>
+              <a:t> </a:t>
+            </a:r>
+            <a:r>
+              <a:rPr lang="en-US" sz="2200" b="1" dirty="0" err="1">
+                <a:solidFill>
+                  <a:srgbClr val="141414"/>
+                </a:solidFill>
+                <a:highlight>
+                  <a:srgbClr val="FFFF00"/>
+                </a:highlight>
+                <a:latin typeface="Tenorite (Body)"/>
+                <a:cs typeface="Arial" panose="020B0604020202020204" pitchFamily="34" charset="0"/>
+              </a:rPr>
+              <a:t>indirizzi</a:t>
+            </a:r>
+            <a:endParaRPr lang="en-US" sz="2200" b="1" dirty="0">
+              <a:solidFill>
+                <a:srgbClr val="141414"/>
+              </a:solidFill>
+              <a:highlight>
+                <a:srgbClr val="FFFF00"/>
+              </a:highlight>
+              <a:latin typeface="Tenorite (Body)"/>
+              <a:cs typeface="Arial" panose="020B0604020202020204" pitchFamily="34" charset="0"/>
+            </a:endParaRPr>
+          </a:p>
+          <a:p>
+            <a:pPr marL="457200" indent="-457200" algn="l">
+              <a:buAutoNum type="arabicParenR"/>
+            </a:pPr>
+            <a:endParaRPr lang="en-US" sz="2200" dirty="0">
+              <a:solidFill>
+                <a:srgbClr val="141414"/>
+              </a:solidFill>
+              <a:latin typeface="Tenorite (Body)"/>
+              <a:cs typeface="Arial" panose="020B0604020202020204" pitchFamily="34" charset="0"/>
+            </a:endParaRPr>
           </a:p>
         </p:txBody>
       </p:sp>
+      <p:pic>
+        <p:nvPicPr>
+          <p:cNvPr id="6" name="Picture 5">
+            <a:extLst>
+              <a:ext uri="{FF2B5EF4-FFF2-40B4-BE49-F238E27FC236}">
+                <a16:creationId xmlns:a16="http://schemas.microsoft.com/office/drawing/2014/main" id="{8F97D774-3AB7-F4D5-31D5-3CFAB0DB0AD0}"/>
+              </a:ext>
+            </a:extLst>
+          </p:cNvPr>
+          <p:cNvPicPr>
+            <a:picLocks noChangeAspect="1"/>
+          </p:cNvPicPr>
+          <p:nvPr/>
+        </p:nvPicPr>
+        <p:blipFill>
+          <a:blip r:embed="rId2"/>
+          <a:stretch>
+            <a:fillRect/>
+          </a:stretch>
+        </p:blipFill>
+        <p:spPr>
+          <a:xfrm>
+            <a:off x="537158" y="1804858"/>
+            <a:ext cx="5304348" cy="2813269"/>
+          </a:xfrm>
+          <a:prstGeom prst="rect">
+            <a:avLst/>
+          </a:prstGeom>
+          <a:effectLst>
+            <a:outerShdw blurRad="50800" dist="38100" dir="5400000" algn="t" rotWithShape="0">
+              <a:prstClr val="black">
+                <a:alpha val="40000"/>
+              </a:prstClr>
+            </a:outerShdw>
+          </a:effectLst>
+        </p:spPr>
+      </p:pic>
     </p:spTree>
   </p:cSld>
   <p:clrMapOvr>
@@ -15435,7 +18593,7 @@
           <p:cNvPr id="2" name="Title 1">
             <a:extLst>
               <a:ext uri="{FF2B5EF4-FFF2-40B4-BE49-F238E27FC236}">
-                <a16:creationId xmlns:a16="http://schemas.microsoft.com/office/drawing/2014/main" id="{672CD4D4-19B2-86FA-7CD1-F2D6CBD0AE1C}"/>
+                <a16:creationId xmlns:a16="http://schemas.microsoft.com/office/drawing/2014/main" id="{D543047E-FBFD-4F79-BCA5-10E69740F030}"/>
               </a:ext>
             </a:extLst>
           </p:cNvPr>
@@ -15453,213 +18611,159 @@
           </a:xfrm>
         </p:spPr>
         <p:txBody>
-          <a:bodyPr rtlCol="0"/>
+          <a:bodyPr/>
           <a:lstStyle/>
           <a:p>
-            <a:pPr fontAlgn="auto">
-              <a:spcAft>
-                <a:spcPts val="0"/>
-              </a:spcAft>
-              <a:defRPr/>
-            </a:pPr>
-            <a:r>
-              <a:rPr lang="en-US" sz="4600" dirty="0" err="1">
-                <a:highlight>
-                  <a:srgbClr val="FFFF00"/>
-                </a:highlight>
-              </a:rPr>
-              <a:t>Sorgente</a:t>
-            </a:r>
-            <a:r>
-              <a:rPr lang="en-US" sz="4600" dirty="0">
-                <a:highlight>
-                  <a:srgbClr val="FFFF00"/>
-                </a:highlight>
-              </a:rPr>
-              <a:t> TXT da </a:t>
-            </a:r>
-            <a:r>
-              <a:rPr lang="en-US" sz="4600" dirty="0" err="1">
-                <a:highlight>
-                  <a:srgbClr val="FFFF00"/>
-                </a:highlight>
-              </a:rPr>
-              <a:t>trasformare</a:t>
-            </a:r>
-            <a:r>
-              <a:rPr lang="en-US" sz="4600" dirty="0">
-                <a:highlight>
-                  <a:srgbClr val="FFFF00"/>
-                </a:highlight>
-              </a:rPr>
-              <a:t> in Excel</a:t>
+            <a:r>
+              <a:rPr lang="en-US" sz="4600" dirty="0" err="1"/>
+              <a:t>Tabella</a:t>
+            </a:r>
+            <a:r>
+              <a:rPr lang="en-US" sz="4600" dirty="0"/>
+              <a:t> Pivot </a:t>
+            </a:r>
+            <a:r>
+              <a:rPr lang="en-US" sz="4600" dirty="0" err="1"/>
+              <a:t>generata</a:t>
+            </a:r>
+            <a:r>
+              <a:rPr lang="en-US" sz="4600" dirty="0"/>
+              <a:t> da MS Access</a:t>
             </a:r>
           </a:p>
         </p:txBody>
       </p:sp>
       <p:sp>
         <p:nvSpPr>
-          <p:cNvPr id="218115" name="Date Placeholder 2">
+          <p:cNvPr id="3" name="Date Placeholder 2">
             <a:extLst>
               <a:ext uri="{FF2B5EF4-FFF2-40B4-BE49-F238E27FC236}">
-                <a16:creationId xmlns:a16="http://schemas.microsoft.com/office/drawing/2014/main" id="{B7D69A2B-E321-D048-CD63-158D1964CBEA}"/>
+                <a16:creationId xmlns:a16="http://schemas.microsoft.com/office/drawing/2014/main" id="{6DB30D50-1377-244D-A1A4-32FB836C1F3A}"/>
               </a:ext>
             </a:extLst>
           </p:cNvPr>
           <p:cNvSpPr>
-            <a:spLocks noGrp="1" noChangeArrowheads="1"/>
+            <a:spLocks noGrp="1"/>
           </p:cNvSpPr>
           <p:nvPr>
-            <p:ph type="dt" sz="quarter" idx="10"/>
+            <p:ph type="dt" sz="half" idx="2"/>
           </p:nvPr>
         </p:nvSpPr>
-        <p:spPr bwMode="auto">
+        <p:spPr>
           <a:xfrm>
-            <a:off x="177800" y="6356350"/>
-            <a:ext cx="1701800" cy="365125"/>
+            <a:off x="381000" y="6356350"/>
+            <a:ext cx="1701018" cy="365125"/>
           </a:xfrm>
-          <a:noFill/>
-          <a:extLst>
-            <a:ext uri="{909E8E84-426E-40DD-AFC4-6F175D3DCCD1}">
-              <a14:hiddenFill xmlns:a14="http://schemas.microsoft.com/office/drawing/2010/main">
-                <a:solidFill>
-                  <a:srgbClr val="FFFFFF"/>
-                </a:solidFill>
-              </a14:hiddenFill>
-            </a:ext>
-            <a:ext uri="{91240B29-F687-4F45-9708-019B960494DF}">
-              <a14:hiddenLine xmlns:a14="http://schemas.microsoft.com/office/drawing/2010/main" w="9525">
-                <a:solidFill>
-                  <a:srgbClr val="000000"/>
-                </a:solidFill>
-                <a:miter lim="800000"/>
-                <a:headEnd/>
-                <a:tailEnd/>
-              </a14:hiddenLine>
-            </a:ext>
-          </a:extLst>
+          <a:prstGeom prst="rect">
+            <a:avLst/>
+          </a:prstGeom>
         </p:spPr>
         <p:txBody>
-          <a:bodyPr wrap="square" numCol="1" anchorCtr="0" compatLnSpc="1">
-            <a:prstTxWarp prst="textNoShape">
-              <a:avLst/>
-            </a:prstTxWarp>
+          <a:bodyPr vert="horz" lIns="91440" tIns="45720" rIns="91440" bIns="45720" rtlCol="0" anchor="ctr">
+            <a:noAutofit/>
           </a:bodyPr>
           <a:lstStyle>
-            <a:lvl1pPr>
-              <a:defRPr>
+            <a:defPPr>
+              <a:defRPr lang="en-US"/>
+            </a:defPPr>
+            <a:lvl1pPr marL="0" algn="l" defTabSz="914400" rtl="0" eaLnBrk="1" latinLnBrk="0" hangingPunct="1">
+              <a:defRPr sz="1200" kern="1200">
+                <a:solidFill>
+                  <a:schemeClr val="accent2"/>
+                </a:solidFill>
+                <a:latin typeface="+mn-lt"/>
+                <a:ea typeface="+mn-ea"/>
+                <a:cs typeface="+mn-cs"/>
+              </a:defRPr>
+            </a:lvl1pPr>
+            <a:lvl2pPr marL="457200" algn="l" defTabSz="914400" rtl="0" eaLnBrk="1" latinLnBrk="0" hangingPunct="1">
+              <a:defRPr sz="1800" kern="1200">
                 <a:solidFill>
                   <a:schemeClr val="tx1"/>
                 </a:solidFill>
-                <a:latin typeface="Tenorite" panose="00000500000000000000" pitchFamily="2" charset="0"/>
-              </a:defRPr>
-            </a:lvl1pPr>
-            <a:lvl2pPr marL="742950" indent="-285750">
-              <a:defRPr>
+                <a:latin typeface="+mn-lt"/>
+                <a:ea typeface="+mn-ea"/>
+                <a:cs typeface="+mn-cs"/>
+              </a:defRPr>
+            </a:lvl2pPr>
+            <a:lvl3pPr marL="914400" algn="l" defTabSz="914400" rtl="0" eaLnBrk="1" latinLnBrk="0" hangingPunct="1">
+              <a:defRPr sz="1800" kern="1200">
                 <a:solidFill>
                   <a:schemeClr val="tx1"/>
                 </a:solidFill>
-                <a:latin typeface="Tenorite" panose="00000500000000000000" pitchFamily="2" charset="0"/>
-              </a:defRPr>
-            </a:lvl2pPr>
-            <a:lvl3pPr marL="1143000" indent="-228600">
-              <a:defRPr>
+                <a:latin typeface="+mn-lt"/>
+                <a:ea typeface="+mn-ea"/>
+                <a:cs typeface="+mn-cs"/>
+              </a:defRPr>
+            </a:lvl3pPr>
+            <a:lvl4pPr marL="1371600" algn="l" defTabSz="914400" rtl="0" eaLnBrk="1" latinLnBrk="0" hangingPunct="1">
+              <a:defRPr sz="1800" kern="1200">
                 <a:solidFill>
                   <a:schemeClr val="tx1"/>
                 </a:solidFill>
-                <a:latin typeface="Tenorite" panose="00000500000000000000" pitchFamily="2" charset="0"/>
-              </a:defRPr>
-            </a:lvl3pPr>
-            <a:lvl4pPr marL="1600200" indent="-228600">
-              <a:defRPr>
+                <a:latin typeface="+mn-lt"/>
+                <a:ea typeface="+mn-ea"/>
+                <a:cs typeface="+mn-cs"/>
+              </a:defRPr>
+            </a:lvl4pPr>
+            <a:lvl5pPr marL="1828800" algn="l" defTabSz="914400" rtl="0" eaLnBrk="1" latinLnBrk="0" hangingPunct="1">
+              <a:defRPr sz="1800" kern="1200">
                 <a:solidFill>
                   <a:schemeClr val="tx1"/>
                 </a:solidFill>
-                <a:latin typeface="Tenorite" panose="00000500000000000000" pitchFamily="2" charset="0"/>
-              </a:defRPr>
-            </a:lvl4pPr>
-            <a:lvl5pPr marL="2057400" indent="-228600">
-              <a:defRPr>
+                <a:latin typeface="+mn-lt"/>
+                <a:ea typeface="+mn-ea"/>
+                <a:cs typeface="+mn-cs"/>
+              </a:defRPr>
+            </a:lvl5pPr>
+            <a:lvl6pPr marL="2286000" algn="l" defTabSz="914400" rtl="0" eaLnBrk="1" latinLnBrk="0" hangingPunct="1">
+              <a:defRPr sz="1800" kern="1200">
                 <a:solidFill>
                   <a:schemeClr val="tx1"/>
                 </a:solidFill>
-                <a:latin typeface="Tenorite" panose="00000500000000000000" pitchFamily="2" charset="0"/>
-              </a:defRPr>
-            </a:lvl5pPr>
-            <a:lvl6pPr marL="2514600" indent="-228600" fontAlgn="base">
-              <a:spcBef>
-                <a:spcPct val="0"/>
-              </a:spcBef>
-              <a:spcAft>
-                <a:spcPct val="0"/>
-              </a:spcAft>
-              <a:defRPr>
+                <a:latin typeface="+mn-lt"/>
+                <a:ea typeface="+mn-ea"/>
+                <a:cs typeface="+mn-cs"/>
+              </a:defRPr>
+            </a:lvl6pPr>
+            <a:lvl7pPr marL="2743200" algn="l" defTabSz="914400" rtl="0" eaLnBrk="1" latinLnBrk="0" hangingPunct="1">
+              <a:defRPr sz="1800" kern="1200">
                 <a:solidFill>
                   <a:schemeClr val="tx1"/>
                 </a:solidFill>
-                <a:latin typeface="Tenorite" panose="00000500000000000000" pitchFamily="2" charset="0"/>
-              </a:defRPr>
-            </a:lvl6pPr>
-            <a:lvl7pPr marL="2971800" indent="-228600" fontAlgn="base">
-              <a:spcBef>
-                <a:spcPct val="0"/>
-              </a:spcBef>
-              <a:spcAft>
-                <a:spcPct val="0"/>
-              </a:spcAft>
-              <a:defRPr>
+                <a:latin typeface="+mn-lt"/>
+                <a:ea typeface="+mn-ea"/>
+                <a:cs typeface="+mn-cs"/>
+              </a:defRPr>
+            </a:lvl7pPr>
+            <a:lvl8pPr marL="3200400" algn="l" defTabSz="914400" rtl="0" eaLnBrk="1" latinLnBrk="0" hangingPunct="1">
+              <a:defRPr sz="1800" kern="1200">
                 <a:solidFill>
                   <a:schemeClr val="tx1"/>
                 </a:solidFill>
-                <a:latin typeface="Tenorite" panose="00000500000000000000" pitchFamily="2" charset="0"/>
-              </a:defRPr>
-            </a:lvl7pPr>
-            <a:lvl8pPr marL="3429000" indent="-228600" fontAlgn="base">
-              <a:spcBef>
-                <a:spcPct val="0"/>
-              </a:spcBef>
-              <a:spcAft>
-                <a:spcPct val="0"/>
-              </a:spcAft>
-              <a:defRPr>
+                <a:latin typeface="+mn-lt"/>
+                <a:ea typeface="+mn-ea"/>
+                <a:cs typeface="+mn-cs"/>
+              </a:defRPr>
+            </a:lvl8pPr>
+            <a:lvl9pPr marL="3657600" algn="l" defTabSz="914400" rtl="0" eaLnBrk="1" latinLnBrk="0" hangingPunct="1">
+              <a:defRPr sz="1800" kern="1200">
                 <a:solidFill>
                   <a:schemeClr val="tx1"/>
                 </a:solidFill>
-                <a:latin typeface="Tenorite" panose="00000500000000000000" pitchFamily="2" charset="0"/>
-              </a:defRPr>
-            </a:lvl8pPr>
-            <a:lvl9pPr marL="3886200" indent="-228600" fontAlgn="base">
-              <a:spcBef>
-                <a:spcPct val="0"/>
-              </a:spcBef>
-              <a:spcAft>
-                <a:spcPct val="0"/>
-              </a:spcAft>
-              <a:defRPr>
-                <a:solidFill>
-                  <a:schemeClr val="tx1"/>
-                </a:solidFill>
-                <a:latin typeface="Tenorite" panose="00000500000000000000" pitchFamily="2" charset="0"/>
+                <a:latin typeface="+mn-lt"/>
+                <a:ea typeface="+mn-ea"/>
+                <a:cs typeface="+mn-cs"/>
               </a:defRPr>
             </a:lvl9pPr>
           </a:lstStyle>
           <a:p>
-            <a:pPr fontAlgn="base">
-              <a:spcBef>
-                <a:spcPct val="0"/>
-              </a:spcBef>
-              <a:spcAft>
-                <a:spcPct val="0"/>
-              </a:spcAft>
-            </a:pPr>
-            <a:r>
-              <a:rPr lang="en-US" altLang="en-US">
-                <a:solidFill>
-                  <a:schemeClr val="accent2"/>
-                </a:solidFill>
-              </a:rPr>
-              <a:t>GIUGNO-LUGLIO 2023</a:t>
-            </a:r>
+            <a:fld id="{7E7AB22C-8B7E-9B4A-8C65-396C3C874D86}" type="datetime1">
+              <a:rPr lang="en-US" smtClean="0"/>
+              <a:pPr/>
+              <a:t>11-Jul-23</a:t>
+            </a:fld>
+            <a:endParaRPr lang="en-US" dirty="0"/>
           </a:p>
         </p:txBody>
       </p:sp>
@@ -15668,7 +18772,7 @@
           <p:cNvPr id="5" name="Footer Placeholder 4">
             <a:extLst>
               <a:ext uri="{FF2B5EF4-FFF2-40B4-BE49-F238E27FC236}">
-                <a16:creationId xmlns:a16="http://schemas.microsoft.com/office/drawing/2014/main" id="{8EA80EDD-CD5C-1183-0D45-F76E0B247212}"/>
+                <a16:creationId xmlns:a16="http://schemas.microsoft.com/office/drawing/2014/main" id="{AA926C73-F226-914E-AC56-BF3172765F9F}"/>
               </a:ext>
             </a:extLst>
           </p:cNvPr>
@@ -15676,21 +18780,123 @@
             <a:spLocks noGrp="1"/>
           </p:cNvSpPr>
           <p:nvPr>
-            <p:ph type="ftr" sz="quarter" idx="11"/>
+            <p:ph type="ftr" sz="quarter" idx="3"/>
           </p:nvPr>
         </p:nvSpPr>
-        <p:spPr/>
+        <p:spPr>
+          <a:xfrm>
+            <a:off x="4038600" y="6356350"/>
+            <a:ext cx="4114800" cy="365125"/>
+          </a:xfrm>
+          <a:prstGeom prst="rect">
+            <a:avLst/>
+          </a:prstGeom>
+        </p:spPr>
         <p:txBody>
-          <a:bodyPr/>
-          <a:lstStyle/>
-          <a:p>
-            <a:pPr>
-              <a:defRPr/>
-            </a:pPr>
+          <a:bodyPr vert="horz" lIns="91440" tIns="45720" rIns="91440" bIns="45720" rtlCol="0" anchor="ctr">
+            <a:noAutofit/>
+          </a:bodyPr>
+          <a:lstStyle>
+            <a:defPPr>
+              <a:defRPr lang="en-US"/>
+            </a:defPPr>
+            <a:lvl1pPr marL="0" algn="ctr" defTabSz="914400" rtl="0" eaLnBrk="1" latinLnBrk="0" hangingPunct="1">
+              <a:defRPr sz="1200" kern="1200">
+                <a:solidFill>
+                  <a:schemeClr val="accent3"/>
+                </a:solidFill>
+                <a:latin typeface="+mn-lt"/>
+                <a:ea typeface="+mn-ea"/>
+                <a:cs typeface="+mn-cs"/>
+              </a:defRPr>
+            </a:lvl1pPr>
+            <a:lvl2pPr marL="457200" algn="l" defTabSz="914400" rtl="0" eaLnBrk="1" latinLnBrk="0" hangingPunct="1">
+              <a:defRPr sz="1800" kern="1200">
+                <a:solidFill>
+                  <a:schemeClr val="tx1"/>
+                </a:solidFill>
+                <a:latin typeface="+mn-lt"/>
+                <a:ea typeface="+mn-ea"/>
+                <a:cs typeface="+mn-cs"/>
+              </a:defRPr>
+            </a:lvl2pPr>
+            <a:lvl3pPr marL="914400" algn="l" defTabSz="914400" rtl="0" eaLnBrk="1" latinLnBrk="0" hangingPunct="1">
+              <a:defRPr sz="1800" kern="1200">
+                <a:solidFill>
+                  <a:schemeClr val="tx1"/>
+                </a:solidFill>
+                <a:latin typeface="+mn-lt"/>
+                <a:ea typeface="+mn-ea"/>
+                <a:cs typeface="+mn-cs"/>
+              </a:defRPr>
+            </a:lvl3pPr>
+            <a:lvl4pPr marL="1371600" algn="l" defTabSz="914400" rtl="0" eaLnBrk="1" latinLnBrk="0" hangingPunct="1">
+              <a:defRPr sz="1800" kern="1200">
+                <a:solidFill>
+                  <a:schemeClr val="tx1"/>
+                </a:solidFill>
+                <a:latin typeface="+mn-lt"/>
+                <a:ea typeface="+mn-ea"/>
+                <a:cs typeface="+mn-cs"/>
+              </a:defRPr>
+            </a:lvl4pPr>
+            <a:lvl5pPr marL="1828800" algn="l" defTabSz="914400" rtl="0" eaLnBrk="1" latinLnBrk="0" hangingPunct="1">
+              <a:defRPr sz="1800" kern="1200">
+                <a:solidFill>
+                  <a:schemeClr val="tx1"/>
+                </a:solidFill>
+                <a:latin typeface="+mn-lt"/>
+                <a:ea typeface="+mn-ea"/>
+                <a:cs typeface="+mn-cs"/>
+              </a:defRPr>
+            </a:lvl5pPr>
+            <a:lvl6pPr marL="2286000" algn="l" defTabSz="914400" rtl="0" eaLnBrk="1" latinLnBrk="0" hangingPunct="1">
+              <a:defRPr sz="1800" kern="1200">
+                <a:solidFill>
+                  <a:schemeClr val="tx1"/>
+                </a:solidFill>
+                <a:latin typeface="+mn-lt"/>
+                <a:ea typeface="+mn-ea"/>
+                <a:cs typeface="+mn-cs"/>
+              </a:defRPr>
+            </a:lvl6pPr>
+            <a:lvl7pPr marL="2743200" algn="l" defTabSz="914400" rtl="0" eaLnBrk="1" latinLnBrk="0" hangingPunct="1">
+              <a:defRPr sz="1800" kern="1200">
+                <a:solidFill>
+                  <a:schemeClr val="tx1"/>
+                </a:solidFill>
+                <a:latin typeface="+mn-lt"/>
+                <a:ea typeface="+mn-ea"/>
+                <a:cs typeface="+mn-cs"/>
+              </a:defRPr>
+            </a:lvl7pPr>
+            <a:lvl8pPr marL="3200400" algn="l" defTabSz="914400" rtl="0" eaLnBrk="1" latinLnBrk="0" hangingPunct="1">
+              <a:defRPr sz="1800" kern="1200">
+                <a:solidFill>
+                  <a:schemeClr val="tx1"/>
+                </a:solidFill>
+                <a:latin typeface="+mn-lt"/>
+                <a:ea typeface="+mn-ea"/>
+                <a:cs typeface="+mn-cs"/>
+              </a:defRPr>
+            </a:lvl8pPr>
+            <a:lvl9pPr marL="3657600" algn="l" defTabSz="914400" rtl="0" eaLnBrk="1" latinLnBrk="0" hangingPunct="1">
+              <a:defRPr sz="1800" kern="1200">
+                <a:solidFill>
+                  <a:schemeClr val="tx1"/>
+                </a:solidFill>
+                <a:latin typeface="+mn-lt"/>
+                <a:ea typeface="+mn-ea"/>
+                <a:cs typeface="+mn-cs"/>
+              </a:defRPr>
+            </a:lvl9pPr>
+          </a:lstStyle>
+          <a:p>
             <a:r>
               <a:rPr lang="en-US"/>
-              <a:t>MICROSOFT EXCEL – BASE e AVANZATO</a:t>
-            </a:r>
+              <a:t>PRESENTATION TITLE</a:t>
+            </a:r>
+            <a:endParaRPr lang="en-US" dirty="0"/>
           </a:p>
         </p:txBody>
       </p:sp>
@@ -15699,7 +18905,7 @@
           <p:cNvPr id="7" name="Slide Number Placeholder 6">
             <a:extLst>
               <a:ext uri="{FF2B5EF4-FFF2-40B4-BE49-F238E27FC236}">
-                <a16:creationId xmlns:a16="http://schemas.microsoft.com/office/drawing/2014/main" id="{6ED17AC9-6986-95EC-8513-0A8FAE51B0FA}"/>
+                <a16:creationId xmlns:a16="http://schemas.microsoft.com/office/drawing/2014/main" id="{50A86E01-62BB-5145-A6C3-515717DD327C}"/>
               </a:ext>
             </a:extLst>
           </p:cNvPr>
@@ -15707,29 +18913,650 @@
             <a:spLocks noGrp="1"/>
           </p:cNvSpPr>
           <p:nvPr>
-            <p:ph type="sldNum" sz="quarter" idx="12"/>
+            <p:ph type="sldNum" sz="quarter" idx="4"/>
           </p:nvPr>
         </p:nvSpPr>
-        <p:spPr/>
+        <p:spPr>
+          <a:xfrm>
+            <a:off x="10153276" y="6356350"/>
+            <a:ext cx="1657723" cy="365125"/>
+          </a:xfrm>
+          <a:prstGeom prst="rect">
+            <a:avLst/>
+          </a:prstGeom>
+        </p:spPr>
         <p:txBody>
-          <a:bodyPr/>
-          <a:lstStyle/>
-          <a:p>
-            <a:pPr>
-              <a:defRPr/>
-            </a:pPr>
-            <a:fld id="{8183F2EE-A713-4BE8-8A94-FBDB13D5D9DC}" type="slidenum">
-              <a:rPr lang="en-US"/>
-              <a:pPr>
-                <a:defRPr/>
-              </a:pPr>
+          <a:bodyPr vert="horz" lIns="91440" tIns="45720" rIns="91440" bIns="45720" rtlCol="0" anchor="ctr">
+            <a:noAutofit/>
+          </a:bodyPr>
+          <a:lstStyle>
+            <a:defPPr>
+              <a:defRPr lang="en-US"/>
+            </a:defPPr>
+            <a:lvl1pPr marL="0" algn="r" defTabSz="914400" rtl="0" eaLnBrk="1" latinLnBrk="0" hangingPunct="1">
+              <a:defRPr sz="1200" kern="1200">
+                <a:solidFill>
+                  <a:schemeClr val="accent3"/>
+                </a:solidFill>
+                <a:latin typeface="+mn-lt"/>
+                <a:ea typeface="+mn-ea"/>
+                <a:cs typeface="+mn-cs"/>
+              </a:defRPr>
+            </a:lvl1pPr>
+            <a:lvl2pPr marL="457200" algn="l" defTabSz="914400" rtl="0" eaLnBrk="1" latinLnBrk="0" hangingPunct="1">
+              <a:defRPr sz="1800" kern="1200">
+                <a:solidFill>
+                  <a:schemeClr val="tx1"/>
+                </a:solidFill>
+                <a:latin typeface="+mn-lt"/>
+                <a:ea typeface="+mn-ea"/>
+                <a:cs typeface="+mn-cs"/>
+              </a:defRPr>
+            </a:lvl2pPr>
+            <a:lvl3pPr marL="914400" algn="l" defTabSz="914400" rtl="0" eaLnBrk="1" latinLnBrk="0" hangingPunct="1">
+              <a:defRPr sz="1800" kern="1200">
+                <a:solidFill>
+                  <a:schemeClr val="tx1"/>
+                </a:solidFill>
+                <a:latin typeface="+mn-lt"/>
+                <a:ea typeface="+mn-ea"/>
+                <a:cs typeface="+mn-cs"/>
+              </a:defRPr>
+            </a:lvl3pPr>
+            <a:lvl4pPr marL="1371600" algn="l" defTabSz="914400" rtl="0" eaLnBrk="1" latinLnBrk="0" hangingPunct="1">
+              <a:defRPr sz="1800" kern="1200">
+                <a:solidFill>
+                  <a:schemeClr val="tx1"/>
+                </a:solidFill>
+                <a:latin typeface="+mn-lt"/>
+                <a:ea typeface="+mn-ea"/>
+                <a:cs typeface="+mn-cs"/>
+              </a:defRPr>
+            </a:lvl4pPr>
+            <a:lvl5pPr marL="1828800" algn="l" defTabSz="914400" rtl="0" eaLnBrk="1" latinLnBrk="0" hangingPunct="1">
+              <a:defRPr sz="1800" kern="1200">
+                <a:solidFill>
+                  <a:schemeClr val="tx1"/>
+                </a:solidFill>
+                <a:latin typeface="+mn-lt"/>
+                <a:ea typeface="+mn-ea"/>
+                <a:cs typeface="+mn-cs"/>
+              </a:defRPr>
+            </a:lvl5pPr>
+            <a:lvl6pPr marL="2286000" algn="l" defTabSz="914400" rtl="0" eaLnBrk="1" latinLnBrk="0" hangingPunct="1">
+              <a:defRPr sz="1800" kern="1200">
+                <a:solidFill>
+                  <a:schemeClr val="tx1"/>
+                </a:solidFill>
+                <a:latin typeface="+mn-lt"/>
+                <a:ea typeface="+mn-ea"/>
+                <a:cs typeface="+mn-cs"/>
+              </a:defRPr>
+            </a:lvl6pPr>
+            <a:lvl7pPr marL="2743200" algn="l" defTabSz="914400" rtl="0" eaLnBrk="1" latinLnBrk="0" hangingPunct="1">
+              <a:defRPr sz="1800" kern="1200">
+                <a:solidFill>
+                  <a:schemeClr val="tx1"/>
+                </a:solidFill>
+                <a:latin typeface="+mn-lt"/>
+                <a:ea typeface="+mn-ea"/>
+                <a:cs typeface="+mn-cs"/>
+              </a:defRPr>
+            </a:lvl7pPr>
+            <a:lvl8pPr marL="3200400" algn="l" defTabSz="914400" rtl="0" eaLnBrk="1" latinLnBrk="0" hangingPunct="1">
+              <a:defRPr sz="1800" kern="1200">
+                <a:solidFill>
+                  <a:schemeClr val="tx1"/>
+                </a:solidFill>
+                <a:latin typeface="+mn-lt"/>
+                <a:ea typeface="+mn-ea"/>
+                <a:cs typeface="+mn-cs"/>
+              </a:defRPr>
+            </a:lvl8pPr>
+            <a:lvl9pPr marL="3657600" algn="l" defTabSz="914400" rtl="0" eaLnBrk="1" latinLnBrk="0" hangingPunct="1">
+              <a:defRPr sz="1800" kern="1200">
+                <a:solidFill>
+                  <a:schemeClr val="tx1"/>
+                </a:solidFill>
+                <a:latin typeface="+mn-lt"/>
+                <a:ea typeface="+mn-ea"/>
+                <a:cs typeface="+mn-cs"/>
+              </a:defRPr>
+            </a:lvl9pPr>
+          </a:lstStyle>
+          <a:p>
+            <a:fld id="{294A09A9-5501-47C1-A89A-A340965A2BE2}" type="slidenum">
+              <a:rPr lang="en-US" smtClean="0"/>
+              <a:pPr/>
               <a:t>5</a:t>
             </a:fld>
             <a:endParaRPr lang="en-US" dirty="0"/>
           </a:p>
         </p:txBody>
       </p:sp>
+      <p:pic>
+        <p:nvPicPr>
+          <p:cNvPr id="6" name="Picture 5">
+            <a:extLst>
+              <a:ext uri="{FF2B5EF4-FFF2-40B4-BE49-F238E27FC236}">
+                <a16:creationId xmlns:a16="http://schemas.microsoft.com/office/drawing/2014/main" id="{9B844F84-E647-198F-E522-18C9D356C1C0}"/>
+              </a:ext>
+            </a:extLst>
+          </p:cNvPr>
+          <p:cNvPicPr>
+            <a:picLocks noChangeAspect="1"/>
+          </p:cNvPicPr>
+          <p:nvPr/>
+        </p:nvPicPr>
+        <p:blipFill>
+          <a:blip r:embed="rId2"/>
+          <a:stretch>
+            <a:fillRect/>
+          </a:stretch>
+        </p:blipFill>
+        <p:spPr>
+          <a:xfrm>
+            <a:off x="451416" y="1247471"/>
+            <a:ext cx="2038635" cy="2181529"/>
+          </a:xfrm>
+          <a:prstGeom prst="rect">
+            <a:avLst/>
+          </a:prstGeom>
+        </p:spPr>
+      </p:pic>
+      <p:pic>
+        <p:nvPicPr>
+          <p:cNvPr id="9" name="Picture 8">
+            <a:extLst>
+              <a:ext uri="{FF2B5EF4-FFF2-40B4-BE49-F238E27FC236}">
+                <a16:creationId xmlns:a16="http://schemas.microsoft.com/office/drawing/2014/main" id="{FAB95F75-740E-BED2-4C43-726589816961}"/>
+              </a:ext>
+            </a:extLst>
+          </p:cNvPr>
+          <p:cNvPicPr>
+            <a:picLocks noChangeAspect="1"/>
+          </p:cNvPicPr>
+          <p:nvPr/>
+        </p:nvPicPr>
+        <p:blipFill>
+          <a:blip r:embed="rId3"/>
+          <a:stretch>
+            <a:fillRect/>
+          </a:stretch>
+        </p:blipFill>
+        <p:spPr>
+          <a:xfrm>
+            <a:off x="2657104" y="1247471"/>
+            <a:ext cx="4658375" cy="4744112"/>
+          </a:xfrm>
+          <a:prstGeom prst="rect">
+            <a:avLst/>
+          </a:prstGeom>
+        </p:spPr>
+      </p:pic>
+      <p:sp>
+        <p:nvSpPr>
+          <p:cNvPr id="10" name="Rectangle: Rounded Corners 9">
+            <a:extLst>
+              <a:ext uri="{FF2B5EF4-FFF2-40B4-BE49-F238E27FC236}">
+                <a16:creationId xmlns:a16="http://schemas.microsoft.com/office/drawing/2014/main" id="{45807343-4EA0-DC8F-8EAB-E72BDB59A14B}"/>
+              </a:ext>
+            </a:extLst>
+          </p:cNvPr>
+          <p:cNvSpPr/>
+          <p:nvPr/>
+        </p:nvSpPr>
+        <p:spPr>
+          <a:xfrm>
+            <a:off x="2672179" y="5610687"/>
+            <a:ext cx="1162974" cy="363985"/>
+          </a:xfrm>
+          <a:prstGeom prst="roundRect">
+            <a:avLst/>
+          </a:prstGeom>
+          <a:noFill/>
+          <a:ln w="38100">
+            <a:solidFill>
+              <a:srgbClr val="7030A0"/>
+            </a:solidFill>
+          </a:ln>
+        </p:spPr>
+        <p:style>
+          <a:lnRef idx="2">
+            <a:schemeClr val="accent1">
+              <a:shade val="50000"/>
+            </a:schemeClr>
+          </a:lnRef>
+          <a:fillRef idx="1">
+            <a:schemeClr val="accent1"/>
+          </a:fillRef>
+          <a:effectRef idx="0">
+            <a:schemeClr val="accent1"/>
+          </a:effectRef>
+          <a:fontRef idx="minor">
+            <a:schemeClr val="lt1"/>
+          </a:fontRef>
+        </p:style>
+        <p:txBody>
+          <a:bodyPr rtlCol="0" anchor="ctr"/>
+          <a:lstStyle/>
+          <a:p>
+            <a:pPr algn="ctr"/>
+            <a:endParaRPr lang="en-US"/>
+          </a:p>
+        </p:txBody>
+      </p:sp>
+      <p:sp>
+        <p:nvSpPr>
+          <p:cNvPr id="11" name="TextBox 10">
+            <a:extLst>
+              <a:ext uri="{FF2B5EF4-FFF2-40B4-BE49-F238E27FC236}">
+                <a16:creationId xmlns:a16="http://schemas.microsoft.com/office/drawing/2014/main" id="{405127E4-EBDB-8C88-8E2B-D4E038DA6B67}"/>
+              </a:ext>
+            </a:extLst>
+          </p:cNvPr>
+          <p:cNvSpPr txBox="1"/>
+          <p:nvPr/>
+        </p:nvSpPr>
+        <p:spPr>
+          <a:xfrm>
+            <a:off x="7482532" y="1520785"/>
+            <a:ext cx="3799364" cy="4154984"/>
+          </a:xfrm>
+          <a:prstGeom prst="rect">
+            <a:avLst/>
+          </a:prstGeom>
+          <a:noFill/>
+        </p:spPr>
+        <p:txBody>
+          <a:bodyPr wrap="square">
+            <a:spAutoFit/>
+          </a:bodyPr>
+          <a:lstStyle/>
+          <a:p>
+            <a:pPr algn="l"/>
+            <a:r>
+              <a:rPr lang="en-US" sz="2200" dirty="0" err="1">
+                <a:solidFill>
+                  <a:srgbClr val="141414"/>
+                </a:solidFill>
+                <a:latin typeface="Tenorite (Body)"/>
+                <a:cs typeface="Arial" panose="020B0604020202020204" pitchFamily="34" charset="0"/>
+              </a:rPr>
+              <a:t>Attraverso</a:t>
+            </a:r>
+            <a:r>
+              <a:rPr lang="en-US" sz="2200" dirty="0">
+                <a:solidFill>
+                  <a:srgbClr val="141414"/>
+                </a:solidFill>
+                <a:latin typeface="Tenorite (Body)"/>
+                <a:cs typeface="Arial" panose="020B0604020202020204" pitchFamily="34" charset="0"/>
+              </a:rPr>
+              <a:t> il Bottone “</a:t>
+            </a:r>
+            <a:r>
+              <a:rPr lang="en-US" sz="2200" b="1" dirty="0">
+                <a:solidFill>
+                  <a:srgbClr val="141414"/>
+                </a:solidFill>
+                <a:latin typeface="Tenorite (Body)"/>
+                <a:cs typeface="Arial" panose="020B0604020202020204" pitchFamily="34" charset="0"/>
+              </a:rPr>
+              <a:t>Browse for More” </a:t>
+            </a:r>
+            <a:r>
+              <a:rPr lang="en-US" sz="2200" dirty="0" err="1">
+                <a:solidFill>
+                  <a:srgbClr val="141414"/>
+                </a:solidFill>
+                <a:latin typeface="Tenorite (Body)"/>
+                <a:cs typeface="Arial" panose="020B0604020202020204" pitchFamily="34" charset="0"/>
+              </a:rPr>
+              <a:t>si</a:t>
+            </a:r>
+            <a:r>
+              <a:rPr lang="en-US" sz="2200" dirty="0">
+                <a:solidFill>
+                  <a:srgbClr val="141414"/>
+                </a:solidFill>
+                <a:latin typeface="Tenorite (Body)"/>
+                <a:cs typeface="Arial" panose="020B0604020202020204" pitchFamily="34" charset="0"/>
+              </a:rPr>
+              <a:t> </a:t>
+            </a:r>
+            <a:r>
+              <a:rPr lang="en-US" sz="2200" dirty="0" err="1">
+                <a:solidFill>
+                  <a:srgbClr val="141414"/>
+                </a:solidFill>
+                <a:latin typeface="Tenorite (Body)"/>
+                <a:cs typeface="Arial" panose="020B0604020202020204" pitchFamily="34" charset="0"/>
+              </a:rPr>
+              <a:t>ricerca</a:t>
+            </a:r>
+            <a:r>
+              <a:rPr lang="en-US" sz="2200" dirty="0">
+                <a:solidFill>
+                  <a:srgbClr val="141414"/>
+                </a:solidFill>
+                <a:latin typeface="Tenorite (Body)"/>
+                <a:cs typeface="Arial" panose="020B0604020202020204" pitchFamily="34" charset="0"/>
+              </a:rPr>
+              <a:t> il file Access </a:t>
+            </a:r>
+            <a:r>
+              <a:rPr lang="en-US" sz="2200" dirty="0" err="1">
+                <a:solidFill>
+                  <a:srgbClr val="141414"/>
+                </a:solidFill>
+                <a:latin typeface="Tenorite (Body)"/>
+                <a:cs typeface="Arial" panose="020B0604020202020204" pitchFamily="34" charset="0"/>
+              </a:rPr>
+              <a:t>che</a:t>
+            </a:r>
+            <a:r>
+              <a:rPr lang="en-US" sz="2200" dirty="0">
+                <a:solidFill>
+                  <a:srgbClr val="141414"/>
+                </a:solidFill>
+                <a:latin typeface="Tenorite (Body)"/>
+                <a:cs typeface="Arial" panose="020B0604020202020204" pitchFamily="34" charset="0"/>
+              </a:rPr>
+              <a:t> </a:t>
+            </a:r>
+            <a:r>
+              <a:rPr lang="en-US" sz="2200" dirty="0" err="1">
+                <a:solidFill>
+                  <a:srgbClr val="141414"/>
+                </a:solidFill>
+                <a:latin typeface="Tenorite (Body)"/>
+                <a:cs typeface="Arial" panose="020B0604020202020204" pitchFamily="34" charset="0"/>
+              </a:rPr>
+              <a:t>contiene</a:t>
+            </a:r>
+            <a:r>
+              <a:rPr lang="en-US" sz="2200" dirty="0">
+                <a:solidFill>
+                  <a:srgbClr val="141414"/>
+                </a:solidFill>
+                <a:latin typeface="Tenorite (Body)"/>
+                <a:cs typeface="Arial" panose="020B0604020202020204" pitchFamily="34" charset="0"/>
+              </a:rPr>
+              <a:t> il DB da cui </a:t>
+            </a:r>
+            <a:r>
+              <a:rPr lang="en-US" sz="2200" dirty="0" err="1">
+                <a:solidFill>
+                  <a:srgbClr val="141414"/>
+                </a:solidFill>
+                <a:latin typeface="Tenorite (Body)"/>
+                <a:cs typeface="Arial" panose="020B0604020202020204" pitchFamily="34" charset="0"/>
+              </a:rPr>
+              <a:t>estrapolare</a:t>
+            </a:r>
+            <a:r>
+              <a:rPr lang="en-US" sz="2200" dirty="0">
+                <a:solidFill>
+                  <a:srgbClr val="141414"/>
+                </a:solidFill>
+                <a:latin typeface="Tenorite (Body)"/>
+                <a:cs typeface="Arial" panose="020B0604020202020204" pitchFamily="34" charset="0"/>
+              </a:rPr>
+              <a:t> la </a:t>
+            </a:r>
+            <a:r>
+              <a:rPr lang="en-US" sz="2200" b="1" dirty="0" err="1">
+                <a:solidFill>
+                  <a:srgbClr val="141414"/>
+                </a:solidFill>
+                <a:latin typeface="Tenorite (Body)"/>
+                <a:cs typeface="Arial" panose="020B0604020202020204" pitchFamily="34" charset="0"/>
+              </a:rPr>
+              <a:t>Tabella</a:t>
+            </a:r>
+            <a:r>
+              <a:rPr lang="en-US" sz="2200" b="1" dirty="0">
+                <a:solidFill>
+                  <a:srgbClr val="141414"/>
+                </a:solidFill>
+                <a:latin typeface="Tenorite (Body)"/>
+                <a:cs typeface="Arial" panose="020B0604020202020204" pitchFamily="34" charset="0"/>
+              </a:rPr>
+              <a:t> Pivot</a:t>
+            </a:r>
+          </a:p>
+          <a:p>
+            <a:pPr algn="l"/>
+            <a:endParaRPr lang="en-US" sz="2200" b="1" dirty="0">
+              <a:solidFill>
+                <a:srgbClr val="141414"/>
+              </a:solidFill>
+              <a:latin typeface="Tenorite (Body)"/>
+              <a:cs typeface="Arial" panose="020B0604020202020204" pitchFamily="34" charset="0"/>
+            </a:endParaRPr>
+          </a:p>
+          <a:p>
+            <a:pPr algn="l"/>
+            <a:r>
+              <a:rPr lang="en-US" sz="2200" dirty="0">
+                <a:solidFill>
+                  <a:srgbClr val="141414"/>
+                </a:solidFill>
+                <a:latin typeface="Tenorite (Body)"/>
+                <a:cs typeface="Arial" panose="020B0604020202020204" pitchFamily="34" charset="0"/>
+              </a:rPr>
+              <a:t>Una volta </a:t>
+            </a:r>
+            <a:r>
+              <a:rPr lang="en-US" sz="2200" dirty="0" err="1">
+                <a:solidFill>
+                  <a:srgbClr val="141414"/>
+                </a:solidFill>
+                <a:latin typeface="Tenorite (Body)"/>
+                <a:cs typeface="Arial" panose="020B0604020202020204" pitchFamily="34" charset="0"/>
+              </a:rPr>
+              <a:t>identificata</a:t>
+            </a:r>
+            <a:r>
+              <a:rPr lang="en-US" sz="2200" dirty="0">
+                <a:solidFill>
+                  <a:srgbClr val="141414"/>
+                </a:solidFill>
+                <a:latin typeface="Tenorite (Body)"/>
+                <a:cs typeface="Arial" panose="020B0604020202020204" pitchFamily="34" charset="0"/>
+              </a:rPr>
+              <a:t> la </a:t>
+            </a:r>
+            <a:r>
+              <a:rPr lang="en-US" sz="2200" dirty="0" err="1">
+                <a:solidFill>
+                  <a:srgbClr val="141414"/>
+                </a:solidFill>
+                <a:latin typeface="Tenorite (Body)"/>
+                <a:cs typeface="Arial" panose="020B0604020202020204" pitchFamily="34" charset="0"/>
+              </a:rPr>
+              <a:t>sorgente</a:t>
+            </a:r>
+            <a:r>
+              <a:rPr lang="en-US" sz="2200" dirty="0">
+                <a:solidFill>
+                  <a:srgbClr val="141414"/>
+                </a:solidFill>
+                <a:latin typeface="Tenorite (Body)"/>
+                <a:cs typeface="Arial" panose="020B0604020202020204" pitchFamily="34" charset="0"/>
+              </a:rPr>
+              <a:t> </a:t>
+            </a:r>
+            <a:r>
+              <a:rPr lang="en-US" sz="2200" dirty="0" err="1">
+                <a:solidFill>
+                  <a:srgbClr val="141414"/>
+                </a:solidFill>
+                <a:latin typeface="Tenorite (Body)"/>
+                <a:cs typeface="Arial" panose="020B0604020202020204" pitchFamily="34" charset="0"/>
+              </a:rPr>
+              <a:t>esterna</a:t>
+            </a:r>
+            <a:r>
+              <a:rPr lang="en-US" sz="2200" dirty="0">
+                <a:solidFill>
+                  <a:srgbClr val="141414"/>
+                </a:solidFill>
+                <a:latin typeface="Tenorite (Body)"/>
+                <a:cs typeface="Arial" panose="020B0604020202020204" pitchFamily="34" charset="0"/>
+              </a:rPr>
+              <a:t> di </a:t>
+            </a:r>
+            <a:r>
+              <a:rPr lang="en-US" sz="2200" dirty="0" err="1">
+                <a:solidFill>
+                  <a:srgbClr val="141414"/>
+                </a:solidFill>
+                <a:latin typeface="Tenorite (Body)"/>
+                <a:cs typeface="Arial" panose="020B0604020202020204" pitchFamily="34" charset="0"/>
+              </a:rPr>
+              <a:t>dati</a:t>
+            </a:r>
+            <a:r>
+              <a:rPr lang="en-US" sz="2200" dirty="0">
+                <a:solidFill>
+                  <a:srgbClr val="141414"/>
+                </a:solidFill>
+                <a:latin typeface="Tenorite (Body)"/>
+                <a:cs typeface="Arial" panose="020B0604020202020204" pitchFamily="34" charset="0"/>
+              </a:rPr>
+              <a:t>, il Lavoro </a:t>
+            </a:r>
+            <a:r>
+              <a:rPr lang="en-US" sz="2200" dirty="0" err="1">
+                <a:solidFill>
+                  <a:srgbClr val="141414"/>
+                </a:solidFill>
+                <a:latin typeface="Tenorite (Body)"/>
+                <a:cs typeface="Arial" panose="020B0604020202020204" pitchFamily="34" charset="0"/>
+              </a:rPr>
+              <a:t>sulla</a:t>
+            </a:r>
+            <a:r>
+              <a:rPr lang="en-US" sz="2200" dirty="0">
+                <a:solidFill>
+                  <a:srgbClr val="141414"/>
+                </a:solidFill>
+                <a:latin typeface="Tenorite (Body)"/>
+                <a:cs typeface="Arial" panose="020B0604020202020204" pitchFamily="34" charset="0"/>
+              </a:rPr>
+              <a:t> </a:t>
+            </a:r>
+            <a:r>
+              <a:rPr lang="en-US" sz="2200" dirty="0" err="1">
+                <a:solidFill>
+                  <a:srgbClr val="141414"/>
+                </a:solidFill>
+                <a:latin typeface="Tenorite (Body)"/>
+                <a:cs typeface="Arial" panose="020B0604020202020204" pitchFamily="34" charset="0"/>
+              </a:rPr>
+              <a:t>Tabella</a:t>
+            </a:r>
+            <a:r>
+              <a:rPr lang="en-US" sz="2200" dirty="0">
+                <a:solidFill>
+                  <a:srgbClr val="141414"/>
+                </a:solidFill>
+                <a:latin typeface="Tenorite (Body)"/>
+                <a:cs typeface="Arial" panose="020B0604020202020204" pitchFamily="34" charset="0"/>
+              </a:rPr>
+              <a:t> Pivot è del </a:t>
+            </a:r>
+            <a:r>
+              <a:rPr lang="en-US" sz="2200" dirty="0" err="1">
+                <a:solidFill>
+                  <a:srgbClr val="141414"/>
+                </a:solidFill>
+                <a:latin typeface="Tenorite (Body)"/>
+                <a:cs typeface="Arial" panose="020B0604020202020204" pitchFamily="34" charset="0"/>
+              </a:rPr>
+              <a:t>tutto</a:t>
+            </a:r>
+            <a:r>
+              <a:rPr lang="en-US" sz="2200" dirty="0">
+                <a:solidFill>
+                  <a:srgbClr val="141414"/>
+                </a:solidFill>
+                <a:latin typeface="Tenorite (Body)"/>
+                <a:cs typeface="Arial" panose="020B0604020202020204" pitchFamily="34" charset="0"/>
+              </a:rPr>
+              <a:t> simile a </a:t>
+            </a:r>
+            <a:r>
+              <a:rPr lang="en-US" sz="2200" dirty="0" err="1">
+                <a:solidFill>
+                  <a:srgbClr val="141414"/>
+                </a:solidFill>
+                <a:latin typeface="Tenorite (Body)"/>
+                <a:cs typeface="Arial" panose="020B0604020202020204" pitchFamily="34" charset="0"/>
+              </a:rPr>
+              <a:t>quando</a:t>
+            </a:r>
+            <a:r>
+              <a:rPr lang="en-US" sz="2200" dirty="0">
+                <a:solidFill>
+                  <a:srgbClr val="141414"/>
+                </a:solidFill>
+                <a:latin typeface="Tenorite (Body)"/>
+                <a:cs typeface="Arial" panose="020B0604020202020204" pitchFamily="34" charset="0"/>
+              </a:rPr>
+              <a:t> la </a:t>
+            </a:r>
+            <a:r>
+              <a:rPr lang="en-US" sz="2200" dirty="0" err="1">
+                <a:solidFill>
+                  <a:srgbClr val="141414"/>
+                </a:solidFill>
+                <a:latin typeface="Tenorite (Body)"/>
+                <a:cs typeface="Arial" panose="020B0604020202020204" pitchFamily="34" charset="0"/>
+              </a:rPr>
+              <a:t>sorgente</a:t>
+            </a:r>
+            <a:r>
+              <a:rPr lang="en-US" sz="2200" dirty="0">
+                <a:solidFill>
+                  <a:srgbClr val="141414"/>
+                </a:solidFill>
+                <a:latin typeface="Tenorite (Body)"/>
+                <a:cs typeface="Arial" panose="020B0604020202020204" pitchFamily="34" charset="0"/>
+              </a:rPr>
+              <a:t> è </a:t>
+            </a:r>
+            <a:r>
+              <a:rPr lang="en-US" sz="2200" dirty="0" err="1">
+                <a:solidFill>
+                  <a:srgbClr val="141414"/>
+                </a:solidFill>
+                <a:latin typeface="Tenorite (Body)"/>
+                <a:cs typeface="Arial" panose="020B0604020202020204" pitchFamily="34" charset="0"/>
+              </a:rPr>
+              <a:t>direttamente</a:t>
+            </a:r>
+            <a:r>
+              <a:rPr lang="en-US" sz="2200" dirty="0">
+                <a:solidFill>
+                  <a:srgbClr val="141414"/>
+                </a:solidFill>
+                <a:latin typeface="Tenorite (Body)"/>
+                <a:cs typeface="Arial" panose="020B0604020202020204" pitchFamily="34" charset="0"/>
+              </a:rPr>
+              <a:t> in un file Excel</a:t>
+            </a:r>
+          </a:p>
+        </p:txBody>
+      </p:sp>
     </p:spTree>
+    <p:extLst>
+      <p:ext uri="{BB962C8B-B14F-4D97-AF65-F5344CB8AC3E}">
+        <p14:creationId xmlns:p14="http://schemas.microsoft.com/office/powerpoint/2010/main" val="557946158"/>
+      </p:ext>
+    </p:extLst>
   </p:cSld>
   <p:clrMapOvr>
     <a:masterClrMapping/>
@@ -16216,6 +20043,1066 @@
       </p:grpSpPr>
       <p:sp>
         <p:nvSpPr>
+          <p:cNvPr id="219138" name="Title 1">
+            <a:extLst>
+              <a:ext uri="{FF2B5EF4-FFF2-40B4-BE49-F238E27FC236}">
+                <a16:creationId xmlns:a16="http://schemas.microsoft.com/office/drawing/2014/main" id="{3C635CC5-FED9-68C3-F0A7-F6EF75882A16}"/>
+              </a:ext>
+            </a:extLst>
+          </p:cNvPr>
+          <p:cNvSpPr>
+            <a:spLocks noGrp="1" noChangeArrowheads="1"/>
+          </p:cNvSpPr>
+          <p:nvPr>
+            <p:ph type="title"/>
+          </p:nvPr>
+        </p:nvSpPr>
+        <p:spPr>
+          <a:xfrm>
+            <a:off x="1166813" y="381000"/>
+            <a:ext cx="9780587" cy="1325563"/>
+          </a:xfrm>
+        </p:spPr>
+        <p:txBody>
+          <a:bodyPr/>
+          <a:lstStyle/>
+          <a:p>
+            <a:r>
+              <a:rPr lang="en-US" altLang="en-US" dirty="0" err="1"/>
+              <a:t>Esercizio</a:t>
+            </a:r>
+            <a:r>
+              <a:rPr lang="en-US" altLang="en-US" dirty="0"/>
+              <a:t> 8-2</a:t>
+            </a:r>
+          </a:p>
+        </p:txBody>
+      </p:sp>
+      <p:sp>
+        <p:nvSpPr>
+          <p:cNvPr id="219139" name="Content Placeholder 2">
+            <a:extLst>
+              <a:ext uri="{FF2B5EF4-FFF2-40B4-BE49-F238E27FC236}">
+                <a16:creationId xmlns:a16="http://schemas.microsoft.com/office/drawing/2014/main" id="{555BB7AF-1F67-D33C-3251-5EDB39820C51}"/>
+              </a:ext>
+            </a:extLst>
+          </p:cNvPr>
+          <p:cNvSpPr>
+            <a:spLocks noGrp="1" noChangeArrowheads="1"/>
+          </p:cNvSpPr>
+          <p:nvPr>
+            <p:ph type="body" idx="1"/>
+          </p:nvPr>
+        </p:nvSpPr>
+        <p:spPr>
+          <a:xfrm>
+            <a:off x="1166813" y="2652713"/>
+            <a:ext cx="9780587" cy="3703637"/>
+          </a:xfrm>
+        </p:spPr>
+        <p:txBody>
+          <a:bodyPr/>
+          <a:lstStyle/>
+          <a:p>
+            <a:r>
+              <a:rPr lang="en-US" altLang="en-US" b="1" dirty="0" err="1"/>
+              <a:t>Esercizio</a:t>
+            </a:r>
+            <a:r>
+              <a:rPr lang="en-US" altLang="en-US" b="1" dirty="0"/>
+              <a:t> </a:t>
+            </a:r>
+            <a:r>
+              <a:rPr lang="en-US" altLang="en-US" b="1" dirty="0" err="1"/>
+              <a:t>sull’invio</a:t>
+            </a:r>
+            <a:r>
+              <a:rPr lang="en-US" altLang="en-US" b="1" dirty="0"/>
+              <a:t> di </a:t>
+            </a:r>
+            <a:r>
+              <a:rPr lang="en-US" altLang="en-US" b="1" dirty="0" err="1"/>
+              <a:t>una</a:t>
+            </a:r>
+            <a:r>
+              <a:rPr lang="en-US" altLang="en-US" b="1" dirty="0"/>
+              <a:t> mail da Outlook </a:t>
+            </a:r>
+            <a:r>
+              <a:rPr lang="en-US" altLang="en-US" b="1" dirty="0" err="1"/>
+              <a:t>che</a:t>
+            </a:r>
+            <a:r>
+              <a:rPr lang="en-US" altLang="en-US" b="1" dirty="0"/>
+              <a:t> </a:t>
+            </a:r>
+            <a:r>
+              <a:rPr lang="en-US" altLang="en-US" b="1" dirty="0" err="1"/>
+              <a:t>prende</a:t>
+            </a:r>
+            <a:r>
+              <a:rPr lang="en-US" altLang="en-US" b="1" dirty="0"/>
+              <a:t> la </a:t>
+            </a:r>
+            <a:r>
+              <a:rPr lang="en-US" altLang="en-US" b="1" dirty="0" err="1"/>
+              <a:t>lista</a:t>
+            </a:r>
+            <a:r>
+              <a:rPr lang="en-US" altLang="en-US" b="1" dirty="0"/>
+              <a:t> di </a:t>
+            </a:r>
+            <a:r>
+              <a:rPr lang="en-US" altLang="en-US" b="1" dirty="0" err="1"/>
+              <a:t>distribuzione</a:t>
+            </a:r>
+            <a:r>
+              <a:rPr lang="en-US" altLang="en-US" b="1" dirty="0"/>
+              <a:t> da Excel</a:t>
+            </a:r>
+          </a:p>
+          <a:p>
+            <a:r>
+              <a:rPr lang="en-US" altLang="en-US" b="1" dirty="0"/>
+              <a:t>document26\SimpleMailingList.xlsx</a:t>
+            </a:r>
+          </a:p>
+          <a:p>
+            <a:r>
+              <a:rPr lang="en-US" altLang="en-US" b="1" dirty="0"/>
+              <a:t>document26\Outlook_Excel_Macro.txt, da </a:t>
+            </a:r>
+            <a:r>
+              <a:rPr lang="en-US" altLang="en-US" b="1" dirty="0" err="1"/>
+              <a:t>importare</a:t>
+            </a:r>
+            <a:r>
+              <a:rPr lang="en-US" altLang="en-US" b="1" dirty="0"/>
+              <a:t> </a:t>
+            </a:r>
+            <a:r>
+              <a:rPr lang="en-US" altLang="en-US" b="1" dirty="0" err="1"/>
+              <a:t>nel</a:t>
+            </a:r>
+            <a:r>
+              <a:rPr lang="en-US" altLang="en-US" b="1" dirty="0"/>
+              <a:t> VBA di Outlook</a:t>
+            </a:r>
+          </a:p>
+        </p:txBody>
+      </p:sp>
+      <p:sp>
+        <p:nvSpPr>
+          <p:cNvPr id="219140" name="Date Placeholder 3">
+            <a:extLst>
+              <a:ext uri="{FF2B5EF4-FFF2-40B4-BE49-F238E27FC236}">
+                <a16:creationId xmlns:a16="http://schemas.microsoft.com/office/drawing/2014/main" id="{4EFB2512-CC38-B8F1-BE58-B8E3F982C379}"/>
+              </a:ext>
+            </a:extLst>
+          </p:cNvPr>
+          <p:cNvSpPr>
+            <a:spLocks noGrp="1" noChangeArrowheads="1"/>
+          </p:cNvSpPr>
+          <p:nvPr>
+            <p:ph type="dt" sz="quarter" idx="10"/>
+          </p:nvPr>
+        </p:nvSpPr>
+        <p:spPr bwMode="auto">
+          <a:xfrm>
+            <a:off x="166688" y="6356350"/>
+            <a:ext cx="2743200" cy="365125"/>
+          </a:xfrm>
+          <a:noFill/>
+          <a:extLst>
+            <a:ext uri="{909E8E84-426E-40DD-AFC4-6F175D3DCCD1}">
+              <a14:hiddenFill xmlns:a14="http://schemas.microsoft.com/office/drawing/2010/main">
+                <a:solidFill>
+                  <a:srgbClr val="FFFFFF"/>
+                </a:solidFill>
+              </a14:hiddenFill>
+            </a:ext>
+            <a:ext uri="{91240B29-F687-4F45-9708-019B960494DF}">
+              <a14:hiddenLine xmlns:a14="http://schemas.microsoft.com/office/drawing/2010/main" w="9525">
+                <a:solidFill>
+                  <a:srgbClr val="000000"/>
+                </a:solidFill>
+                <a:miter lim="800000"/>
+                <a:headEnd/>
+                <a:tailEnd/>
+              </a14:hiddenLine>
+            </a:ext>
+          </a:extLst>
+        </p:spPr>
+        <p:txBody>
+          <a:bodyPr wrap="square" numCol="1" anchorCtr="0" compatLnSpc="1">
+            <a:prstTxWarp prst="textNoShape">
+              <a:avLst/>
+            </a:prstTxWarp>
+          </a:bodyPr>
+          <a:lstStyle>
+            <a:lvl1pPr>
+              <a:defRPr>
+                <a:solidFill>
+                  <a:schemeClr val="tx1"/>
+                </a:solidFill>
+                <a:latin typeface="Tenorite" panose="00000500000000000000" pitchFamily="2" charset="0"/>
+              </a:defRPr>
+            </a:lvl1pPr>
+            <a:lvl2pPr marL="742950" indent="-285750">
+              <a:defRPr>
+                <a:solidFill>
+                  <a:schemeClr val="tx1"/>
+                </a:solidFill>
+                <a:latin typeface="Tenorite" panose="00000500000000000000" pitchFamily="2" charset="0"/>
+              </a:defRPr>
+            </a:lvl2pPr>
+            <a:lvl3pPr marL="1143000" indent="-228600">
+              <a:defRPr>
+                <a:solidFill>
+                  <a:schemeClr val="tx1"/>
+                </a:solidFill>
+                <a:latin typeface="Tenorite" panose="00000500000000000000" pitchFamily="2" charset="0"/>
+              </a:defRPr>
+            </a:lvl3pPr>
+            <a:lvl4pPr marL="1600200" indent="-228600">
+              <a:defRPr>
+                <a:solidFill>
+                  <a:schemeClr val="tx1"/>
+                </a:solidFill>
+                <a:latin typeface="Tenorite" panose="00000500000000000000" pitchFamily="2" charset="0"/>
+              </a:defRPr>
+            </a:lvl4pPr>
+            <a:lvl5pPr marL="2057400" indent="-228600">
+              <a:defRPr>
+                <a:solidFill>
+                  <a:schemeClr val="tx1"/>
+                </a:solidFill>
+                <a:latin typeface="Tenorite" panose="00000500000000000000" pitchFamily="2" charset="0"/>
+              </a:defRPr>
+            </a:lvl5pPr>
+            <a:lvl6pPr marL="2514600" indent="-228600" fontAlgn="base">
+              <a:spcBef>
+                <a:spcPct val="0"/>
+              </a:spcBef>
+              <a:spcAft>
+                <a:spcPct val="0"/>
+              </a:spcAft>
+              <a:defRPr>
+                <a:solidFill>
+                  <a:schemeClr val="tx1"/>
+                </a:solidFill>
+                <a:latin typeface="Tenorite" panose="00000500000000000000" pitchFamily="2" charset="0"/>
+              </a:defRPr>
+            </a:lvl6pPr>
+            <a:lvl7pPr marL="2971800" indent="-228600" fontAlgn="base">
+              <a:spcBef>
+                <a:spcPct val="0"/>
+              </a:spcBef>
+              <a:spcAft>
+                <a:spcPct val="0"/>
+              </a:spcAft>
+              <a:defRPr>
+                <a:solidFill>
+                  <a:schemeClr val="tx1"/>
+                </a:solidFill>
+                <a:latin typeface="Tenorite" panose="00000500000000000000" pitchFamily="2" charset="0"/>
+              </a:defRPr>
+            </a:lvl7pPr>
+            <a:lvl8pPr marL="3429000" indent="-228600" fontAlgn="base">
+              <a:spcBef>
+                <a:spcPct val="0"/>
+              </a:spcBef>
+              <a:spcAft>
+                <a:spcPct val="0"/>
+              </a:spcAft>
+              <a:defRPr>
+                <a:solidFill>
+                  <a:schemeClr val="tx1"/>
+                </a:solidFill>
+                <a:latin typeface="Tenorite" panose="00000500000000000000" pitchFamily="2" charset="0"/>
+              </a:defRPr>
+            </a:lvl8pPr>
+            <a:lvl9pPr marL="3886200" indent="-228600" fontAlgn="base">
+              <a:spcBef>
+                <a:spcPct val="0"/>
+              </a:spcBef>
+              <a:spcAft>
+                <a:spcPct val="0"/>
+              </a:spcAft>
+              <a:defRPr>
+                <a:solidFill>
+                  <a:schemeClr val="tx1"/>
+                </a:solidFill>
+                <a:latin typeface="Tenorite" panose="00000500000000000000" pitchFamily="2" charset="0"/>
+              </a:defRPr>
+            </a:lvl9pPr>
+          </a:lstStyle>
+          <a:p>
+            <a:pPr fontAlgn="base">
+              <a:spcBef>
+                <a:spcPct val="0"/>
+              </a:spcBef>
+              <a:spcAft>
+                <a:spcPct val="0"/>
+              </a:spcAft>
+            </a:pPr>
+            <a:r>
+              <a:rPr lang="en-US" altLang="en-US">
+                <a:solidFill>
+                  <a:schemeClr val="accent2"/>
+                </a:solidFill>
+              </a:rPr>
+              <a:t>GIUGNO-LUGLIO 2023</a:t>
+            </a:r>
+          </a:p>
+        </p:txBody>
+      </p:sp>
+      <p:sp>
+        <p:nvSpPr>
+          <p:cNvPr id="219141" name="Footer Placeholder 4">
+            <a:extLst>
+              <a:ext uri="{FF2B5EF4-FFF2-40B4-BE49-F238E27FC236}">
+                <a16:creationId xmlns:a16="http://schemas.microsoft.com/office/drawing/2014/main" id="{A05A4E75-AB28-2488-A3A6-556E4B21C118}"/>
+              </a:ext>
+            </a:extLst>
+          </p:cNvPr>
+          <p:cNvSpPr>
+            <a:spLocks noGrp="1" noChangeArrowheads="1"/>
+          </p:cNvSpPr>
+          <p:nvPr>
+            <p:ph type="ftr" sz="quarter" idx="11"/>
+          </p:nvPr>
+        </p:nvSpPr>
+        <p:spPr bwMode="auto">
+          <a:noFill/>
+          <a:extLst>
+            <a:ext uri="{909E8E84-426E-40DD-AFC4-6F175D3DCCD1}">
+              <a14:hiddenFill xmlns:a14="http://schemas.microsoft.com/office/drawing/2010/main">
+                <a:solidFill>
+                  <a:srgbClr val="FFFFFF"/>
+                </a:solidFill>
+              </a14:hiddenFill>
+            </a:ext>
+            <a:ext uri="{91240B29-F687-4F45-9708-019B960494DF}">
+              <a14:hiddenLine xmlns:a14="http://schemas.microsoft.com/office/drawing/2010/main" w="9525">
+                <a:solidFill>
+                  <a:srgbClr val="000000"/>
+                </a:solidFill>
+                <a:miter lim="800000"/>
+                <a:headEnd/>
+                <a:tailEnd/>
+              </a14:hiddenLine>
+            </a:ext>
+          </a:extLst>
+        </p:spPr>
+        <p:txBody>
+          <a:bodyPr wrap="square" numCol="1" anchorCtr="0" compatLnSpc="1">
+            <a:prstTxWarp prst="textNoShape">
+              <a:avLst/>
+            </a:prstTxWarp>
+          </a:bodyPr>
+          <a:lstStyle>
+            <a:lvl1pPr>
+              <a:defRPr>
+                <a:solidFill>
+                  <a:schemeClr val="tx1"/>
+                </a:solidFill>
+                <a:latin typeface="Tenorite" panose="00000500000000000000" pitchFamily="2" charset="0"/>
+              </a:defRPr>
+            </a:lvl1pPr>
+            <a:lvl2pPr marL="742950" indent="-285750">
+              <a:defRPr>
+                <a:solidFill>
+                  <a:schemeClr val="tx1"/>
+                </a:solidFill>
+                <a:latin typeface="Tenorite" panose="00000500000000000000" pitchFamily="2" charset="0"/>
+              </a:defRPr>
+            </a:lvl2pPr>
+            <a:lvl3pPr marL="1143000" indent="-228600">
+              <a:defRPr>
+                <a:solidFill>
+                  <a:schemeClr val="tx1"/>
+                </a:solidFill>
+                <a:latin typeface="Tenorite" panose="00000500000000000000" pitchFamily="2" charset="0"/>
+              </a:defRPr>
+            </a:lvl3pPr>
+            <a:lvl4pPr marL="1600200" indent="-228600">
+              <a:defRPr>
+                <a:solidFill>
+                  <a:schemeClr val="tx1"/>
+                </a:solidFill>
+                <a:latin typeface="Tenorite" panose="00000500000000000000" pitchFamily="2" charset="0"/>
+              </a:defRPr>
+            </a:lvl4pPr>
+            <a:lvl5pPr marL="2057400" indent="-228600">
+              <a:defRPr>
+                <a:solidFill>
+                  <a:schemeClr val="tx1"/>
+                </a:solidFill>
+                <a:latin typeface="Tenorite" panose="00000500000000000000" pitchFamily="2" charset="0"/>
+              </a:defRPr>
+            </a:lvl5pPr>
+            <a:lvl6pPr marL="2514600" indent="-228600" fontAlgn="base">
+              <a:spcBef>
+                <a:spcPct val="0"/>
+              </a:spcBef>
+              <a:spcAft>
+                <a:spcPct val="0"/>
+              </a:spcAft>
+              <a:defRPr>
+                <a:solidFill>
+                  <a:schemeClr val="tx1"/>
+                </a:solidFill>
+                <a:latin typeface="Tenorite" panose="00000500000000000000" pitchFamily="2" charset="0"/>
+              </a:defRPr>
+            </a:lvl6pPr>
+            <a:lvl7pPr marL="2971800" indent="-228600" fontAlgn="base">
+              <a:spcBef>
+                <a:spcPct val="0"/>
+              </a:spcBef>
+              <a:spcAft>
+                <a:spcPct val="0"/>
+              </a:spcAft>
+              <a:defRPr>
+                <a:solidFill>
+                  <a:schemeClr val="tx1"/>
+                </a:solidFill>
+                <a:latin typeface="Tenorite" panose="00000500000000000000" pitchFamily="2" charset="0"/>
+              </a:defRPr>
+            </a:lvl7pPr>
+            <a:lvl8pPr marL="3429000" indent="-228600" fontAlgn="base">
+              <a:spcBef>
+                <a:spcPct val="0"/>
+              </a:spcBef>
+              <a:spcAft>
+                <a:spcPct val="0"/>
+              </a:spcAft>
+              <a:defRPr>
+                <a:solidFill>
+                  <a:schemeClr val="tx1"/>
+                </a:solidFill>
+                <a:latin typeface="Tenorite" panose="00000500000000000000" pitchFamily="2" charset="0"/>
+              </a:defRPr>
+            </a:lvl8pPr>
+            <a:lvl9pPr marL="3886200" indent="-228600" fontAlgn="base">
+              <a:spcBef>
+                <a:spcPct val="0"/>
+              </a:spcBef>
+              <a:spcAft>
+                <a:spcPct val="0"/>
+              </a:spcAft>
+              <a:defRPr>
+                <a:solidFill>
+                  <a:schemeClr val="tx1"/>
+                </a:solidFill>
+                <a:latin typeface="Tenorite" panose="00000500000000000000" pitchFamily="2" charset="0"/>
+              </a:defRPr>
+            </a:lvl9pPr>
+          </a:lstStyle>
+          <a:p>
+            <a:pPr fontAlgn="base">
+              <a:spcBef>
+                <a:spcPct val="0"/>
+              </a:spcBef>
+              <a:spcAft>
+                <a:spcPct val="0"/>
+              </a:spcAft>
+            </a:pPr>
+            <a:r>
+              <a:rPr lang="en-US" altLang="en-US">
+                <a:solidFill>
+                  <a:schemeClr val="accent2"/>
+                </a:solidFill>
+              </a:rPr>
+              <a:t>MICROSOFT EXCEL – BASE e AVANZATO</a:t>
+            </a:r>
+          </a:p>
+        </p:txBody>
+      </p:sp>
+      <p:sp>
+        <p:nvSpPr>
+          <p:cNvPr id="6" name="Slide Number Placeholder 5">
+            <a:extLst>
+              <a:ext uri="{FF2B5EF4-FFF2-40B4-BE49-F238E27FC236}">
+                <a16:creationId xmlns:a16="http://schemas.microsoft.com/office/drawing/2014/main" id="{61631478-AAE4-4618-1C86-F5CD93235875}"/>
+              </a:ext>
+            </a:extLst>
+          </p:cNvPr>
+          <p:cNvSpPr>
+            <a:spLocks noGrp="1"/>
+          </p:cNvSpPr>
+          <p:nvPr>
+            <p:ph type="sldNum" sz="quarter" idx="12"/>
+          </p:nvPr>
+        </p:nvSpPr>
+        <p:spPr/>
+        <p:txBody>
+          <a:bodyPr/>
+          <a:lstStyle/>
+          <a:p>
+            <a:pPr>
+              <a:defRPr/>
+            </a:pPr>
+            <a:fld id="{2769046D-4378-47E4-BCC0-4D651C931E0A}" type="slidenum">
+              <a:rPr lang="en-US"/>
+              <a:pPr>
+                <a:defRPr/>
+              </a:pPr>
+              <a:t>7</a:t>
+            </a:fld>
+            <a:endParaRPr lang="en-US" dirty="0"/>
+          </a:p>
+        </p:txBody>
+      </p:sp>
+    </p:spTree>
+    <p:extLst>
+      <p:ext uri="{BB962C8B-B14F-4D97-AF65-F5344CB8AC3E}">
+        <p14:creationId xmlns:p14="http://schemas.microsoft.com/office/powerpoint/2010/main" val="3565817721"/>
+      </p:ext>
+    </p:extLst>
+  </p:cSld>
+  <p:clrMapOvr>
+    <a:masterClrMapping/>
+  </p:clrMapOvr>
+</p:sld>
+</file>
+
+<file path=ppt/slides/slide8.xml><?xml version="1.0" encoding="utf-8"?>
+<p:sld xmlns:a="http://schemas.openxmlformats.org/drawingml/2006/main" xmlns:r="http://schemas.openxmlformats.org/officeDocument/2006/relationships" xmlns:p="http://schemas.openxmlformats.org/presentationml/2006/main">
+  <p:cSld>
+    <p:spTree>
+      <p:nvGrpSpPr>
+        <p:cNvPr id="1" name=""/>
+        <p:cNvGrpSpPr/>
+        <p:nvPr/>
+      </p:nvGrpSpPr>
+      <p:grpSpPr>
+        <a:xfrm>
+          <a:off x="0" y="0"/>
+          <a:ext cx="0" cy="0"/>
+          <a:chOff x="0" y="0"/>
+          <a:chExt cx="0" cy="0"/>
+        </a:xfrm>
+      </p:grpSpPr>
+      <p:sp>
+        <p:nvSpPr>
+          <p:cNvPr id="219138" name="Title 1">
+            <a:extLst>
+              <a:ext uri="{FF2B5EF4-FFF2-40B4-BE49-F238E27FC236}">
+                <a16:creationId xmlns:a16="http://schemas.microsoft.com/office/drawing/2014/main" id="{3C635CC5-FED9-68C3-F0A7-F6EF75882A16}"/>
+              </a:ext>
+            </a:extLst>
+          </p:cNvPr>
+          <p:cNvSpPr>
+            <a:spLocks noGrp="1" noChangeArrowheads="1"/>
+          </p:cNvSpPr>
+          <p:nvPr>
+            <p:ph type="title"/>
+          </p:nvPr>
+        </p:nvSpPr>
+        <p:spPr>
+          <a:xfrm>
+            <a:off x="1166813" y="381000"/>
+            <a:ext cx="9780587" cy="1325563"/>
+          </a:xfrm>
+        </p:spPr>
+        <p:txBody>
+          <a:bodyPr/>
+          <a:lstStyle/>
+          <a:p>
+            <a:r>
+              <a:rPr lang="en-US" altLang="en-US" dirty="0" err="1"/>
+              <a:t>Esercizio</a:t>
+            </a:r>
+            <a:r>
+              <a:rPr lang="en-US" altLang="en-US" dirty="0"/>
+              <a:t> 8-3</a:t>
+            </a:r>
+          </a:p>
+        </p:txBody>
+      </p:sp>
+      <p:sp>
+        <p:nvSpPr>
+          <p:cNvPr id="219139" name="Content Placeholder 2">
+            <a:extLst>
+              <a:ext uri="{FF2B5EF4-FFF2-40B4-BE49-F238E27FC236}">
+                <a16:creationId xmlns:a16="http://schemas.microsoft.com/office/drawing/2014/main" id="{555BB7AF-1F67-D33C-3251-5EDB39820C51}"/>
+              </a:ext>
+            </a:extLst>
+          </p:cNvPr>
+          <p:cNvSpPr>
+            <a:spLocks noGrp="1" noChangeArrowheads="1"/>
+          </p:cNvSpPr>
+          <p:nvPr>
+            <p:ph type="body" idx="1"/>
+          </p:nvPr>
+        </p:nvSpPr>
+        <p:spPr>
+          <a:xfrm>
+            <a:off x="1166813" y="2652713"/>
+            <a:ext cx="9780587" cy="3703637"/>
+          </a:xfrm>
+        </p:spPr>
+        <p:txBody>
+          <a:bodyPr/>
+          <a:lstStyle/>
+          <a:p>
+            <a:r>
+              <a:rPr lang="en-US" altLang="en-US" b="1" dirty="0" err="1"/>
+              <a:t>Esercizio</a:t>
+            </a:r>
+            <a:r>
+              <a:rPr lang="en-US" altLang="en-US" b="1" dirty="0"/>
+              <a:t> </a:t>
+            </a:r>
+            <a:r>
+              <a:rPr lang="en-US" altLang="en-US" b="1" dirty="0" err="1"/>
+              <a:t>su</a:t>
+            </a:r>
+            <a:r>
+              <a:rPr lang="en-US" altLang="en-US" b="1" dirty="0"/>
+              <a:t> Stampa </a:t>
+            </a:r>
+            <a:r>
+              <a:rPr lang="en-US" altLang="en-US" b="1" dirty="0" err="1"/>
+              <a:t>Unione</a:t>
+            </a:r>
+            <a:r>
+              <a:rPr lang="en-US" altLang="en-US" b="1" dirty="0"/>
+              <a:t> in Word</a:t>
+            </a:r>
+          </a:p>
+          <a:p>
+            <a:r>
+              <a:rPr lang="en-US" altLang="en-US" b="1" dirty="0"/>
+              <a:t>document26\IndirizziExcel_Word.xlsx</a:t>
+            </a:r>
+          </a:p>
+          <a:p>
+            <a:r>
+              <a:rPr lang="en-US" altLang="en-US" b="1" dirty="0"/>
+              <a:t>document26\LetteraDoc.docx</a:t>
+            </a:r>
+          </a:p>
+          <a:p>
+            <a:r>
+              <a:rPr lang="en-US" altLang="en-US" b="1" dirty="0"/>
+              <a:t>NOTA: </a:t>
+            </a:r>
+            <a:r>
+              <a:rPr lang="en-US" altLang="en-US" b="1" dirty="0" err="1"/>
+              <a:t>Esercizio</a:t>
+            </a:r>
+            <a:r>
+              <a:rPr lang="en-US" altLang="en-US" b="1" dirty="0"/>
+              <a:t> senza </a:t>
+            </a:r>
+            <a:r>
+              <a:rPr lang="en-US" altLang="en-US" b="1" dirty="0" err="1"/>
+              <a:t>l’utilizzo</a:t>
+            </a:r>
+            <a:r>
+              <a:rPr lang="en-US" altLang="en-US" b="1" dirty="0"/>
+              <a:t> di Macro</a:t>
+            </a:r>
+          </a:p>
+        </p:txBody>
+      </p:sp>
+      <p:sp>
+        <p:nvSpPr>
+          <p:cNvPr id="219140" name="Date Placeholder 3">
+            <a:extLst>
+              <a:ext uri="{FF2B5EF4-FFF2-40B4-BE49-F238E27FC236}">
+                <a16:creationId xmlns:a16="http://schemas.microsoft.com/office/drawing/2014/main" id="{4EFB2512-CC38-B8F1-BE58-B8E3F982C379}"/>
+              </a:ext>
+            </a:extLst>
+          </p:cNvPr>
+          <p:cNvSpPr>
+            <a:spLocks noGrp="1" noChangeArrowheads="1"/>
+          </p:cNvSpPr>
+          <p:nvPr>
+            <p:ph type="dt" sz="quarter" idx="10"/>
+          </p:nvPr>
+        </p:nvSpPr>
+        <p:spPr bwMode="auto">
+          <a:xfrm>
+            <a:off x="166688" y="6356350"/>
+            <a:ext cx="2743200" cy="365125"/>
+          </a:xfrm>
+          <a:noFill/>
+          <a:extLst>
+            <a:ext uri="{909E8E84-426E-40DD-AFC4-6F175D3DCCD1}">
+              <a14:hiddenFill xmlns:a14="http://schemas.microsoft.com/office/drawing/2010/main">
+                <a:solidFill>
+                  <a:srgbClr val="FFFFFF"/>
+                </a:solidFill>
+              </a14:hiddenFill>
+            </a:ext>
+            <a:ext uri="{91240B29-F687-4F45-9708-019B960494DF}">
+              <a14:hiddenLine xmlns:a14="http://schemas.microsoft.com/office/drawing/2010/main" w="9525">
+                <a:solidFill>
+                  <a:srgbClr val="000000"/>
+                </a:solidFill>
+                <a:miter lim="800000"/>
+                <a:headEnd/>
+                <a:tailEnd/>
+              </a14:hiddenLine>
+            </a:ext>
+          </a:extLst>
+        </p:spPr>
+        <p:txBody>
+          <a:bodyPr wrap="square" numCol="1" anchorCtr="0" compatLnSpc="1">
+            <a:prstTxWarp prst="textNoShape">
+              <a:avLst/>
+            </a:prstTxWarp>
+          </a:bodyPr>
+          <a:lstStyle>
+            <a:lvl1pPr>
+              <a:defRPr>
+                <a:solidFill>
+                  <a:schemeClr val="tx1"/>
+                </a:solidFill>
+                <a:latin typeface="Tenorite" panose="00000500000000000000" pitchFamily="2" charset="0"/>
+              </a:defRPr>
+            </a:lvl1pPr>
+            <a:lvl2pPr marL="742950" indent="-285750">
+              <a:defRPr>
+                <a:solidFill>
+                  <a:schemeClr val="tx1"/>
+                </a:solidFill>
+                <a:latin typeface="Tenorite" panose="00000500000000000000" pitchFamily="2" charset="0"/>
+              </a:defRPr>
+            </a:lvl2pPr>
+            <a:lvl3pPr marL="1143000" indent="-228600">
+              <a:defRPr>
+                <a:solidFill>
+                  <a:schemeClr val="tx1"/>
+                </a:solidFill>
+                <a:latin typeface="Tenorite" panose="00000500000000000000" pitchFamily="2" charset="0"/>
+              </a:defRPr>
+            </a:lvl3pPr>
+            <a:lvl4pPr marL="1600200" indent="-228600">
+              <a:defRPr>
+                <a:solidFill>
+                  <a:schemeClr val="tx1"/>
+                </a:solidFill>
+                <a:latin typeface="Tenorite" panose="00000500000000000000" pitchFamily="2" charset="0"/>
+              </a:defRPr>
+            </a:lvl4pPr>
+            <a:lvl5pPr marL="2057400" indent="-228600">
+              <a:defRPr>
+                <a:solidFill>
+                  <a:schemeClr val="tx1"/>
+                </a:solidFill>
+                <a:latin typeface="Tenorite" panose="00000500000000000000" pitchFamily="2" charset="0"/>
+              </a:defRPr>
+            </a:lvl5pPr>
+            <a:lvl6pPr marL="2514600" indent="-228600" fontAlgn="base">
+              <a:spcBef>
+                <a:spcPct val="0"/>
+              </a:spcBef>
+              <a:spcAft>
+                <a:spcPct val="0"/>
+              </a:spcAft>
+              <a:defRPr>
+                <a:solidFill>
+                  <a:schemeClr val="tx1"/>
+                </a:solidFill>
+                <a:latin typeface="Tenorite" panose="00000500000000000000" pitchFamily="2" charset="0"/>
+              </a:defRPr>
+            </a:lvl6pPr>
+            <a:lvl7pPr marL="2971800" indent="-228600" fontAlgn="base">
+              <a:spcBef>
+                <a:spcPct val="0"/>
+              </a:spcBef>
+              <a:spcAft>
+                <a:spcPct val="0"/>
+              </a:spcAft>
+              <a:defRPr>
+                <a:solidFill>
+                  <a:schemeClr val="tx1"/>
+                </a:solidFill>
+                <a:latin typeface="Tenorite" panose="00000500000000000000" pitchFamily="2" charset="0"/>
+              </a:defRPr>
+            </a:lvl7pPr>
+            <a:lvl8pPr marL="3429000" indent="-228600" fontAlgn="base">
+              <a:spcBef>
+                <a:spcPct val="0"/>
+              </a:spcBef>
+              <a:spcAft>
+                <a:spcPct val="0"/>
+              </a:spcAft>
+              <a:defRPr>
+                <a:solidFill>
+                  <a:schemeClr val="tx1"/>
+                </a:solidFill>
+                <a:latin typeface="Tenorite" panose="00000500000000000000" pitchFamily="2" charset="0"/>
+              </a:defRPr>
+            </a:lvl8pPr>
+            <a:lvl9pPr marL="3886200" indent="-228600" fontAlgn="base">
+              <a:spcBef>
+                <a:spcPct val="0"/>
+              </a:spcBef>
+              <a:spcAft>
+                <a:spcPct val="0"/>
+              </a:spcAft>
+              <a:defRPr>
+                <a:solidFill>
+                  <a:schemeClr val="tx1"/>
+                </a:solidFill>
+                <a:latin typeface="Tenorite" panose="00000500000000000000" pitchFamily="2" charset="0"/>
+              </a:defRPr>
+            </a:lvl9pPr>
+          </a:lstStyle>
+          <a:p>
+            <a:pPr fontAlgn="base">
+              <a:spcBef>
+                <a:spcPct val="0"/>
+              </a:spcBef>
+              <a:spcAft>
+                <a:spcPct val="0"/>
+              </a:spcAft>
+            </a:pPr>
+            <a:r>
+              <a:rPr lang="en-US" altLang="en-US">
+                <a:solidFill>
+                  <a:schemeClr val="accent2"/>
+                </a:solidFill>
+              </a:rPr>
+              <a:t>GIUGNO-LUGLIO 2023</a:t>
+            </a:r>
+          </a:p>
+        </p:txBody>
+      </p:sp>
+      <p:sp>
+        <p:nvSpPr>
+          <p:cNvPr id="219141" name="Footer Placeholder 4">
+            <a:extLst>
+              <a:ext uri="{FF2B5EF4-FFF2-40B4-BE49-F238E27FC236}">
+                <a16:creationId xmlns:a16="http://schemas.microsoft.com/office/drawing/2014/main" id="{A05A4E75-AB28-2488-A3A6-556E4B21C118}"/>
+              </a:ext>
+            </a:extLst>
+          </p:cNvPr>
+          <p:cNvSpPr>
+            <a:spLocks noGrp="1" noChangeArrowheads="1"/>
+          </p:cNvSpPr>
+          <p:nvPr>
+            <p:ph type="ftr" sz="quarter" idx="11"/>
+          </p:nvPr>
+        </p:nvSpPr>
+        <p:spPr bwMode="auto">
+          <a:noFill/>
+          <a:extLst>
+            <a:ext uri="{909E8E84-426E-40DD-AFC4-6F175D3DCCD1}">
+              <a14:hiddenFill xmlns:a14="http://schemas.microsoft.com/office/drawing/2010/main">
+                <a:solidFill>
+                  <a:srgbClr val="FFFFFF"/>
+                </a:solidFill>
+              </a14:hiddenFill>
+            </a:ext>
+            <a:ext uri="{91240B29-F687-4F45-9708-019B960494DF}">
+              <a14:hiddenLine xmlns:a14="http://schemas.microsoft.com/office/drawing/2010/main" w="9525">
+                <a:solidFill>
+                  <a:srgbClr val="000000"/>
+                </a:solidFill>
+                <a:miter lim="800000"/>
+                <a:headEnd/>
+                <a:tailEnd/>
+              </a14:hiddenLine>
+            </a:ext>
+          </a:extLst>
+        </p:spPr>
+        <p:txBody>
+          <a:bodyPr wrap="square" numCol="1" anchorCtr="0" compatLnSpc="1">
+            <a:prstTxWarp prst="textNoShape">
+              <a:avLst/>
+            </a:prstTxWarp>
+          </a:bodyPr>
+          <a:lstStyle>
+            <a:lvl1pPr>
+              <a:defRPr>
+                <a:solidFill>
+                  <a:schemeClr val="tx1"/>
+                </a:solidFill>
+                <a:latin typeface="Tenorite" panose="00000500000000000000" pitchFamily="2" charset="0"/>
+              </a:defRPr>
+            </a:lvl1pPr>
+            <a:lvl2pPr marL="742950" indent="-285750">
+              <a:defRPr>
+                <a:solidFill>
+                  <a:schemeClr val="tx1"/>
+                </a:solidFill>
+                <a:latin typeface="Tenorite" panose="00000500000000000000" pitchFamily="2" charset="0"/>
+              </a:defRPr>
+            </a:lvl2pPr>
+            <a:lvl3pPr marL="1143000" indent="-228600">
+              <a:defRPr>
+                <a:solidFill>
+                  <a:schemeClr val="tx1"/>
+                </a:solidFill>
+                <a:latin typeface="Tenorite" panose="00000500000000000000" pitchFamily="2" charset="0"/>
+              </a:defRPr>
+            </a:lvl3pPr>
+            <a:lvl4pPr marL="1600200" indent="-228600">
+              <a:defRPr>
+                <a:solidFill>
+                  <a:schemeClr val="tx1"/>
+                </a:solidFill>
+                <a:latin typeface="Tenorite" panose="00000500000000000000" pitchFamily="2" charset="0"/>
+              </a:defRPr>
+            </a:lvl4pPr>
+            <a:lvl5pPr marL="2057400" indent="-228600">
+              <a:defRPr>
+                <a:solidFill>
+                  <a:schemeClr val="tx1"/>
+                </a:solidFill>
+                <a:latin typeface="Tenorite" panose="00000500000000000000" pitchFamily="2" charset="0"/>
+              </a:defRPr>
+            </a:lvl5pPr>
+            <a:lvl6pPr marL="2514600" indent="-228600" fontAlgn="base">
+              <a:spcBef>
+                <a:spcPct val="0"/>
+              </a:spcBef>
+              <a:spcAft>
+                <a:spcPct val="0"/>
+              </a:spcAft>
+              <a:defRPr>
+                <a:solidFill>
+                  <a:schemeClr val="tx1"/>
+                </a:solidFill>
+                <a:latin typeface="Tenorite" panose="00000500000000000000" pitchFamily="2" charset="0"/>
+              </a:defRPr>
+            </a:lvl6pPr>
+            <a:lvl7pPr marL="2971800" indent="-228600" fontAlgn="base">
+              <a:spcBef>
+                <a:spcPct val="0"/>
+              </a:spcBef>
+              <a:spcAft>
+                <a:spcPct val="0"/>
+              </a:spcAft>
+              <a:defRPr>
+                <a:solidFill>
+                  <a:schemeClr val="tx1"/>
+                </a:solidFill>
+                <a:latin typeface="Tenorite" panose="00000500000000000000" pitchFamily="2" charset="0"/>
+              </a:defRPr>
+            </a:lvl7pPr>
+            <a:lvl8pPr marL="3429000" indent="-228600" fontAlgn="base">
+              <a:spcBef>
+                <a:spcPct val="0"/>
+              </a:spcBef>
+              <a:spcAft>
+                <a:spcPct val="0"/>
+              </a:spcAft>
+              <a:defRPr>
+                <a:solidFill>
+                  <a:schemeClr val="tx1"/>
+                </a:solidFill>
+                <a:latin typeface="Tenorite" panose="00000500000000000000" pitchFamily="2" charset="0"/>
+              </a:defRPr>
+            </a:lvl8pPr>
+            <a:lvl9pPr marL="3886200" indent="-228600" fontAlgn="base">
+              <a:spcBef>
+                <a:spcPct val="0"/>
+              </a:spcBef>
+              <a:spcAft>
+                <a:spcPct val="0"/>
+              </a:spcAft>
+              <a:defRPr>
+                <a:solidFill>
+                  <a:schemeClr val="tx1"/>
+                </a:solidFill>
+                <a:latin typeface="Tenorite" panose="00000500000000000000" pitchFamily="2" charset="0"/>
+              </a:defRPr>
+            </a:lvl9pPr>
+          </a:lstStyle>
+          <a:p>
+            <a:pPr fontAlgn="base">
+              <a:spcBef>
+                <a:spcPct val="0"/>
+              </a:spcBef>
+              <a:spcAft>
+                <a:spcPct val="0"/>
+              </a:spcAft>
+            </a:pPr>
+            <a:r>
+              <a:rPr lang="en-US" altLang="en-US">
+                <a:solidFill>
+                  <a:schemeClr val="accent2"/>
+                </a:solidFill>
+              </a:rPr>
+              <a:t>MICROSOFT EXCEL – BASE e AVANZATO</a:t>
+            </a:r>
+          </a:p>
+        </p:txBody>
+      </p:sp>
+      <p:sp>
+        <p:nvSpPr>
+          <p:cNvPr id="6" name="Slide Number Placeholder 5">
+            <a:extLst>
+              <a:ext uri="{FF2B5EF4-FFF2-40B4-BE49-F238E27FC236}">
+                <a16:creationId xmlns:a16="http://schemas.microsoft.com/office/drawing/2014/main" id="{61631478-AAE4-4618-1C86-F5CD93235875}"/>
+              </a:ext>
+            </a:extLst>
+          </p:cNvPr>
+          <p:cNvSpPr>
+            <a:spLocks noGrp="1"/>
+          </p:cNvSpPr>
+          <p:nvPr>
+            <p:ph type="sldNum" sz="quarter" idx="12"/>
+          </p:nvPr>
+        </p:nvSpPr>
+        <p:spPr/>
+        <p:txBody>
+          <a:bodyPr/>
+          <a:lstStyle/>
+          <a:p>
+            <a:pPr>
+              <a:defRPr/>
+            </a:pPr>
+            <a:fld id="{2769046D-4378-47E4-BCC0-4D651C931E0A}" type="slidenum">
+              <a:rPr lang="en-US"/>
+              <a:pPr>
+                <a:defRPr/>
+              </a:pPr>
+              <a:t>8</a:t>
+            </a:fld>
+            <a:endParaRPr lang="en-US" dirty="0"/>
+          </a:p>
+        </p:txBody>
+      </p:sp>
+    </p:spTree>
+    <p:extLst>
+      <p:ext uri="{BB962C8B-B14F-4D97-AF65-F5344CB8AC3E}">
+        <p14:creationId xmlns:p14="http://schemas.microsoft.com/office/powerpoint/2010/main" val="1465657844"/>
+      </p:ext>
+    </p:extLst>
+  </p:cSld>
+  <p:clrMapOvr>
+    <a:masterClrMapping/>
+  </p:clrMapOvr>
+</p:sld>
+</file>
+
+<file path=ppt/slides/slide9.xml><?xml version="1.0" encoding="utf-8"?>
+<p:sld xmlns:a="http://schemas.openxmlformats.org/drawingml/2006/main" xmlns:r="http://schemas.openxmlformats.org/officeDocument/2006/relationships" xmlns:p="http://schemas.openxmlformats.org/presentationml/2006/main">
+  <p:cSld>
+    <p:spTree>
+      <p:nvGrpSpPr>
+        <p:cNvPr id="1" name=""/>
+        <p:cNvGrpSpPr/>
+        <p:nvPr/>
+      </p:nvGrpSpPr>
+      <p:grpSpPr>
+        <a:xfrm>
+          <a:off x="0" y="0"/>
+          <a:ext cx="0" cy="0"/>
+          <a:chOff x="0" y="0"/>
+          <a:chExt cx="0" cy="0"/>
+        </a:xfrm>
+      </p:grpSpPr>
+      <p:sp>
+        <p:nvSpPr>
           <p:cNvPr id="221186" name="Title 1">
             <a:extLst>
               <a:ext uri="{FF2B5EF4-FFF2-40B4-BE49-F238E27FC236}">
@@ -16473,7 +21360,7 @@
               <a:pPr>
                 <a:defRPr/>
               </a:pPr>
-              <a:t>7</a:t>
+              <a:t>9</a:t>
             </a:fld>
             <a:endParaRPr lang="en-US" dirty="0"/>
           </a:p>
@@ -16506,11 +21393,11 @@
           <a:lstStyle/>
           <a:p>
             <a:r>
-              <a:rPr lang="en-US" altLang="en-US"/>
+              <a:rPr lang="en-US" altLang="en-US" dirty="0"/>
               <a:t>Corso Base: </a:t>
             </a:r>
             <a:r>
-              <a:rPr lang="en-US" altLang="en-US">
+              <a:rPr lang="en-US" altLang="en-US" dirty="0">
                 <a:solidFill>
                   <a:srgbClr val="005E7D"/>
                 </a:solidFill>
@@ -16519,7 +21406,7 @@
               </a:rPr>
               <a:t>https://promoter-krx.my.webex.com/promoter-krx.my-it/j.php?MTID=m38f5a43314453ac6c4068cb57ff4b7d9</a:t>
             </a:r>
-            <a:endParaRPr lang="en-US" altLang="en-US">
+            <a:endParaRPr lang="en-US" altLang="en-US" dirty="0">
               <a:solidFill>
                 <a:srgbClr val="005E7D"/>
               </a:solidFill>
@@ -16528,11 +21415,19 @@
           </a:p>
           <a:p>
             <a:r>
-              <a:rPr lang="en-US" altLang="en-US"/>
-              <a:t>Corso Avanzato: </a:t>
-            </a:r>
-            <a:r>
-              <a:rPr lang="en-US" altLang="en-US">
+              <a:rPr lang="en-US" altLang="en-US" dirty="0"/>
+              <a:t>Corso </a:t>
+            </a:r>
+            <a:r>
+              <a:rPr lang="en-US" altLang="en-US" dirty="0" err="1"/>
+              <a:t>Avanzato</a:t>
+            </a:r>
+            <a:r>
+              <a:rPr lang="en-US" altLang="en-US" dirty="0"/>
+              <a:t>: </a:t>
+            </a:r>
+            <a:r>
+              <a:rPr lang="en-US" altLang="en-US" dirty="0">
                 <a:solidFill>
                   <a:srgbClr val="005E7D"/>
                 </a:solidFill>
@@ -16541,7 +21436,7 @@
               </a:rPr>
               <a:t>https://promoter-krx.my.webex.com/promoter-krx.my-it/j.php?MTID=m6f8c358d2b9a48b623355eae09591646</a:t>
             </a:r>
-            <a:endParaRPr lang="en-US" altLang="en-US">
+            <a:endParaRPr lang="en-US" altLang="en-US" dirty="0">
               <a:solidFill>
                 <a:srgbClr val="005E7D"/>
               </a:solidFill>
@@ -16550,11 +21445,19 @@
           </a:p>
           <a:p>
             <a:r>
-              <a:rPr lang="en-US" altLang="en-US"/>
-              <a:t>Corso Base Recupero: </a:t>
-            </a:r>
-            <a:r>
-              <a:rPr lang="en-US" altLang="en-US">
+              <a:rPr lang="en-US" altLang="en-US" dirty="0"/>
+              <a:t>Corso Base </a:t>
+            </a:r>
+            <a:r>
+              <a:rPr lang="en-US" altLang="en-US" dirty="0" err="1"/>
+              <a:t>Recupero</a:t>
+            </a:r>
+            <a:r>
+              <a:rPr lang="en-US" altLang="en-US" dirty="0"/>
+              <a:t>: </a:t>
+            </a:r>
+            <a:r>
+              <a:rPr lang="en-US" altLang="en-US" dirty="0">
                 <a:solidFill>
                   <a:srgbClr val="005E7D"/>
                 </a:solidFill>
@@ -16563,7 +21466,7 @@
               </a:rPr>
               <a:t>https://promoter-krx.my.webex.com/promoter-krx.my-it/j.php?MTID=mdc82605ab43ae03f1f333b775d2c7102</a:t>
             </a:r>
-            <a:endParaRPr lang="en-US" altLang="en-US">
+            <a:endParaRPr lang="en-US" altLang="en-US" dirty="0">
               <a:solidFill>
                 <a:srgbClr val="005E7D"/>
               </a:solidFill>
@@ -16572,11 +21475,27 @@
           </a:p>
           <a:p>
             <a:r>
-              <a:rPr lang="en-US" altLang="en-US"/>
-              <a:t>Corso Avanzato Recupero: </a:t>
-            </a:r>
-            <a:r>
-              <a:rPr lang="en-US" altLang="en-US">
+              <a:rPr lang="en-US" altLang="en-US" dirty="0"/>
+              <a:t>Corso </a:t>
+            </a:r>
+            <a:r>
+              <a:rPr lang="en-US" altLang="en-US" dirty="0" err="1"/>
+              <a:t>Avanzato</a:t>
+            </a:r>
+            <a:r>
+              <a:rPr lang="en-US" altLang="en-US" dirty="0"/>
+              <a:t> </a:t>
+            </a:r>
+            <a:r>
+              <a:rPr lang="en-US" altLang="en-US" dirty="0" err="1"/>
+              <a:t>Recupero</a:t>
+            </a:r>
+            <a:r>
+              <a:rPr lang="en-US" altLang="en-US" dirty="0"/>
+              <a:t>: </a:t>
+            </a:r>
+            <a:r>
+              <a:rPr lang="en-US" altLang="en-US" dirty="0">
                 <a:solidFill>
                   <a:srgbClr val="005E7D"/>
                 </a:solidFill>
@@ -16585,109 +21504,12 @@
               </a:rPr>
               <a:t>https://promoter-krx.my.webex.com/promoter-krx.my-it/j.php?MTID=m963d444c2b75d91bd407a7f0de59e50c</a:t>
             </a:r>
-            <a:endParaRPr lang="en-US" altLang="en-US">
+            <a:endParaRPr lang="en-US" altLang="en-US" dirty="0">
               <a:latin typeface="Tenorite Display" panose="00000500000000000000" pitchFamily="2" charset="0"/>
             </a:endParaRPr>
           </a:p>
           <a:p>
-            <a:endParaRPr lang="en-US" altLang="en-US"/>
-          </a:p>
-        </p:txBody>
-      </p:sp>
-    </p:spTree>
-  </p:cSld>
-  <p:clrMapOvr>
-    <a:masterClrMapping/>
-  </p:clrMapOvr>
-</p:sld>
-</file>
-
-<file path=ppt/slides/slide8.xml><?xml version="1.0" encoding="utf-8"?>
-<p:sld xmlns:a="http://schemas.openxmlformats.org/drawingml/2006/main" xmlns:r="http://schemas.openxmlformats.org/officeDocument/2006/relationships" xmlns:p="http://schemas.openxmlformats.org/presentationml/2006/main">
-  <p:cSld>
-    <p:spTree>
-      <p:nvGrpSpPr>
-        <p:cNvPr id="1" name=""/>
-        <p:cNvGrpSpPr/>
-        <p:nvPr/>
-      </p:nvGrpSpPr>
-      <p:grpSpPr>
-        <a:xfrm>
-          <a:off x="0" y="0"/>
-          <a:ext cx="0" cy="0"/>
-          <a:chOff x="0" y="0"/>
-          <a:chExt cx="0" cy="0"/>
-        </a:xfrm>
-      </p:grpSpPr>
-      <p:sp>
-        <p:nvSpPr>
-          <p:cNvPr id="222210" name="Title 1">
-            <a:extLst>
-              <a:ext uri="{FF2B5EF4-FFF2-40B4-BE49-F238E27FC236}">
-                <a16:creationId xmlns:a16="http://schemas.microsoft.com/office/drawing/2014/main" id="{8044EDFF-B5E1-46FA-7E83-8E0822AA92EA}"/>
-              </a:ext>
-            </a:extLst>
-          </p:cNvPr>
-          <p:cNvSpPr>
-            <a:spLocks noGrp="1" noChangeArrowheads="1"/>
-          </p:cNvSpPr>
-          <p:nvPr>
-            <p:ph type="ctrTitle"/>
-          </p:nvPr>
-        </p:nvSpPr>
-        <p:spPr>
-          <a:xfrm>
-            <a:off x="1166813" y="1122363"/>
-            <a:ext cx="6221412" cy="2387600"/>
-          </a:xfrm>
-        </p:spPr>
-        <p:txBody>
-          <a:bodyPr/>
-          <a:lstStyle/>
-          <a:p>
-            <a:r>
-              <a:rPr lang="en-US" altLang="en-US"/>
-              <a:t>Thank you</a:t>
-            </a:r>
-          </a:p>
-        </p:txBody>
-      </p:sp>
-      <p:sp>
-        <p:nvSpPr>
-          <p:cNvPr id="222211" name="Content Placeholder 2">
-            <a:extLst>
-              <a:ext uri="{FF2B5EF4-FFF2-40B4-BE49-F238E27FC236}">
-                <a16:creationId xmlns:a16="http://schemas.microsoft.com/office/drawing/2014/main" id="{6DB2CEA8-BDAE-3A7D-D81B-52967D9142BE}"/>
-              </a:ext>
-            </a:extLst>
-          </p:cNvPr>
-          <p:cNvSpPr>
-            <a:spLocks noGrp="1" noChangeArrowheads="1"/>
-          </p:cNvSpPr>
-          <p:nvPr>
-            <p:ph type="subTitle" idx="1"/>
-          </p:nvPr>
-        </p:nvSpPr>
-        <p:spPr>
-          <a:xfrm>
-            <a:off x="1166813" y="3602038"/>
-            <a:ext cx="6221412" cy="2247900"/>
-          </a:xfrm>
-        </p:spPr>
-        <p:txBody>
-          <a:bodyPr/>
-          <a:lstStyle/>
-          <a:p>
-            <a:r>
-              <a:rPr lang="en-US" altLang="en-US"/>
-              <a:t>Pierluigi Salera​</a:t>
-            </a:r>
-          </a:p>
-          <a:p>
-            <a:r>
-              <a:rPr lang="en-US" altLang="en-US"/>
-              <a:t>igi_sweden@yahoo.it</a:t>
-            </a:r>
+            <a:endParaRPr lang="en-US" altLang="en-US" dirty="0"/>
           </a:p>
         </p:txBody>
       </p:sp>
@@ -17215,15 +22037,6 @@
 </file>
 
 <file path=customXml/item2.xml><?xml version="1.0" encoding="utf-8"?>
-<?mso-contentType ?>
-<FormTemplates xmlns="http://schemas.microsoft.com/sharepoint/v3/contenttype/forms">
-  <Display>DocumentLibraryForm</Display>
-  <Edit>DocumentLibraryForm</Edit>
-  <New>DocumentLibraryForm</New>
-</FormTemplates>
-</file>
-
-<file path=customXml/item3.xml><?xml version="1.0" encoding="utf-8"?>
 <ct:contentTypeSchema xmlns:ct="http://schemas.microsoft.com/office/2006/metadata/contentType" xmlns:ma="http://schemas.microsoft.com/office/2006/metadata/properties/metaAttributes" ct:_="" ma:_="" ma:contentTypeName="Document" ma:contentTypeID="0x01010079F111ED35F8CC479449609E8A0923A6" ma:contentTypeVersion="21" ma:contentTypeDescription="Create a new document." ma:contentTypeScope="" ma:versionID="64dfb1555687e0874b4304b796b5b0c7">
   <xsd:schema xmlns:xsd="http://www.w3.org/2001/XMLSchema" xmlns:xs="http://www.w3.org/2001/XMLSchema" xmlns:p="http://schemas.microsoft.com/office/2006/metadata/properties" xmlns:ns1="http://schemas.microsoft.com/sharepoint/v3" xmlns:ns2="71af3243-3dd4-4a8d-8c0d-dd76da1f02a5" xmlns:ns3="16c05727-aa75-4e4a-9b5f-8a80a1165891" xmlns:ns4="230e9df3-be65-4c73-a93b-d1236ebd677e" targetNamespace="http://schemas.microsoft.com/office/2006/metadata/properties" ma:root="true" ma:fieldsID="e6e4c555b5e194d05b7203de9c4567b3" ns1:_="" ns2:_="" ns3:_="" ns4:_="">
     <xsd:import namespace="http://schemas.microsoft.com/sharepoint/v3"/>
@@ -17505,6 +22318,15 @@
 </ct:contentTypeSchema>
 </file>
 
+<file path=customXml/item3.xml><?xml version="1.0" encoding="utf-8"?>
+<?mso-contentType ?>
+<FormTemplates xmlns="http://schemas.microsoft.com/sharepoint/v3/contenttype/forms">
+  <Display>DocumentLibraryForm</Display>
+  <Edit>DocumentLibraryForm</Edit>
+  <New>DocumentLibraryForm</New>
+</FormTemplates>
+</file>
+
 <file path=customXml/itemProps1.xml><?xml version="1.0" encoding="utf-8"?>
 <ds:datastoreItem xmlns:ds="http://schemas.openxmlformats.org/officeDocument/2006/customXml" ds:itemID="{4D5BAB77-79E1-4739-AA51-10C9079186D6}">
   <ds:schemaRefs>
@@ -17525,14 +22347,6 @@
 </file>
 
 <file path=customXml/itemProps2.xml><?xml version="1.0" encoding="utf-8"?>
-<ds:datastoreItem xmlns:ds="http://schemas.openxmlformats.org/officeDocument/2006/customXml" ds:itemID="{85334180-0405-413B-834A-44FA9E05ADB7}">
-  <ds:schemaRefs>
-    <ds:schemaRef ds:uri="http://schemas.microsoft.com/sharepoint/v3/contenttype/forms"/>
-  </ds:schemaRefs>
-</ds:datastoreItem>
-</file>
-
-<file path=customXml/itemProps3.xml><?xml version="1.0" encoding="utf-8"?>
 <ds:datastoreItem xmlns:ds="http://schemas.openxmlformats.org/officeDocument/2006/customXml" ds:itemID="{4A615295-94F6-4CE2-A1B1-6B7E1DAA5AD6}">
   <ds:schemaRefs>
     <ds:schemaRef ds:uri="http://schemas.microsoft.com/office/2006/metadata/contentType"/>
@@ -17551,4 +22365,12 @@
     <ds:schemaRef ds:uri="http://schemas.microsoft.com/internal/obd"/>
   </ds:schemaRefs>
 </ds:datastoreItem>
+</file>
+
+<file path=customXml/itemProps3.xml><?xml version="1.0" encoding="utf-8"?>
+<ds:datastoreItem xmlns:ds="http://schemas.openxmlformats.org/officeDocument/2006/customXml" ds:itemID="{85334180-0405-413B-834A-44FA9E05ADB7}">
+  <ds:schemaRefs>
+    <ds:schemaRef ds:uri="http://schemas.microsoft.com/sharepoint/v3/contenttype/forms"/>
+  </ds:schemaRefs>
+</ds:datastoreItem>
 </file>